--- a/04-operator-overloading/slides-3-literals.pptx
+++ b/04-operator-overloading/slides-3-literals.pptx
@@ -4,16 +4,15 @@
   <p:sldMasterIdLst>
     <p:sldMasterId id="2147483648" r:id="rId2"/>
     <p:sldMasterId id="2147483661" r:id="rId3"/>
-    <p:sldMasterId id="2147483674" r:id="rId4"/>
   </p:sldMasterIdLst>
   <p:notesMasterIdLst>
-    <p:notesMasterId r:id="rId5"/>
+    <p:notesMasterId r:id="rId4"/>
   </p:notesMasterIdLst>
   <p:sldIdLst>
-    <p:sldId id="256" r:id="rId6"/>
-    <p:sldId id="257" r:id="rId7"/>
-    <p:sldId id="258" r:id="rId8"/>
-    <p:sldId id="259" r:id="rId9"/>
+    <p:sldId id="256" r:id="rId5"/>
+    <p:sldId id="257" r:id="rId6"/>
+    <p:sldId id="258" r:id="rId7"/>
+    <p:sldId id="259" r:id="rId8"/>
   </p:sldIdLst>
   <p:sldSz cx="12192000" cy="6858000"/>
   <p:notesSz cx="6858000" cy="9144000"/>
@@ -39,7 +38,7 @@
       </p:grpSpPr>
       <p:sp>
         <p:nvSpPr>
-          <p:cNvPr id="119" name="PlaceHolder 1"/>
+          <p:cNvPr id="76" name="PlaceHolder 1"/>
           <p:cNvSpPr>
             <a:spLocks noGrp="1"/>
           </p:cNvSpPr>
@@ -61,27 +60,22 @@
             <a:noAutofit/>
           </a:bodyPr>
           <a:p>
-            <a:r>
-              <a:rPr b="0" lang="en-IL" sz="1800" spc="-1" strike="noStrike">
-                <a:solidFill>
-                  <a:srgbClr val="000000"/>
-                </a:solidFill>
-                <a:latin typeface="Calibri"/>
+            <a:pPr algn="ctr"/>
+            <a:r>
+              <a:rPr b="0" lang="en-US" sz="4400" spc="-1" strike="noStrike">
+                <a:latin typeface="Arial"/>
               </a:rPr>
               <a:t>Click to move the slide</a:t>
             </a:r>
-            <a:endParaRPr b="0" lang="en-IL" sz="1800" spc="-1" strike="noStrike">
-              <a:solidFill>
-                <a:srgbClr val="000000"/>
-              </a:solidFill>
-              <a:latin typeface="Calibri"/>
-            </a:endParaRPr>
-          </a:p>
-        </p:txBody>
-      </p:sp>
-      <p:sp>
-        <p:nvSpPr>
-          <p:cNvPr id="120" name="PlaceHolder 2"/>
+            <a:endParaRPr b="0" lang="en-US" sz="4400" spc="-1" strike="noStrike">
+              <a:latin typeface="Arial"/>
+            </a:endParaRPr>
+          </a:p>
+        </p:txBody>
+      </p:sp>
+      <p:sp>
+        <p:nvSpPr>
+          <p:cNvPr id="77" name="PlaceHolder 2"/>
           <p:cNvSpPr>
             <a:spLocks noGrp="1"/>
           </p:cNvSpPr>
@@ -117,7 +111,7 @@
       </p:sp>
       <p:sp>
         <p:nvSpPr>
-          <p:cNvPr id="121" name="PlaceHolder 3"/>
+          <p:cNvPr id="78" name="PlaceHolder 3"/>
           <p:cNvSpPr>
             <a:spLocks noGrp="1"/>
           </p:cNvSpPr>
@@ -153,7 +147,7 @@
       </p:sp>
       <p:sp>
         <p:nvSpPr>
-          <p:cNvPr id="122" name="PlaceHolder 4"/>
+          <p:cNvPr id="79" name="PlaceHolder 4"/>
           <p:cNvSpPr>
             <a:spLocks noGrp="1"/>
           </p:cNvSpPr>
@@ -190,7 +184,7 @@
       </p:sp>
       <p:sp>
         <p:nvSpPr>
-          <p:cNvPr id="123" name="PlaceHolder 5"/>
+          <p:cNvPr id="80" name="PlaceHolder 5"/>
           <p:cNvSpPr>
             <a:spLocks noGrp="1"/>
           </p:cNvSpPr>
@@ -226,7 +220,7 @@
       </p:sp>
       <p:sp>
         <p:nvSpPr>
-          <p:cNvPr id="124" name="PlaceHolder 6"/>
+          <p:cNvPr id="81" name="PlaceHolder 6"/>
           <p:cNvSpPr>
             <a:spLocks noGrp="1"/>
           </p:cNvSpPr>
@@ -249,7 +243,7 @@
           </a:bodyPr>
           <a:p>
             <a:pPr algn="r"/>
-            <a:fld id="{B8A4E2CB-486A-4524-8987-A195732EE7CF}" type="slidenum">
+            <a:fld id="{48C412BA-B7EB-4303-96A1-63D5C7303C86}" type="slidenum">
               <a:rPr b="0" lang="en-US" sz="1400" spc="-1" strike="noStrike">
                 <a:latin typeface="Times New Roman"/>
               </a:rPr>
@@ -286,7 +280,7 @@
       </p:grpSpPr>
       <p:sp>
         <p:nvSpPr>
-          <p:cNvPr id="141" name="PlaceHolder 1"/>
+          <p:cNvPr id="98" name="PlaceHolder 1"/>
           <p:cNvSpPr>
             <a:spLocks noGrp="1"/>
           </p:cNvSpPr>
@@ -297,16 +291,16 @@
         <p:spPr>
           <a:xfrm>
             <a:off x="685800" y="1143000"/>
-            <a:ext cx="5486040" cy="3085920"/>
-          </a:xfrm>
-          <a:prstGeom prst="rect">
-            <a:avLst/>
-          </a:prstGeom>
-        </p:spPr>
-      </p:sp>
-      <p:sp>
-        <p:nvSpPr>
-          <p:cNvPr id="142" name="PlaceHolder 2"/>
+            <a:ext cx="5485320" cy="3085200"/>
+          </a:xfrm>
+          <a:prstGeom prst="rect">
+            <a:avLst/>
+          </a:prstGeom>
+        </p:spPr>
+      </p:sp>
+      <p:sp>
+        <p:nvSpPr>
+          <p:cNvPr id="99" name="PlaceHolder 2"/>
           <p:cNvSpPr>
             <a:spLocks noGrp="1"/>
           </p:cNvSpPr>
@@ -317,14 +311,14 @@
         <p:spPr>
           <a:xfrm>
             <a:off x="685800" y="4400640"/>
-            <a:ext cx="5486040" cy="3600000"/>
-          </a:xfrm>
-          <a:prstGeom prst="rect">
-            <a:avLst/>
-          </a:prstGeom>
-        </p:spPr>
-        <p:txBody>
-          <a:bodyPr>
+            <a:ext cx="5485320" cy="3599280"/>
+          </a:xfrm>
+          <a:prstGeom prst="rect">
+            <a:avLst/>
+          </a:prstGeom>
+        </p:spPr>
+        <p:txBody>
+          <a:bodyPr lIns="0" rIns="0" tIns="0" bIns="0">
             <a:noAutofit/>
           </a:bodyPr>
           <a:p>
@@ -336,14 +330,14 @@
       </p:sp>
       <p:sp>
         <p:nvSpPr>
-          <p:cNvPr id="143" name="TextShape 3"/>
-          <p:cNvSpPr txBox="1"/>
+          <p:cNvPr id="100" name="CustomShape 3"/>
+          <p:cNvSpPr/>
           <p:nvPr/>
         </p:nvSpPr>
         <p:spPr>
           <a:xfrm>
             <a:off x="3884760" y="8685360"/>
-            <a:ext cx="2971440" cy="458280"/>
+            <a:ext cx="2970720" cy="457560"/>
           </a:xfrm>
           <a:prstGeom prst="rect">
             <a:avLst/>
@@ -353,8 +347,14 @@
             <a:noFill/>
           </a:ln>
         </p:spPr>
-        <p:txBody>
-          <a:bodyPr anchor="b">
+        <p:style>
+          <a:lnRef idx="0"/>
+          <a:fillRef idx="0"/>
+          <a:effectRef idx="0"/>
+          <a:fontRef idx="minor"/>
+        </p:style>
+        <p:txBody>
+          <a:bodyPr lIns="90000" rIns="90000" tIns="45000" bIns="45000" anchor="b">
             <a:noAutofit/>
           </a:bodyPr>
           <a:p>
@@ -363,7 +363,7 @@
                 <a:spcPct val="100000"/>
               </a:lnSpc>
             </a:pPr>
-            <a:fld id="{15B2F24E-3195-4508-AB33-F3160499E987}" type="slidenum">
+            <a:fld id="{0D6EDDDE-67CF-44CB-B715-BE60D9D84683}" type="slidenum">
               <a:rPr b="0" lang="en-US" sz="1200" spc="-1" strike="noStrike">
                 <a:solidFill>
                   <a:srgbClr val="000000"/>
@@ -374,7 +374,7 @@
               <a:t>&lt;number&gt;</a:t>
             </a:fld>
             <a:endParaRPr b="0" lang="en-US" sz="1200" spc="-1" strike="noStrike">
-              <a:latin typeface="Times New Roman"/>
+              <a:latin typeface="Arial"/>
             </a:endParaRPr>
           </a:p>
         </p:txBody>
@@ -425,7 +425,7 @@
       </p:grpSpPr>
       <p:sp>
         <p:nvSpPr>
-          <p:cNvPr id="26" name="PlaceHolder 1"/>
+          <p:cNvPr id="23" name="PlaceHolder 1"/>
           <p:cNvSpPr>
             <a:spLocks noGrp="1"/>
           </p:cNvSpPr>
@@ -435,8 +435,8 @@
         </p:nvSpPr>
         <p:spPr>
           <a:xfrm>
-            <a:off x="815400" y="548640"/>
-            <a:ext cx="10560960" cy="719640"/>
+            <a:off x="609480" y="273600"/>
+            <a:ext cx="10972440" cy="1144800"/>
           </a:xfrm>
           <a:prstGeom prst="rect">
             <a:avLst/>
@@ -444,21 +444,19 @@
         </p:spPr>
         <p:txBody>
           <a:bodyPr lIns="0" rIns="0" tIns="0" bIns="0" anchor="ctr">
-            <a:spAutoFit/>
-          </a:bodyPr>
-          <a:p>
-            <a:endParaRPr b="0" lang="en-IL" sz="1800" spc="-1" strike="noStrike">
-              <a:solidFill>
-                <a:srgbClr val="000000"/>
-              </a:solidFill>
-              <a:latin typeface="Calibri"/>
-            </a:endParaRPr>
-          </a:p>
-        </p:txBody>
-      </p:sp>
-      <p:sp>
-        <p:nvSpPr>
-          <p:cNvPr id="27" name="PlaceHolder 2"/>
+            <a:noAutofit/>
+          </a:bodyPr>
+          <a:p>
+            <a:pPr algn="ctr"/>
+            <a:endParaRPr b="0" lang="en-US" sz="4400" spc="-1" strike="noStrike">
+              <a:latin typeface="Arial"/>
+            </a:endParaRPr>
+          </a:p>
+        </p:txBody>
+      </p:sp>
+      <p:sp>
+        <p:nvSpPr>
+          <p:cNvPr id="24" name="PlaceHolder 2"/>
           <p:cNvSpPr>
             <a:spLocks noGrp="1"/>
           </p:cNvSpPr>
@@ -468,8 +466,8 @@
         </p:nvSpPr>
         <p:spPr>
           <a:xfrm>
-            <a:off x="815400" y="1494000"/>
-            <a:ext cx="10672560" cy="510480"/>
+            <a:off x="609480" y="1604520"/>
+            <a:ext cx="10972440" cy="1896840"/>
           </a:xfrm>
           <a:prstGeom prst="rect">
             <a:avLst/>
@@ -480,18 +478,15 @@
             <a:normAutofit/>
           </a:bodyPr>
           <a:p>
-            <a:endParaRPr b="0" lang="en-IL" sz="2800" spc="-1" strike="noStrike">
-              <a:solidFill>
-                <a:srgbClr val="000000"/>
-              </a:solidFill>
-              <a:latin typeface="Calibri"/>
-            </a:endParaRPr>
-          </a:p>
-        </p:txBody>
-      </p:sp>
-      <p:sp>
-        <p:nvSpPr>
-          <p:cNvPr id="28" name="PlaceHolder 3"/>
+            <a:endParaRPr b="0" lang="en-US" sz="3200" spc="-1" strike="noStrike">
+              <a:latin typeface="Arial"/>
+            </a:endParaRPr>
+          </a:p>
+        </p:txBody>
+      </p:sp>
+      <p:sp>
+        <p:nvSpPr>
+          <p:cNvPr id="25" name="PlaceHolder 3"/>
           <p:cNvSpPr>
             <a:spLocks noGrp="1"/>
           </p:cNvSpPr>
@@ -501,8 +496,8 @@
         </p:nvSpPr>
         <p:spPr>
           <a:xfrm>
-            <a:off x="815400" y="2053440"/>
-            <a:ext cx="10672560" cy="510480"/>
+            <a:off x="609480" y="3682080"/>
+            <a:ext cx="10972440" cy="1896840"/>
           </a:xfrm>
           <a:prstGeom prst="rect">
             <a:avLst/>
@@ -513,11 +508,8 @@
             <a:normAutofit/>
           </a:bodyPr>
           <a:p>
-            <a:endParaRPr b="0" lang="en-IL" sz="2800" spc="-1" strike="noStrike">
-              <a:solidFill>
-                <a:srgbClr val="000000"/>
-              </a:solidFill>
-              <a:latin typeface="Calibri"/>
+            <a:endParaRPr b="0" lang="en-US" sz="3200" spc="-1" strike="noStrike">
+              <a:latin typeface="Arial"/>
             </a:endParaRPr>
           </a:p>
         </p:txBody>
@@ -546,7 +538,7 @@
       </p:grpSpPr>
       <p:sp>
         <p:nvSpPr>
-          <p:cNvPr id="29" name="PlaceHolder 1"/>
+          <p:cNvPr id="26" name="PlaceHolder 1"/>
           <p:cNvSpPr>
             <a:spLocks noGrp="1"/>
           </p:cNvSpPr>
@@ -556,8 +548,8 @@
         </p:nvSpPr>
         <p:spPr>
           <a:xfrm>
-            <a:off x="815400" y="548640"/>
-            <a:ext cx="10560960" cy="719640"/>
+            <a:off x="609480" y="273600"/>
+            <a:ext cx="10972440" cy="1144800"/>
           </a:xfrm>
           <a:prstGeom prst="rect">
             <a:avLst/>
@@ -565,21 +557,19 @@
         </p:spPr>
         <p:txBody>
           <a:bodyPr lIns="0" rIns="0" tIns="0" bIns="0" anchor="ctr">
-            <a:spAutoFit/>
-          </a:bodyPr>
-          <a:p>
-            <a:endParaRPr b="0" lang="en-IL" sz="1800" spc="-1" strike="noStrike">
-              <a:solidFill>
-                <a:srgbClr val="000000"/>
-              </a:solidFill>
-              <a:latin typeface="Calibri"/>
-            </a:endParaRPr>
-          </a:p>
-        </p:txBody>
-      </p:sp>
-      <p:sp>
-        <p:nvSpPr>
-          <p:cNvPr id="30" name="PlaceHolder 2"/>
+            <a:noAutofit/>
+          </a:bodyPr>
+          <a:p>
+            <a:pPr algn="ctr"/>
+            <a:endParaRPr b="0" lang="en-US" sz="4400" spc="-1" strike="noStrike">
+              <a:latin typeface="Arial"/>
+            </a:endParaRPr>
+          </a:p>
+        </p:txBody>
+      </p:sp>
+      <p:sp>
+        <p:nvSpPr>
+          <p:cNvPr id="27" name="PlaceHolder 2"/>
           <p:cNvSpPr>
             <a:spLocks noGrp="1"/>
           </p:cNvSpPr>
@@ -589,8 +579,8 @@
         </p:nvSpPr>
         <p:spPr>
           <a:xfrm>
-            <a:off x="815400" y="1494000"/>
-            <a:ext cx="5208120" cy="510480"/>
+            <a:off x="609480" y="1604520"/>
+            <a:ext cx="5354280" cy="1896840"/>
           </a:xfrm>
           <a:prstGeom prst="rect">
             <a:avLst/>
@@ -601,18 +591,15 @@
             <a:normAutofit/>
           </a:bodyPr>
           <a:p>
-            <a:endParaRPr b="0" lang="en-IL" sz="2800" spc="-1" strike="noStrike">
-              <a:solidFill>
-                <a:srgbClr val="000000"/>
-              </a:solidFill>
-              <a:latin typeface="Calibri"/>
-            </a:endParaRPr>
-          </a:p>
-        </p:txBody>
-      </p:sp>
-      <p:sp>
-        <p:nvSpPr>
-          <p:cNvPr id="31" name="PlaceHolder 3"/>
+            <a:endParaRPr b="0" lang="en-US" sz="3200" spc="-1" strike="noStrike">
+              <a:latin typeface="Arial"/>
+            </a:endParaRPr>
+          </a:p>
+        </p:txBody>
+      </p:sp>
+      <p:sp>
+        <p:nvSpPr>
+          <p:cNvPr id="28" name="PlaceHolder 3"/>
           <p:cNvSpPr>
             <a:spLocks noGrp="1"/>
           </p:cNvSpPr>
@@ -622,8 +609,8 @@
         </p:nvSpPr>
         <p:spPr>
           <a:xfrm>
-            <a:off x="6284160" y="1494000"/>
-            <a:ext cx="5208120" cy="510480"/>
+            <a:off x="6231960" y="1604520"/>
+            <a:ext cx="5354280" cy="1896840"/>
           </a:xfrm>
           <a:prstGeom prst="rect">
             <a:avLst/>
@@ -634,18 +621,15 @@
             <a:normAutofit/>
           </a:bodyPr>
           <a:p>
-            <a:endParaRPr b="0" lang="en-IL" sz="2800" spc="-1" strike="noStrike">
-              <a:solidFill>
-                <a:srgbClr val="000000"/>
-              </a:solidFill>
-              <a:latin typeface="Calibri"/>
-            </a:endParaRPr>
-          </a:p>
-        </p:txBody>
-      </p:sp>
-      <p:sp>
-        <p:nvSpPr>
-          <p:cNvPr id="32" name="PlaceHolder 4"/>
+            <a:endParaRPr b="0" lang="en-US" sz="3200" spc="-1" strike="noStrike">
+              <a:latin typeface="Arial"/>
+            </a:endParaRPr>
+          </a:p>
+        </p:txBody>
+      </p:sp>
+      <p:sp>
+        <p:nvSpPr>
+          <p:cNvPr id="29" name="PlaceHolder 4"/>
           <p:cNvSpPr>
             <a:spLocks noGrp="1"/>
           </p:cNvSpPr>
@@ -655,8 +639,8 @@
         </p:nvSpPr>
         <p:spPr>
           <a:xfrm>
-            <a:off x="815400" y="2053440"/>
-            <a:ext cx="5208120" cy="510480"/>
+            <a:off x="609480" y="3682080"/>
+            <a:ext cx="5354280" cy="1896840"/>
           </a:xfrm>
           <a:prstGeom prst="rect">
             <a:avLst/>
@@ -667,18 +651,15 @@
             <a:normAutofit/>
           </a:bodyPr>
           <a:p>
-            <a:endParaRPr b="0" lang="en-IL" sz="2800" spc="-1" strike="noStrike">
-              <a:solidFill>
-                <a:srgbClr val="000000"/>
-              </a:solidFill>
-              <a:latin typeface="Calibri"/>
-            </a:endParaRPr>
-          </a:p>
-        </p:txBody>
-      </p:sp>
-      <p:sp>
-        <p:nvSpPr>
-          <p:cNvPr id="33" name="PlaceHolder 5"/>
+            <a:endParaRPr b="0" lang="en-US" sz="3200" spc="-1" strike="noStrike">
+              <a:latin typeface="Arial"/>
+            </a:endParaRPr>
+          </a:p>
+        </p:txBody>
+      </p:sp>
+      <p:sp>
+        <p:nvSpPr>
+          <p:cNvPr id="30" name="PlaceHolder 5"/>
           <p:cNvSpPr>
             <a:spLocks noGrp="1"/>
           </p:cNvSpPr>
@@ -688,8 +669,8 @@
         </p:nvSpPr>
         <p:spPr>
           <a:xfrm>
-            <a:off x="6284160" y="2053440"/>
-            <a:ext cx="5208120" cy="510480"/>
+            <a:off x="6231960" y="3682080"/>
+            <a:ext cx="5354280" cy="1896840"/>
           </a:xfrm>
           <a:prstGeom prst="rect">
             <a:avLst/>
@@ -700,11 +681,8 @@
             <a:normAutofit/>
           </a:bodyPr>
           <a:p>
-            <a:endParaRPr b="0" lang="en-IL" sz="2800" spc="-1" strike="noStrike">
-              <a:solidFill>
-                <a:srgbClr val="000000"/>
-              </a:solidFill>
-              <a:latin typeface="Calibri"/>
+            <a:endParaRPr b="0" lang="en-US" sz="3200" spc="-1" strike="noStrike">
+              <a:latin typeface="Arial"/>
             </a:endParaRPr>
           </a:p>
         </p:txBody>
@@ -733,7 +711,7 @@
       </p:grpSpPr>
       <p:sp>
         <p:nvSpPr>
-          <p:cNvPr id="34" name="PlaceHolder 1"/>
+          <p:cNvPr id="31" name="PlaceHolder 1"/>
           <p:cNvSpPr>
             <a:spLocks noGrp="1"/>
           </p:cNvSpPr>
@@ -743,8 +721,8 @@
         </p:nvSpPr>
         <p:spPr>
           <a:xfrm>
-            <a:off x="815400" y="548640"/>
-            <a:ext cx="10560960" cy="719640"/>
+            <a:off x="609480" y="273600"/>
+            <a:ext cx="10972440" cy="1144800"/>
           </a:xfrm>
           <a:prstGeom prst="rect">
             <a:avLst/>
@@ -752,21 +730,19 @@
         </p:spPr>
         <p:txBody>
           <a:bodyPr lIns="0" rIns="0" tIns="0" bIns="0" anchor="ctr">
-            <a:spAutoFit/>
-          </a:bodyPr>
-          <a:p>
-            <a:endParaRPr b="0" lang="en-IL" sz="1800" spc="-1" strike="noStrike">
-              <a:solidFill>
-                <a:srgbClr val="000000"/>
-              </a:solidFill>
-              <a:latin typeface="Calibri"/>
-            </a:endParaRPr>
-          </a:p>
-        </p:txBody>
-      </p:sp>
-      <p:sp>
-        <p:nvSpPr>
-          <p:cNvPr id="35" name="PlaceHolder 2"/>
+            <a:noAutofit/>
+          </a:bodyPr>
+          <a:p>
+            <a:pPr algn="ctr"/>
+            <a:endParaRPr b="0" lang="en-US" sz="4400" spc="-1" strike="noStrike">
+              <a:latin typeface="Arial"/>
+            </a:endParaRPr>
+          </a:p>
+        </p:txBody>
+      </p:sp>
+      <p:sp>
+        <p:nvSpPr>
+          <p:cNvPr id="32" name="PlaceHolder 2"/>
           <p:cNvSpPr>
             <a:spLocks noGrp="1"/>
           </p:cNvSpPr>
@@ -776,8 +752,8 @@
         </p:nvSpPr>
         <p:spPr>
           <a:xfrm>
-            <a:off x="815400" y="1494000"/>
-            <a:ext cx="3436200" cy="510480"/>
+            <a:off x="609480" y="1604520"/>
+            <a:ext cx="3533040" cy="1896840"/>
           </a:xfrm>
           <a:prstGeom prst="rect">
             <a:avLst/>
@@ -788,18 +764,15 @@
             <a:normAutofit/>
           </a:bodyPr>
           <a:p>
-            <a:endParaRPr b="0" lang="en-IL" sz="2800" spc="-1" strike="noStrike">
-              <a:solidFill>
-                <a:srgbClr val="000000"/>
-              </a:solidFill>
-              <a:latin typeface="Calibri"/>
-            </a:endParaRPr>
-          </a:p>
-        </p:txBody>
-      </p:sp>
-      <p:sp>
-        <p:nvSpPr>
-          <p:cNvPr id="36" name="PlaceHolder 3"/>
+            <a:endParaRPr b="0" lang="en-US" sz="3200" spc="-1" strike="noStrike">
+              <a:latin typeface="Arial"/>
+            </a:endParaRPr>
+          </a:p>
+        </p:txBody>
+      </p:sp>
+      <p:sp>
+        <p:nvSpPr>
+          <p:cNvPr id="33" name="PlaceHolder 3"/>
           <p:cNvSpPr>
             <a:spLocks noGrp="1"/>
           </p:cNvSpPr>
@@ -809,8 +782,8 @@
         </p:nvSpPr>
         <p:spPr>
           <a:xfrm>
-            <a:off x="4423680" y="1494000"/>
-            <a:ext cx="3436200" cy="510480"/>
+            <a:off x="4319640" y="1604520"/>
+            <a:ext cx="3533040" cy="1896840"/>
           </a:xfrm>
           <a:prstGeom prst="rect">
             <a:avLst/>
@@ -821,18 +794,15 @@
             <a:normAutofit/>
           </a:bodyPr>
           <a:p>
-            <a:endParaRPr b="0" lang="en-IL" sz="2800" spc="-1" strike="noStrike">
-              <a:solidFill>
-                <a:srgbClr val="000000"/>
-              </a:solidFill>
-              <a:latin typeface="Calibri"/>
-            </a:endParaRPr>
-          </a:p>
-        </p:txBody>
-      </p:sp>
-      <p:sp>
-        <p:nvSpPr>
-          <p:cNvPr id="37" name="PlaceHolder 4"/>
+            <a:endParaRPr b="0" lang="en-US" sz="3200" spc="-1" strike="noStrike">
+              <a:latin typeface="Arial"/>
+            </a:endParaRPr>
+          </a:p>
+        </p:txBody>
+      </p:sp>
+      <p:sp>
+        <p:nvSpPr>
+          <p:cNvPr id="34" name="PlaceHolder 4"/>
           <p:cNvSpPr>
             <a:spLocks noGrp="1"/>
           </p:cNvSpPr>
@@ -842,8 +812,8 @@
         </p:nvSpPr>
         <p:spPr>
           <a:xfrm>
-            <a:off x="8032320" y="1494000"/>
-            <a:ext cx="3436200" cy="510480"/>
+            <a:off x="8029800" y="1604520"/>
+            <a:ext cx="3533040" cy="1896840"/>
           </a:xfrm>
           <a:prstGeom prst="rect">
             <a:avLst/>
@@ -854,18 +824,15 @@
             <a:normAutofit/>
           </a:bodyPr>
           <a:p>
-            <a:endParaRPr b="0" lang="en-IL" sz="2800" spc="-1" strike="noStrike">
-              <a:solidFill>
-                <a:srgbClr val="000000"/>
-              </a:solidFill>
-              <a:latin typeface="Calibri"/>
-            </a:endParaRPr>
-          </a:p>
-        </p:txBody>
-      </p:sp>
-      <p:sp>
-        <p:nvSpPr>
-          <p:cNvPr id="38" name="PlaceHolder 5"/>
+            <a:endParaRPr b="0" lang="en-US" sz="3200" spc="-1" strike="noStrike">
+              <a:latin typeface="Arial"/>
+            </a:endParaRPr>
+          </a:p>
+        </p:txBody>
+      </p:sp>
+      <p:sp>
+        <p:nvSpPr>
+          <p:cNvPr id="35" name="PlaceHolder 5"/>
           <p:cNvSpPr>
             <a:spLocks noGrp="1"/>
           </p:cNvSpPr>
@@ -875,8 +842,8 @@
         </p:nvSpPr>
         <p:spPr>
           <a:xfrm>
-            <a:off x="815400" y="2053440"/>
-            <a:ext cx="3436200" cy="510480"/>
+            <a:off x="609480" y="3682080"/>
+            <a:ext cx="3533040" cy="1896840"/>
           </a:xfrm>
           <a:prstGeom prst="rect">
             <a:avLst/>
@@ -887,18 +854,15 @@
             <a:normAutofit/>
           </a:bodyPr>
           <a:p>
-            <a:endParaRPr b="0" lang="en-IL" sz="2800" spc="-1" strike="noStrike">
-              <a:solidFill>
-                <a:srgbClr val="000000"/>
-              </a:solidFill>
-              <a:latin typeface="Calibri"/>
-            </a:endParaRPr>
-          </a:p>
-        </p:txBody>
-      </p:sp>
-      <p:sp>
-        <p:nvSpPr>
-          <p:cNvPr id="39" name="PlaceHolder 6"/>
+            <a:endParaRPr b="0" lang="en-US" sz="3200" spc="-1" strike="noStrike">
+              <a:latin typeface="Arial"/>
+            </a:endParaRPr>
+          </a:p>
+        </p:txBody>
+      </p:sp>
+      <p:sp>
+        <p:nvSpPr>
+          <p:cNvPr id="36" name="PlaceHolder 6"/>
           <p:cNvSpPr>
             <a:spLocks noGrp="1"/>
           </p:cNvSpPr>
@@ -908,8 +872,8 @@
         </p:nvSpPr>
         <p:spPr>
           <a:xfrm>
-            <a:off x="4423680" y="2053440"/>
-            <a:ext cx="3436200" cy="510480"/>
+            <a:off x="4319640" y="3682080"/>
+            <a:ext cx="3533040" cy="1896840"/>
           </a:xfrm>
           <a:prstGeom prst="rect">
             <a:avLst/>
@@ -920,18 +884,15 @@
             <a:normAutofit/>
           </a:bodyPr>
           <a:p>
-            <a:endParaRPr b="0" lang="en-IL" sz="2800" spc="-1" strike="noStrike">
-              <a:solidFill>
-                <a:srgbClr val="000000"/>
-              </a:solidFill>
-              <a:latin typeface="Calibri"/>
-            </a:endParaRPr>
-          </a:p>
-        </p:txBody>
-      </p:sp>
-      <p:sp>
-        <p:nvSpPr>
-          <p:cNvPr id="40" name="PlaceHolder 7"/>
+            <a:endParaRPr b="0" lang="en-US" sz="3200" spc="-1" strike="noStrike">
+              <a:latin typeface="Arial"/>
+            </a:endParaRPr>
+          </a:p>
+        </p:txBody>
+      </p:sp>
+      <p:sp>
+        <p:nvSpPr>
+          <p:cNvPr id="37" name="PlaceHolder 7"/>
           <p:cNvSpPr>
             <a:spLocks noGrp="1"/>
           </p:cNvSpPr>
@@ -941,8 +902,8 @@
         </p:nvSpPr>
         <p:spPr>
           <a:xfrm>
-            <a:off x="8032320" y="2053440"/>
-            <a:ext cx="3436200" cy="510480"/>
+            <a:off x="8029800" y="3682080"/>
+            <a:ext cx="3533040" cy="1896840"/>
           </a:xfrm>
           <a:prstGeom prst="rect">
             <a:avLst/>
@@ -953,11 +914,8 @@
             <a:normAutofit/>
           </a:bodyPr>
           <a:p>
-            <a:endParaRPr b="0" lang="en-IL" sz="2800" spc="-1" strike="noStrike">
-              <a:solidFill>
-                <a:srgbClr val="000000"/>
-              </a:solidFill>
-              <a:latin typeface="Calibri"/>
+            <a:endParaRPr b="0" lang="en-US" sz="3200" spc="-1" strike="noStrike">
+              <a:latin typeface="Arial"/>
             </a:endParaRPr>
           </a:p>
         </p:txBody>
@@ -1008,7 +966,7 @@
       </p:grpSpPr>
       <p:sp>
         <p:nvSpPr>
-          <p:cNvPr id="44" name="PlaceHolder 1"/>
+          <p:cNvPr id="40" name="PlaceHolder 1"/>
           <p:cNvSpPr>
             <a:spLocks noGrp="1"/>
           </p:cNvSpPr>
@@ -1018,8 +976,8 @@
         </p:nvSpPr>
         <p:spPr>
           <a:xfrm>
-            <a:off x="815400" y="548640"/>
-            <a:ext cx="10560960" cy="719640"/>
+            <a:off x="609480" y="273600"/>
+            <a:ext cx="10972440" cy="1144800"/>
           </a:xfrm>
           <a:prstGeom prst="rect">
             <a:avLst/>
@@ -1027,21 +985,19 @@
         </p:spPr>
         <p:txBody>
           <a:bodyPr lIns="0" rIns="0" tIns="0" bIns="0" anchor="ctr">
-            <a:spAutoFit/>
-          </a:bodyPr>
-          <a:p>
-            <a:endParaRPr b="0" lang="en-IL" sz="1800" spc="-1" strike="noStrike">
-              <a:solidFill>
-                <a:srgbClr val="000000"/>
-              </a:solidFill>
-              <a:latin typeface="Calibri"/>
-            </a:endParaRPr>
-          </a:p>
-        </p:txBody>
-      </p:sp>
-      <p:sp>
-        <p:nvSpPr>
-          <p:cNvPr id="45" name="PlaceHolder 2"/>
+            <a:noAutofit/>
+          </a:bodyPr>
+          <a:p>
+            <a:pPr algn="ctr"/>
+            <a:endParaRPr b="0" lang="en-US" sz="4400" spc="-1" strike="noStrike">
+              <a:latin typeface="Arial"/>
+            </a:endParaRPr>
+          </a:p>
+        </p:txBody>
+      </p:sp>
+      <p:sp>
+        <p:nvSpPr>
+          <p:cNvPr id="41" name="PlaceHolder 2"/>
           <p:cNvSpPr>
             <a:spLocks noGrp="1"/>
           </p:cNvSpPr>
@@ -1051,8 +1007,8 @@
         </p:nvSpPr>
         <p:spPr>
           <a:xfrm>
-            <a:off x="815400" y="1494000"/>
-            <a:ext cx="10672560" cy="1070640"/>
+            <a:off x="609480" y="1604520"/>
+            <a:ext cx="10972440" cy="3977280"/>
           </a:xfrm>
           <a:prstGeom prst="rect">
             <a:avLst/>
@@ -1060,7 +1016,7 @@
         </p:spPr>
         <p:txBody>
           <a:bodyPr lIns="0" rIns="0" tIns="0" bIns="0" anchor="ctr">
-            <a:spAutoFit/>
+            <a:noAutofit/>
           </a:bodyPr>
           <a:p>
             <a:pPr algn="ctr"/>
@@ -1094,7 +1050,7 @@
       </p:grpSpPr>
       <p:sp>
         <p:nvSpPr>
-          <p:cNvPr id="46" name="PlaceHolder 1"/>
+          <p:cNvPr id="42" name="PlaceHolder 1"/>
           <p:cNvSpPr>
             <a:spLocks noGrp="1"/>
           </p:cNvSpPr>
@@ -1104,8 +1060,8 @@
         </p:nvSpPr>
         <p:spPr>
           <a:xfrm>
-            <a:off x="815400" y="548640"/>
-            <a:ext cx="10560960" cy="719640"/>
+            <a:off x="609480" y="273600"/>
+            <a:ext cx="10972440" cy="1144800"/>
           </a:xfrm>
           <a:prstGeom prst="rect">
             <a:avLst/>
@@ -1113,21 +1069,19 @@
         </p:spPr>
         <p:txBody>
           <a:bodyPr lIns="0" rIns="0" tIns="0" bIns="0" anchor="ctr">
-            <a:spAutoFit/>
-          </a:bodyPr>
-          <a:p>
-            <a:endParaRPr b="0" lang="en-IL" sz="1800" spc="-1" strike="noStrike">
-              <a:solidFill>
-                <a:srgbClr val="000000"/>
-              </a:solidFill>
-              <a:latin typeface="Calibri"/>
-            </a:endParaRPr>
-          </a:p>
-        </p:txBody>
-      </p:sp>
-      <p:sp>
-        <p:nvSpPr>
-          <p:cNvPr id="47" name="PlaceHolder 2"/>
+            <a:noAutofit/>
+          </a:bodyPr>
+          <a:p>
+            <a:pPr algn="ctr"/>
+            <a:endParaRPr b="0" lang="en-US" sz="4400" spc="-1" strike="noStrike">
+              <a:latin typeface="Arial"/>
+            </a:endParaRPr>
+          </a:p>
+        </p:txBody>
+      </p:sp>
+      <p:sp>
+        <p:nvSpPr>
+          <p:cNvPr id="43" name="PlaceHolder 2"/>
           <p:cNvSpPr>
             <a:spLocks noGrp="1"/>
           </p:cNvSpPr>
@@ -1137,8 +1091,8 @@
         </p:nvSpPr>
         <p:spPr>
           <a:xfrm>
-            <a:off x="815400" y="1494000"/>
-            <a:ext cx="10672560" cy="1070640"/>
+            <a:off x="609480" y="1604520"/>
+            <a:ext cx="10972440" cy="3977280"/>
           </a:xfrm>
           <a:prstGeom prst="rect">
             <a:avLst/>
@@ -1149,11 +1103,8 @@
             <a:normAutofit/>
           </a:bodyPr>
           <a:p>
-            <a:endParaRPr b="0" lang="en-IL" sz="2800" spc="-1" strike="noStrike">
-              <a:solidFill>
-                <a:srgbClr val="000000"/>
-              </a:solidFill>
-              <a:latin typeface="Calibri"/>
+            <a:endParaRPr b="0" lang="en-US" sz="3200" spc="-1" strike="noStrike">
+              <a:latin typeface="Arial"/>
             </a:endParaRPr>
           </a:p>
         </p:txBody>
@@ -1182,7 +1133,7 @@
       </p:grpSpPr>
       <p:sp>
         <p:nvSpPr>
-          <p:cNvPr id="48" name="PlaceHolder 1"/>
+          <p:cNvPr id="44" name="PlaceHolder 1"/>
           <p:cNvSpPr>
             <a:spLocks noGrp="1"/>
           </p:cNvSpPr>
@@ -1192,8 +1143,8 @@
         </p:nvSpPr>
         <p:spPr>
           <a:xfrm>
-            <a:off x="815400" y="548640"/>
-            <a:ext cx="10560960" cy="719640"/>
+            <a:off x="609480" y="273600"/>
+            <a:ext cx="10972440" cy="1144800"/>
           </a:xfrm>
           <a:prstGeom prst="rect">
             <a:avLst/>
@@ -1201,21 +1152,19 @@
         </p:spPr>
         <p:txBody>
           <a:bodyPr lIns="0" rIns="0" tIns="0" bIns="0" anchor="ctr">
-            <a:spAutoFit/>
-          </a:bodyPr>
-          <a:p>
-            <a:endParaRPr b="0" lang="en-IL" sz="1800" spc="-1" strike="noStrike">
-              <a:solidFill>
-                <a:srgbClr val="000000"/>
-              </a:solidFill>
-              <a:latin typeface="Calibri"/>
-            </a:endParaRPr>
-          </a:p>
-        </p:txBody>
-      </p:sp>
-      <p:sp>
-        <p:nvSpPr>
-          <p:cNvPr id="49" name="PlaceHolder 2"/>
+            <a:noAutofit/>
+          </a:bodyPr>
+          <a:p>
+            <a:pPr algn="ctr"/>
+            <a:endParaRPr b="0" lang="en-US" sz="4400" spc="-1" strike="noStrike">
+              <a:latin typeface="Arial"/>
+            </a:endParaRPr>
+          </a:p>
+        </p:txBody>
+      </p:sp>
+      <p:sp>
+        <p:nvSpPr>
+          <p:cNvPr id="45" name="PlaceHolder 2"/>
           <p:cNvSpPr>
             <a:spLocks noGrp="1"/>
           </p:cNvSpPr>
@@ -1225,8 +1174,8 @@
         </p:nvSpPr>
         <p:spPr>
           <a:xfrm>
-            <a:off x="815400" y="1494000"/>
-            <a:ext cx="5208120" cy="1070640"/>
+            <a:off x="609480" y="1604520"/>
+            <a:ext cx="5354280" cy="3977280"/>
           </a:xfrm>
           <a:prstGeom prst="rect">
             <a:avLst/>
@@ -1237,18 +1186,15 @@
             <a:normAutofit/>
           </a:bodyPr>
           <a:p>
-            <a:endParaRPr b="0" lang="en-IL" sz="2800" spc="-1" strike="noStrike">
-              <a:solidFill>
-                <a:srgbClr val="000000"/>
-              </a:solidFill>
-              <a:latin typeface="Calibri"/>
-            </a:endParaRPr>
-          </a:p>
-        </p:txBody>
-      </p:sp>
-      <p:sp>
-        <p:nvSpPr>
-          <p:cNvPr id="50" name="PlaceHolder 3"/>
+            <a:endParaRPr b="0" lang="en-US" sz="3200" spc="-1" strike="noStrike">
+              <a:latin typeface="Arial"/>
+            </a:endParaRPr>
+          </a:p>
+        </p:txBody>
+      </p:sp>
+      <p:sp>
+        <p:nvSpPr>
+          <p:cNvPr id="46" name="PlaceHolder 3"/>
           <p:cNvSpPr>
             <a:spLocks noGrp="1"/>
           </p:cNvSpPr>
@@ -1258,8 +1204,8 @@
         </p:nvSpPr>
         <p:spPr>
           <a:xfrm>
-            <a:off x="6284160" y="1494000"/>
-            <a:ext cx="5208120" cy="1070640"/>
+            <a:off x="6231960" y="1604520"/>
+            <a:ext cx="5354280" cy="3977280"/>
           </a:xfrm>
           <a:prstGeom prst="rect">
             <a:avLst/>
@@ -1270,11 +1216,8 @@
             <a:normAutofit/>
           </a:bodyPr>
           <a:p>
-            <a:endParaRPr b="0" lang="en-IL" sz="2800" spc="-1" strike="noStrike">
-              <a:solidFill>
-                <a:srgbClr val="000000"/>
-              </a:solidFill>
-              <a:latin typeface="Calibri"/>
+            <a:endParaRPr b="0" lang="en-US" sz="3200" spc="-1" strike="noStrike">
+              <a:latin typeface="Arial"/>
             </a:endParaRPr>
           </a:p>
         </p:txBody>
@@ -1303,7 +1246,7 @@
       </p:grpSpPr>
       <p:sp>
         <p:nvSpPr>
-          <p:cNvPr id="51" name="PlaceHolder 1"/>
+          <p:cNvPr id="47" name="PlaceHolder 1"/>
           <p:cNvSpPr>
             <a:spLocks noGrp="1"/>
           </p:cNvSpPr>
@@ -1313,8 +1256,8 @@
         </p:nvSpPr>
         <p:spPr>
           <a:xfrm>
-            <a:off x="815400" y="548640"/>
-            <a:ext cx="10560960" cy="719640"/>
+            <a:off x="609480" y="273600"/>
+            <a:ext cx="10972440" cy="1144800"/>
           </a:xfrm>
           <a:prstGeom prst="rect">
             <a:avLst/>
@@ -1322,14 +1265,12 @@
         </p:spPr>
         <p:txBody>
           <a:bodyPr lIns="0" rIns="0" tIns="0" bIns="0" anchor="ctr">
-            <a:spAutoFit/>
-          </a:bodyPr>
-          <a:p>
-            <a:endParaRPr b="0" lang="en-IL" sz="1800" spc="-1" strike="noStrike">
-              <a:solidFill>
-                <a:srgbClr val="000000"/>
-              </a:solidFill>
-              <a:latin typeface="Calibri"/>
+            <a:noAutofit/>
+          </a:bodyPr>
+          <a:p>
+            <a:pPr algn="ctr"/>
+            <a:endParaRPr b="0" lang="en-US" sz="4400" spc="-1" strike="noStrike">
+              <a:latin typeface="Arial"/>
             </a:endParaRPr>
           </a:p>
         </p:txBody>
@@ -1358,7 +1299,7 @@
       </p:grpSpPr>
       <p:sp>
         <p:nvSpPr>
-          <p:cNvPr id="52" name="PlaceHolder 1"/>
+          <p:cNvPr id="48" name="PlaceHolder 1"/>
           <p:cNvSpPr>
             <a:spLocks noGrp="1"/>
           </p:cNvSpPr>
@@ -1368,8 +1309,8 @@
         </p:nvSpPr>
         <p:spPr>
           <a:xfrm>
-            <a:off x="815400" y="548640"/>
-            <a:ext cx="10560960" cy="3337200"/>
+            <a:off x="609480" y="273600"/>
+            <a:ext cx="10972440" cy="5307840"/>
           </a:xfrm>
           <a:prstGeom prst="rect">
             <a:avLst/>
@@ -1377,7 +1318,7 @@
         </p:spPr>
         <p:txBody>
           <a:bodyPr lIns="0" rIns="0" tIns="0" bIns="0" anchor="ctr">
-            <a:spAutoFit/>
+            <a:noAutofit/>
           </a:bodyPr>
           <a:p>
             <a:pPr algn="ctr"/>
@@ -1411,7 +1352,7 @@
       </p:grpSpPr>
       <p:sp>
         <p:nvSpPr>
-          <p:cNvPr id="53" name="PlaceHolder 1"/>
+          <p:cNvPr id="49" name="PlaceHolder 1"/>
           <p:cNvSpPr>
             <a:spLocks noGrp="1"/>
           </p:cNvSpPr>
@@ -1421,8 +1362,8 @@
         </p:nvSpPr>
         <p:spPr>
           <a:xfrm>
-            <a:off x="815400" y="548640"/>
-            <a:ext cx="10560960" cy="719640"/>
+            <a:off x="609480" y="273600"/>
+            <a:ext cx="10972440" cy="1144800"/>
           </a:xfrm>
           <a:prstGeom prst="rect">
             <a:avLst/>
@@ -1430,21 +1371,19 @@
         </p:spPr>
         <p:txBody>
           <a:bodyPr lIns="0" rIns="0" tIns="0" bIns="0" anchor="ctr">
-            <a:spAutoFit/>
-          </a:bodyPr>
-          <a:p>
-            <a:endParaRPr b="0" lang="en-IL" sz="1800" spc="-1" strike="noStrike">
-              <a:solidFill>
-                <a:srgbClr val="000000"/>
-              </a:solidFill>
-              <a:latin typeface="Calibri"/>
-            </a:endParaRPr>
-          </a:p>
-        </p:txBody>
-      </p:sp>
-      <p:sp>
-        <p:nvSpPr>
-          <p:cNvPr id="54" name="PlaceHolder 2"/>
+            <a:noAutofit/>
+          </a:bodyPr>
+          <a:p>
+            <a:pPr algn="ctr"/>
+            <a:endParaRPr b="0" lang="en-US" sz="4400" spc="-1" strike="noStrike">
+              <a:latin typeface="Arial"/>
+            </a:endParaRPr>
+          </a:p>
+        </p:txBody>
+      </p:sp>
+      <p:sp>
+        <p:nvSpPr>
+          <p:cNvPr id="50" name="PlaceHolder 2"/>
           <p:cNvSpPr>
             <a:spLocks noGrp="1"/>
           </p:cNvSpPr>
@@ -1454,8 +1393,8 @@
         </p:nvSpPr>
         <p:spPr>
           <a:xfrm>
-            <a:off x="815400" y="1494000"/>
-            <a:ext cx="5208120" cy="510480"/>
+            <a:off x="609480" y="1604520"/>
+            <a:ext cx="5354280" cy="1896840"/>
           </a:xfrm>
           <a:prstGeom prst="rect">
             <a:avLst/>
@@ -1466,18 +1405,15 @@
             <a:normAutofit/>
           </a:bodyPr>
           <a:p>
-            <a:endParaRPr b="0" lang="en-IL" sz="2800" spc="-1" strike="noStrike">
-              <a:solidFill>
-                <a:srgbClr val="000000"/>
-              </a:solidFill>
-              <a:latin typeface="Calibri"/>
-            </a:endParaRPr>
-          </a:p>
-        </p:txBody>
-      </p:sp>
-      <p:sp>
-        <p:nvSpPr>
-          <p:cNvPr id="55" name="PlaceHolder 3"/>
+            <a:endParaRPr b="0" lang="en-US" sz="3200" spc="-1" strike="noStrike">
+              <a:latin typeface="Arial"/>
+            </a:endParaRPr>
+          </a:p>
+        </p:txBody>
+      </p:sp>
+      <p:sp>
+        <p:nvSpPr>
+          <p:cNvPr id="51" name="PlaceHolder 3"/>
           <p:cNvSpPr>
             <a:spLocks noGrp="1"/>
           </p:cNvSpPr>
@@ -1487,8 +1423,8 @@
         </p:nvSpPr>
         <p:spPr>
           <a:xfrm>
-            <a:off x="6284160" y="1494000"/>
-            <a:ext cx="5208120" cy="1070640"/>
+            <a:off x="6231960" y="1604520"/>
+            <a:ext cx="5354280" cy="3977280"/>
           </a:xfrm>
           <a:prstGeom prst="rect">
             <a:avLst/>
@@ -1499,18 +1435,15 @@
             <a:normAutofit/>
           </a:bodyPr>
           <a:p>
-            <a:endParaRPr b="0" lang="en-IL" sz="2800" spc="-1" strike="noStrike">
-              <a:solidFill>
-                <a:srgbClr val="000000"/>
-              </a:solidFill>
-              <a:latin typeface="Calibri"/>
-            </a:endParaRPr>
-          </a:p>
-        </p:txBody>
-      </p:sp>
-      <p:sp>
-        <p:nvSpPr>
-          <p:cNvPr id="56" name="PlaceHolder 4"/>
+            <a:endParaRPr b="0" lang="en-US" sz="3200" spc="-1" strike="noStrike">
+              <a:latin typeface="Arial"/>
+            </a:endParaRPr>
+          </a:p>
+        </p:txBody>
+      </p:sp>
+      <p:sp>
+        <p:nvSpPr>
+          <p:cNvPr id="52" name="PlaceHolder 4"/>
           <p:cNvSpPr>
             <a:spLocks noGrp="1"/>
           </p:cNvSpPr>
@@ -1520,8 +1453,8 @@
         </p:nvSpPr>
         <p:spPr>
           <a:xfrm>
-            <a:off x="815400" y="2053440"/>
-            <a:ext cx="5208120" cy="510480"/>
+            <a:off x="609480" y="3682080"/>
+            <a:ext cx="5354280" cy="1896840"/>
           </a:xfrm>
           <a:prstGeom prst="rect">
             <a:avLst/>
@@ -1532,11 +1465,8 @@
             <a:normAutofit/>
           </a:bodyPr>
           <a:p>
-            <a:endParaRPr b="0" lang="en-IL" sz="2800" spc="-1" strike="noStrike">
-              <a:solidFill>
-                <a:srgbClr val="000000"/>
-              </a:solidFill>
-              <a:latin typeface="Calibri"/>
+            <a:endParaRPr b="0" lang="en-US" sz="3200" spc="-1" strike="noStrike">
+              <a:latin typeface="Arial"/>
             </a:endParaRPr>
           </a:p>
         </p:txBody>
@@ -1565,7 +1495,7 @@
       </p:grpSpPr>
       <p:sp>
         <p:nvSpPr>
-          <p:cNvPr id="5" name="PlaceHolder 1"/>
+          <p:cNvPr id="2" name="PlaceHolder 1"/>
           <p:cNvSpPr>
             <a:spLocks noGrp="1"/>
           </p:cNvSpPr>
@@ -1575,8 +1505,8 @@
         </p:nvSpPr>
         <p:spPr>
           <a:xfrm>
-            <a:off x="815400" y="548640"/>
-            <a:ext cx="10560960" cy="719640"/>
+            <a:off x="609480" y="273600"/>
+            <a:ext cx="10972440" cy="1144800"/>
           </a:xfrm>
           <a:prstGeom prst="rect">
             <a:avLst/>
@@ -1584,21 +1514,19 @@
         </p:spPr>
         <p:txBody>
           <a:bodyPr lIns="0" rIns="0" tIns="0" bIns="0" anchor="ctr">
-            <a:spAutoFit/>
-          </a:bodyPr>
-          <a:p>
-            <a:endParaRPr b="0" lang="en-IL" sz="1800" spc="-1" strike="noStrike">
-              <a:solidFill>
-                <a:srgbClr val="000000"/>
-              </a:solidFill>
-              <a:latin typeface="Calibri"/>
-            </a:endParaRPr>
-          </a:p>
-        </p:txBody>
-      </p:sp>
-      <p:sp>
-        <p:nvSpPr>
-          <p:cNvPr id="6" name="PlaceHolder 2"/>
+            <a:noAutofit/>
+          </a:bodyPr>
+          <a:p>
+            <a:pPr algn="ctr"/>
+            <a:endParaRPr b="0" lang="en-US" sz="4400" spc="-1" strike="noStrike">
+              <a:latin typeface="Arial"/>
+            </a:endParaRPr>
+          </a:p>
+        </p:txBody>
+      </p:sp>
+      <p:sp>
+        <p:nvSpPr>
+          <p:cNvPr id="3" name="PlaceHolder 2"/>
           <p:cNvSpPr>
             <a:spLocks noGrp="1"/>
           </p:cNvSpPr>
@@ -1608,8 +1536,8 @@
         </p:nvSpPr>
         <p:spPr>
           <a:xfrm>
-            <a:off x="815400" y="1494000"/>
-            <a:ext cx="10672560" cy="1070640"/>
+            <a:off x="609480" y="1604520"/>
+            <a:ext cx="10972440" cy="3977280"/>
           </a:xfrm>
           <a:prstGeom prst="rect">
             <a:avLst/>
@@ -1617,7 +1545,7 @@
         </p:spPr>
         <p:txBody>
           <a:bodyPr lIns="0" rIns="0" tIns="0" bIns="0" anchor="ctr">
-            <a:spAutoFit/>
+            <a:noAutofit/>
           </a:bodyPr>
           <a:p>
             <a:pPr algn="ctr"/>
@@ -1651,7 +1579,7 @@
       </p:grpSpPr>
       <p:sp>
         <p:nvSpPr>
-          <p:cNvPr id="57" name="PlaceHolder 1"/>
+          <p:cNvPr id="53" name="PlaceHolder 1"/>
           <p:cNvSpPr>
             <a:spLocks noGrp="1"/>
           </p:cNvSpPr>
@@ -1661,8 +1589,8 @@
         </p:nvSpPr>
         <p:spPr>
           <a:xfrm>
-            <a:off x="815400" y="548640"/>
-            <a:ext cx="10560960" cy="719640"/>
+            <a:off x="609480" y="273600"/>
+            <a:ext cx="10972440" cy="1144800"/>
           </a:xfrm>
           <a:prstGeom prst="rect">
             <a:avLst/>
@@ -1670,21 +1598,19 @@
         </p:spPr>
         <p:txBody>
           <a:bodyPr lIns="0" rIns="0" tIns="0" bIns="0" anchor="ctr">
-            <a:spAutoFit/>
-          </a:bodyPr>
-          <a:p>
-            <a:endParaRPr b="0" lang="en-IL" sz="1800" spc="-1" strike="noStrike">
-              <a:solidFill>
-                <a:srgbClr val="000000"/>
-              </a:solidFill>
-              <a:latin typeface="Calibri"/>
-            </a:endParaRPr>
-          </a:p>
-        </p:txBody>
-      </p:sp>
-      <p:sp>
-        <p:nvSpPr>
-          <p:cNvPr id="58" name="PlaceHolder 2"/>
+            <a:noAutofit/>
+          </a:bodyPr>
+          <a:p>
+            <a:pPr algn="ctr"/>
+            <a:endParaRPr b="0" lang="en-US" sz="4400" spc="-1" strike="noStrike">
+              <a:latin typeface="Arial"/>
+            </a:endParaRPr>
+          </a:p>
+        </p:txBody>
+      </p:sp>
+      <p:sp>
+        <p:nvSpPr>
+          <p:cNvPr id="54" name="PlaceHolder 2"/>
           <p:cNvSpPr>
             <a:spLocks noGrp="1"/>
           </p:cNvSpPr>
@@ -1694,8 +1620,8 @@
         </p:nvSpPr>
         <p:spPr>
           <a:xfrm>
-            <a:off x="815400" y="1494000"/>
-            <a:ext cx="5208120" cy="1070640"/>
+            <a:off x="609480" y="1604520"/>
+            <a:ext cx="5354280" cy="3977280"/>
           </a:xfrm>
           <a:prstGeom prst="rect">
             <a:avLst/>
@@ -1706,18 +1632,15 @@
             <a:normAutofit/>
           </a:bodyPr>
           <a:p>
-            <a:endParaRPr b="0" lang="en-IL" sz="2800" spc="-1" strike="noStrike">
-              <a:solidFill>
-                <a:srgbClr val="000000"/>
-              </a:solidFill>
-              <a:latin typeface="Calibri"/>
-            </a:endParaRPr>
-          </a:p>
-        </p:txBody>
-      </p:sp>
-      <p:sp>
-        <p:nvSpPr>
-          <p:cNvPr id="59" name="PlaceHolder 3"/>
+            <a:endParaRPr b="0" lang="en-US" sz="3200" spc="-1" strike="noStrike">
+              <a:latin typeface="Arial"/>
+            </a:endParaRPr>
+          </a:p>
+        </p:txBody>
+      </p:sp>
+      <p:sp>
+        <p:nvSpPr>
+          <p:cNvPr id="55" name="PlaceHolder 3"/>
           <p:cNvSpPr>
             <a:spLocks noGrp="1"/>
           </p:cNvSpPr>
@@ -1727,8 +1650,8 @@
         </p:nvSpPr>
         <p:spPr>
           <a:xfrm>
-            <a:off x="6284160" y="1494000"/>
-            <a:ext cx="5208120" cy="510480"/>
+            <a:off x="6231960" y="1604520"/>
+            <a:ext cx="5354280" cy="1896840"/>
           </a:xfrm>
           <a:prstGeom prst="rect">
             <a:avLst/>
@@ -1739,18 +1662,15 @@
             <a:normAutofit/>
           </a:bodyPr>
           <a:p>
-            <a:endParaRPr b="0" lang="en-IL" sz="2800" spc="-1" strike="noStrike">
-              <a:solidFill>
-                <a:srgbClr val="000000"/>
-              </a:solidFill>
-              <a:latin typeface="Calibri"/>
-            </a:endParaRPr>
-          </a:p>
-        </p:txBody>
-      </p:sp>
-      <p:sp>
-        <p:nvSpPr>
-          <p:cNvPr id="60" name="PlaceHolder 4"/>
+            <a:endParaRPr b="0" lang="en-US" sz="3200" spc="-1" strike="noStrike">
+              <a:latin typeface="Arial"/>
+            </a:endParaRPr>
+          </a:p>
+        </p:txBody>
+      </p:sp>
+      <p:sp>
+        <p:nvSpPr>
+          <p:cNvPr id="56" name="PlaceHolder 4"/>
           <p:cNvSpPr>
             <a:spLocks noGrp="1"/>
           </p:cNvSpPr>
@@ -1760,8 +1680,8 @@
         </p:nvSpPr>
         <p:spPr>
           <a:xfrm>
-            <a:off x="6284160" y="2053440"/>
-            <a:ext cx="5208120" cy="510480"/>
+            <a:off x="6231960" y="3682080"/>
+            <a:ext cx="5354280" cy="1896840"/>
           </a:xfrm>
           <a:prstGeom prst="rect">
             <a:avLst/>
@@ -1772,11 +1692,8 @@
             <a:normAutofit/>
           </a:bodyPr>
           <a:p>
-            <a:endParaRPr b="0" lang="en-IL" sz="2800" spc="-1" strike="noStrike">
-              <a:solidFill>
-                <a:srgbClr val="000000"/>
-              </a:solidFill>
-              <a:latin typeface="Calibri"/>
+            <a:endParaRPr b="0" lang="en-US" sz="3200" spc="-1" strike="noStrike">
+              <a:latin typeface="Arial"/>
             </a:endParaRPr>
           </a:p>
         </p:txBody>
@@ -1805,7 +1722,7 @@
       </p:grpSpPr>
       <p:sp>
         <p:nvSpPr>
-          <p:cNvPr id="61" name="PlaceHolder 1"/>
+          <p:cNvPr id="57" name="PlaceHolder 1"/>
           <p:cNvSpPr>
             <a:spLocks noGrp="1"/>
           </p:cNvSpPr>
@@ -1815,8 +1732,8 @@
         </p:nvSpPr>
         <p:spPr>
           <a:xfrm>
-            <a:off x="815400" y="548640"/>
-            <a:ext cx="10560960" cy="719640"/>
+            <a:off x="609480" y="273600"/>
+            <a:ext cx="10972440" cy="1144800"/>
           </a:xfrm>
           <a:prstGeom prst="rect">
             <a:avLst/>
@@ -1824,21 +1741,19 @@
         </p:spPr>
         <p:txBody>
           <a:bodyPr lIns="0" rIns="0" tIns="0" bIns="0" anchor="ctr">
-            <a:spAutoFit/>
-          </a:bodyPr>
-          <a:p>
-            <a:endParaRPr b="0" lang="en-IL" sz="1800" spc="-1" strike="noStrike">
-              <a:solidFill>
-                <a:srgbClr val="000000"/>
-              </a:solidFill>
-              <a:latin typeface="Calibri"/>
-            </a:endParaRPr>
-          </a:p>
-        </p:txBody>
-      </p:sp>
-      <p:sp>
-        <p:nvSpPr>
-          <p:cNvPr id="62" name="PlaceHolder 2"/>
+            <a:noAutofit/>
+          </a:bodyPr>
+          <a:p>
+            <a:pPr algn="ctr"/>
+            <a:endParaRPr b="0" lang="en-US" sz="4400" spc="-1" strike="noStrike">
+              <a:latin typeface="Arial"/>
+            </a:endParaRPr>
+          </a:p>
+        </p:txBody>
+      </p:sp>
+      <p:sp>
+        <p:nvSpPr>
+          <p:cNvPr id="58" name="PlaceHolder 2"/>
           <p:cNvSpPr>
             <a:spLocks noGrp="1"/>
           </p:cNvSpPr>
@@ -1848,8 +1763,8 @@
         </p:nvSpPr>
         <p:spPr>
           <a:xfrm>
-            <a:off x="815400" y="1494000"/>
-            <a:ext cx="5208120" cy="510480"/>
+            <a:off x="609480" y="1604520"/>
+            <a:ext cx="5354280" cy="1896840"/>
           </a:xfrm>
           <a:prstGeom prst="rect">
             <a:avLst/>
@@ -1860,18 +1775,15 @@
             <a:normAutofit/>
           </a:bodyPr>
           <a:p>
-            <a:endParaRPr b="0" lang="en-IL" sz="2800" spc="-1" strike="noStrike">
-              <a:solidFill>
-                <a:srgbClr val="000000"/>
-              </a:solidFill>
-              <a:latin typeface="Calibri"/>
-            </a:endParaRPr>
-          </a:p>
-        </p:txBody>
-      </p:sp>
-      <p:sp>
-        <p:nvSpPr>
-          <p:cNvPr id="63" name="PlaceHolder 3"/>
+            <a:endParaRPr b="0" lang="en-US" sz="3200" spc="-1" strike="noStrike">
+              <a:latin typeface="Arial"/>
+            </a:endParaRPr>
+          </a:p>
+        </p:txBody>
+      </p:sp>
+      <p:sp>
+        <p:nvSpPr>
+          <p:cNvPr id="59" name="PlaceHolder 3"/>
           <p:cNvSpPr>
             <a:spLocks noGrp="1"/>
           </p:cNvSpPr>
@@ -1881,8 +1793,8 @@
         </p:nvSpPr>
         <p:spPr>
           <a:xfrm>
-            <a:off x="6284160" y="1494000"/>
-            <a:ext cx="5208120" cy="510480"/>
+            <a:off x="6231960" y="1604520"/>
+            <a:ext cx="5354280" cy="1896840"/>
           </a:xfrm>
           <a:prstGeom prst="rect">
             <a:avLst/>
@@ -1893,18 +1805,15 @@
             <a:normAutofit/>
           </a:bodyPr>
           <a:p>
-            <a:endParaRPr b="0" lang="en-IL" sz="2800" spc="-1" strike="noStrike">
-              <a:solidFill>
-                <a:srgbClr val="000000"/>
-              </a:solidFill>
-              <a:latin typeface="Calibri"/>
-            </a:endParaRPr>
-          </a:p>
-        </p:txBody>
-      </p:sp>
-      <p:sp>
-        <p:nvSpPr>
-          <p:cNvPr id="64" name="PlaceHolder 4"/>
+            <a:endParaRPr b="0" lang="en-US" sz="3200" spc="-1" strike="noStrike">
+              <a:latin typeface="Arial"/>
+            </a:endParaRPr>
+          </a:p>
+        </p:txBody>
+      </p:sp>
+      <p:sp>
+        <p:nvSpPr>
+          <p:cNvPr id="60" name="PlaceHolder 4"/>
           <p:cNvSpPr>
             <a:spLocks noGrp="1"/>
           </p:cNvSpPr>
@@ -1914,8 +1823,8 @@
         </p:nvSpPr>
         <p:spPr>
           <a:xfrm>
-            <a:off x="815400" y="2053440"/>
-            <a:ext cx="10672560" cy="510480"/>
+            <a:off x="609480" y="3682080"/>
+            <a:ext cx="10972440" cy="1896840"/>
           </a:xfrm>
           <a:prstGeom prst="rect">
             <a:avLst/>
@@ -1926,11 +1835,8 @@
             <a:normAutofit/>
           </a:bodyPr>
           <a:p>
-            <a:endParaRPr b="0" lang="en-IL" sz="2800" spc="-1" strike="noStrike">
-              <a:solidFill>
-                <a:srgbClr val="000000"/>
-              </a:solidFill>
-              <a:latin typeface="Calibri"/>
+            <a:endParaRPr b="0" lang="en-US" sz="3200" spc="-1" strike="noStrike">
+              <a:latin typeface="Arial"/>
             </a:endParaRPr>
           </a:p>
         </p:txBody>
@@ -1959,7 +1865,7 @@
       </p:grpSpPr>
       <p:sp>
         <p:nvSpPr>
-          <p:cNvPr id="65" name="PlaceHolder 1"/>
+          <p:cNvPr id="61" name="PlaceHolder 1"/>
           <p:cNvSpPr>
             <a:spLocks noGrp="1"/>
           </p:cNvSpPr>
@@ -1969,8 +1875,8 @@
         </p:nvSpPr>
         <p:spPr>
           <a:xfrm>
-            <a:off x="815400" y="548640"/>
-            <a:ext cx="10560960" cy="719640"/>
+            <a:off x="609480" y="273600"/>
+            <a:ext cx="10972440" cy="1144800"/>
           </a:xfrm>
           <a:prstGeom prst="rect">
             <a:avLst/>
@@ -1978,21 +1884,19 @@
         </p:spPr>
         <p:txBody>
           <a:bodyPr lIns="0" rIns="0" tIns="0" bIns="0" anchor="ctr">
-            <a:spAutoFit/>
-          </a:bodyPr>
-          <a:p>
-            <a:endParaRPr b="0" lang="en-IL" sz="1800" spc="-1" strike="noStrike">
-              <a:solidFill>
-                <a:srgbClr val="000000"/>
-              </a:solidFill>
-              <a:latin typeface="Calibri"/>
-            </a:endParaRPr>
-          </a:p>
-        </p:txBody>
-      </p:sp>
-      <p:sp>
-        <p:nvSpPr>
-          <p:cNvPr id="66" name="PlaceHolder 2"/>
+            <a:noAutofit/>
+          </a:bodyPr>
+          <a:p>
+            <a:pPr algn="ctr"/>
+            <a:endParaRPr b="0" lang="en-US" sz="4400" spc="-1" strike="noStrike">
+              <a:latin typeface="Arial"/>
+            </a:endParaRPr>
+          </a:p>
+        </p:txBody>
+      </p:sp>
+      <p:sp>
+        <p:nvSpPr>
+          <p:cNvPr id="62" name="PlaceHolder 2"/>
           <p:cNvSpPr>
             <a:spLocks noGrp="1"/>
           </p:cNvSpPr>
@@ -2002,8 +1906,8 @@
         </p:nvSpPr>
         <p:spPr>
           <a:xfrm>
-            <a:off x="815400" y="1494000"/>
-            <a:ext cx="10672560" cy="510480"/>
+            <a:off x="609480" y="1604520"/>
+            <a:ext cx="10972440" cy="1896840"/>
           </a:xfrm>
           <a:prstGeom prst="rect">
             <a:avLst/>
@@ -2014,18 +1918,15 @@
             <a:normAutofit/>
           </a:bodyPr>
           <a:p>
-            <a:endParaRPr b="0" lang="en-IL" sz="2800" spc="-1" strike="noStrike">
-              <a:solidFill>
-                <a:srgbClr val="000000"/>
-              </a:solidFill>
-              <a:latin typeface="Calibri"/>
-            </a:endParaRPr>
-          </a:p>
-        </p:txBody>
-      </p:sp>
-      <p:sp>
-        <p:nvSpPr>
-          <p:cNvPr id="67" name="PlaceHolder 3"/>
+            <a:endParaRPr b="0" lang="en-US" sz="3200" spc="-1" strike="noStrike">
+              <a:latin typeface="Arial"/>
+            </a:endParaRPr>
+          </a:p>
+        </p:txBody>
+      </p:sp>
+      <p:sp>
+        <p:nvSpPr>
+          <p:cNvPr id="63" name="PlaceHolder 3"/>
           <p:cNvSpPr>
             <a:spLocks noGrp="1"/>
           </p:cNvSpPr>
@@ -2035,8 +1936,8 @@
         </p:nvSpPr>
         <p:spPr>
           <a:xfrm>
-            <a:off x="815400" y="2053440"/>
-            <a:ext cx="10672560" cy="510480"/>
+            <a:off x="609480" y="3682080"/>
+            <a:ext cx="10972440" cy="1896840"/>
           </a:xfrm>
           <a:prstGeom prst="rect">
             <a:avLst/>
@@ -2047,11 +1948,8 @@
             <a:normAutofit/>
           </a:bodyPr>
           <a:p>
-            <a:endParaRPr b="0" lang="en-IL" sz="2800" spc="-1" strike="noStrike">
-              <a:solidFill>
-                <a:srgbClr val="000000"/>
-              </a:solidFill>
-              <a:latin typeface="Calibri"/>
+            <a:endParaRPr b="0" lang="en-US" sz="3200" spc="-1" strike="noStrike">
+              <a:latin typeface="Arial"/>
             </a:endParaRPr>
           </a:p>
         </p:txBody>
@@ -2080,7 +1978,7 @@
       </p:grpSpPr>
       <p:sp>
         <p:nvSpPr>
-          <p:cNvPr id="68" name="PlaceHolder 1"/>
+          <p:cNvPr id="64" name="PlaceHolder 1"/>
           <p:cNvSpPr>
             <a:spLocks noGrp="1"/>
           </p:cNvSpPr>
@@ -2090,8 +1988,8 @@
         </p:nvSpPr>
         <p:spPr>
           <a:xfrm>
-            <a:off x="815400" y="548640"/>
-            <a:ext cx="10560960" cy="719640"/>
+            <a:off x="609480" y="273600"/>
+            <a:ext cx="10972440" cy="1144800"/>
           </a:xfrm>
           <a:prstGeom prst="rect">
             <a:avLst/>
@@ -2099,21 +1997,19 @@
         </p:spPr>
         <p:txBody>
           <a:bodyPr lIns="0" rIns="0" tIns="0" bIns="0" anchor="ctr">
-            <a:spAutoFit/>
-          </a:bodyPr>
-          <a:p>
-            <a:endParaRPr b="0" lang="en-IL" sz="1800" spc="-1" strike="noStrike">
-              <a:solidFill>
-                <a:srgbClr val="000000"/>
-              </a:solidFill>
-              <a:latin typeface="Calibri"/>
-            </a:endParaRPr>
-          </a:p>
-        </p:txBody>
-      </p:sp>
-      <p:sp>
-        <p:nvSpPr>
-          <p:cNvPr id="69" name="PlaceHolder 2"/>
+            <a:noAutofit/>
+          </a:bodyPr>
+          <a:p>
+            <a:pPr algn="ctr"/>
+            <a:endParaRPr b="0" lang="en-US" sz="4400" spc="-1" strike="noStrike">
+              <a:latin typeface="Arial"/>
+            </a:endParaRPr>
+          </a:p>
+        </p:txBody>
+      </p:sp>
+      <p:sp>
+        <p:nvSpPr>
+          <p:cNvPr id="65" name="PlaceHolder 2"/>
           <p:cNvSpPr>
             <a:spLocks noGrp="1"/>
           </p:cNvSpPr>
@@ -2123,8 +2019,8 @@
         </p:nvSpPr>
         <p:spPr>
           <a:xfrm>
-            <a:off x="815400" y="1494000"/>
-            <a:ext cx="5208120" cy="510480"/>
+            <a:off x="609480" y="1604520"/>
+            <a:ext cx="5354280" cy="1896840"/>
           </a:xfrm>
           <a:prstGeom prst="rect">
             <a:avLst/>
@@ -2135,18 +2031,15 @@
             <a:normAutofit/>
           </a:bodyPr>
           <a:p>
-            <a:endParaRPr b="0" lang="en-IL" sz="2800" spc="-1" strike="noStrike">
-              <a:solidFill>
-                <a:srgbClr val="000000"/>
-              </a:solidFill>
-              <a:latin typeface="Calibri"/>
-            </a:endParaRPr>
-          </a:p>
-        </p:txBody>
-      </p:sp>
-      <p:sp>
-        <p:nvSpPr>
-          <p:cNvPr id="70" name="PlaceHolder 3"/>
+            <a:endParaRPr b="0" lang="en-US" sz="3200" spc="-1" strike="noStrike">
+              <a:latin typeface="Arial"/>
+            </a:endParaRPr>
+          </a:p>
+        </p:txBody>
+      </p:sp>
+      <p:sp>
+        <p:nvSpPr>
+          <p:cNvPr id="66" name="PlaceHolder 3"/>
           <p:cNvSpPr>
             <a:spLocks noGrp="1"/>
           </p:cNvSpPr>
@@ -2156,8 +2049,8 @@
         </p:nvSpPr>
         <p:spPr>
           <a:xfrm>
-            <a:off x="6284160" y="1494000"/>
-            <a:ext cx="5208120" cy="510480"/>
+            <a:off x="6231960" y="1604520"/>
+            <a:ext cx="5354280" cy="1896840"/>
           </a:xfrm>
           <a:prstGeom prst="rect">
             <a:avLst/>
@@ -2168,18 +2061,15 @@
             <a:normAutofit/>
           </a:bodyPr>
           <a:p>
-            <a:endParaRPr b="0" lang="en-IL" sz="2800" spc="-1" strike="noStrike">
-              <a:solidFill>
-                <a:srgbClr val="000000"/>
-              </a:solidFill>
-              <a:latin typeface="Calibri"/>
-            </a:endParaRPr>
-          </a:p>
-        </p:txBody>
-      </p:sp>
-      <p:sp>
-        <p:nvSpPr>
-          <p:cNvPr id="71" name="PlaceHolder 4"/>
+            <a:endParaRPr b="0" lang="en-US" sz="3200" spc="-1" strike="noStrike">
+              <a:latin typeface="Arial"/>
+            </a:endParaRPr>
+          </a:p>
+        </p:txBody>
+      </p:sp>
+      <p:sp>
+        <p:nvSpPr>
+          <p:cNvPr id="67" name="PlaceHolder 4"/>
           <p:cNvSpPr>
             <a:spLocks noGrp="1"/>
           </p:cNvSpPr>
@@ -2189,8 +2079,8 @@
         </p:nvSpPr>
         <p:spPr>
           <a:xfrm>
-            <a:off x="815400" y="2053440"/>
-            <a:ext cx="5208120" cy="510480"/>
+            <a:off x="609480" y="3682080"/>
+            <a:ext cx="5354280" cy="1896840"/>
           </a:xfrm>
           <a:prstGeom prst="rect">
             <a:avLst/>
@@ -2201,18 +2091,15 @@
             <a:normAutofit/>
           </a:bodyPr>
           <a:p>
-            <a:endParaRPr b="0" lang="en-IL" sz="2800" spc="-1" strike="noStrike">
-              <a:solidFill>
-                <a:srgbClr val="000000"/>
-              </a:solidFill>
-              <a:latin typeface="Calibri"/>
-            </a:endParaRPr>
-          </a:p>
-        </p:txBody>
-      </p:sp>
-      <p:sp>
-        <p:nvSpPr>
-          <p:cNvPr id="72" name="PlaceHolder 5"/>
+            <a:endParaRPr b="0" lang="en-US" sz="3200" spc="-1" strike="noStrike">
+              <a:latin typeface="Arial"/>
+            </a:endParaRPr>
+          </a:p>
+        </p:txBody>
+      </p:sp>
+      <p:sp>
+        <p:nvSpPr>
+          <p:cNvPr id="68" name="PlaceHolder 5"/>
           <p:cNvSpPr>
             <a:spLocks noGrp="1"/>
           </p:cNvSpPr>
@@ -2222,8 +2109,8 @@
         </p:nvSpPr>
         <p:spPr>
           <a:xfrm>
-            <a:off x="6284160" y="2053440"/>
-            <a:ext cx="5208120" cy="510480"/>
+            <a:off x="6231960" y="3682080"/>
+            <a:ext cx="5354280" cy="1896840"/>
           </a:xfrm>
           <a:prstGeom prst="rect">
             <a:avLst/>
@@ -2234,11 +2121,8 @@
             <a:normAutofit/>
           </a:bodyPr>
           <a:p>
-            <a:endParaRPr b="0" lang="en-IL" sz="2800" spc="-1" strike="noStrike">
-              <a:solidFill>
-                <a:srgbClr val="000000"/>
-              </a:solidFill>
-              <a:latin typeface="Calibri"/>
+            <a:endParaRPr b="0" lang="en-US" sz="3200" spc="-1" strike="noStrike">
+              <a:latin typeface="Arial"/>
             </a:endParaRPr>
           </a:p>
         </p:txBody>
@@ -2267,7 +2151,7 @@
       </p:grpSpPr>
       <p:sp>
         <p:nvSpPr>
-          <p:cNvPr id="73" name="PlaceHolder 1"/>
+          <p:cNvPr id="69" name="PlaceHolder 1"/>
           <p:cNvSpPr>
             <a:spLocks noGrp="1"/>
           </p:cNvSpPr>
@@ -2277,8 +2161,8 @@
         </p:nvSpPr>
         <p:spPr>
           <a:xfrm>
-            <a:off x="815400" y="548640"/>
-            <a:ext cx="10560960" cy="719640"/>
+            <a:off x="609480" y="273600"/>
+            <a:ext cx="10972440" cy="1144800"/>
           </a:xfrm>
           <a:prstGeom prst="rect">
             <a:avLst/>
@@ -2286,21 +2170,19 @@
         </p:spPr>
         <p:txBody>
           <a:bodyPr lIns="0" rIns="0" tIns="0" bIns="0" anchor="ctr">
-            <a:spAutoFit/>
-          </a:bodyPr>
-          <a:p>
-            <a:endParaRPr b="0" lang="en-IL" sz="1800" spc="-1" strike="noStrike">
-              <a:solidFill>
-                <a:srgbClr val="000000"/>
-              </a:solidFill>
-              <a:latin typeface="Calibri"/>
-            </a:endParaRPr>
-          </a:p>
-        </p:txBody>
-      </p:sp>
-      <p:sp>
-        <p:nvSpPr>
-          <p:cNvPr id="74" name="PlaceHolder 2"/>
+            <a:noAutofit/>
+          </a:bodyPr>
+          <a:p>
+            <a:pPr algn="ctr"/>
+            <a:endParaRPr b="0" lang="en-US" sz="4400" spc="-1" strike="noStrike">
+              <a:latin typeface="Arial"/>
+            </a:endParaRPr>
+          </a:p>
+        </p:txBody>
+      </p:sp>
+      <p:sp>
+        <p:nvSpPr>
+          <p:cNvPr id="70" name="PlaceHolder 2"/>
           <p:cNvSpPr>
             <a:spLocks noGrp="1"/>
           </p:cNvSpPr>
@@ -2310,8 +2192,8 @@
         </p:nvSpPr>
         <p:spPr>
           <a:xfrm>
-            <a:off x="815400" y="1494000"/>
-            <a:ext cx="3436200" cy="510480"/>
+            <a:off x="609480" y="1604520"/>
+            <a:ext cx="3533040" cy="1896840"/>
           </a:xfrm>
           <a:prstGeom prst="rect">
             <a:avLst/>
@@ -2322,18 +2204,15 @@
             <a:normAutofit/>
           </a:bodyPr>
           <a:p>
-            <a:endParaRPr b="0" lang="en-IL" sz="2800" spc="-1" strike="noStrike">
-              <a:solidFill>
-                <a:srgbClr val="000000"/>
-              </a:solidFill>
-              <a:latin typeface="Calibri"/>
-            </a:endParaRPr>
-          </a:p>
-        </p:txBody>
-      </p:sp>
-      <p:sp>
-        <p:nvSpPr>
-          <p:cNvPr id="75" name="PlaceHolder 3"/>
+            <a:endParaRPr b="0" lang="en-US" sz="3200" spc="-1" strike="noStrike">
+              <a:latin typeface="Arial"/>
+            </a:endParaRPr>
+          </a:p>
+        </p:txBody>
+      </p:sp>
+      <p:sp>
+        <p:nvSpPr>
+          <p:cNvPr id="71" name="PlaceHolder 3"/>
           <p:cNvSpPr>
             <a:spLocks noGrp="1"/>
           </p:cNvSpPr>
@@ -2343,8 +2222,8 @@
         </p:nvSpPr>
         <p:spPr>
           <a:xfrm>
-            <a:off x="4423680" y="1494000"/>
-            <a:ext cx="3436200" cy="510480"/>
+            <a:off x="4319640" y="1604520"/>
+            <a:ext cx="3533040" cy="1896840"/>
           </a:xfrm>
           <a:prstGeom prst="rect">
             <a:avLst/>
@@ -2355,18 +2234,15 @@
             <a:normAutofit/>
           </a:bodyPr>
           <a:p>
-            <a:endParaRPr b="0" lang="en-IL" sz="2800" spc="-1" strike="noStrike">
-              <a:solidFill>
-                <a:srgbClr val="000000"/>
-              </a:solidFill>
-              <a:latin typeface="Calibri"/>
-            </a:endParaRPr>
-          </a:p>
-        </p:txBody>
-      </p:sp>
-      <p:sp>
-        <p:nvSpPr>
-          <p:cNvPr id="76" name="PlaceHolder 4"/>
+            <a:endParaRPr b="0" lang="en-US" sz="3200" spc="-1" strike="noStrike">
+              <a:latin typeface="Arial"/>
+            </a:endParaRPr>
+          </a:p>
+        </p:txBody>
+      </p:sp>
+      <p:sp>
+        <p:nvSpPr>
+          <p:cNvPr id="72" name="PlaceHolder 4"/>
           <p:cNvSpPr>
             <a:spLocks noGrp="1"/>
           </p:cNvSpPr>
@@ -2376,8 +2252,8 @@
         </p:nvSpPr>
         <p:spPr>
           <a:xfrm>
-            <a:off x="8032320" y="1494000"/>
-            <a:ext cx="3436200" cy="510480"/>
+            <a:off x="8029800" y="1604520"/>
+            <a:ext cx="3533040" cy="1896840"/>
           </a:xfrm>
           <a:prstGeom prst="rect">
             <a:avLst/>
@@ -2388,18 +2264,15 @@
             <a:normAutofit/>
           </a:bodyPr>
           <a:p>
-            <a:endParaRPr b="0" lang="en-IL" sz="2800" spc="-1" strike="noStrike">
-              <a:solidFill>
-                <a:srgbClr val="000000"/>
-              </a:solidFill>
-              <a:latin typeface="Calibri"/>
-            </a:endParaRPr>
-          </a:p>
-        </p:txBody>
-      </p:sp>
-      <p:sp>
-        <p:nvSpPr>
-          <p:cNvPr id="77" name="PlaceHolder 5"/>
+            <a:endParaRPr b="0" lang="en-US" sz="3200" spc="-1" strike="noStrike">
+              <a:latin typeface="Arial"/>
+            </a:endParaRPr>
+          </a:p>
+        </p:txBody>
+      </p:sp>
+      <p:sp>
+        <p:nvSpPr>
+          <p:cNvPr id="73" name="PlaceHolder 5"/>
           <p:cNvSpPr>
             <a:spLocks noGrp="1"/>
           </p:cNvSpPr>
@@ -2409,8 +2282,8 @@
         </p:nvSpPr>
         <p:spPr>
           <a:xfrm>
-            <a:off x="815400" y="2053440"/>
-            <a:ext cx="3436200" cy="510480"/>
+            <a:off x="609480" y="3682080"/>
+            <a:ext cx="3533040" cy="1896840"/>
           </a:xfrm>
           <a:prstGeom prst="rect">
             <a:avLst/>
@@ -2421,18 +2294,15 @@
             <a:normAutofit/>
           </a:bodyPr>
           <a:p>
-            <a:endParaRPr b="0" lang="en-IL" sz="2800" spc="-1" strike="noStrike">
-              <a:solidFill>
-                <a:srgbClr val="000000"/>
-              </a:solidFill>
-              <a:latin typeface="Calibri"/>
-            </a:endParaRPr>
-          </a:p>
-        </p:txBody>
-      </p:sp>
-      <p:sp>
-        <p:nvSpPr>
-          <p:cNvPr id="78" name="PlaceHolder 6"/>
+            <a:endParaRPr b="0" lang="en-US" sz="3200" spc="-1" strike="noStrike">
+              <a:latin typeface="Arial"/>
+            </a:endParaRPr>
+          </a:p>
+        </p:txBody>
+      </p:sp>
+      <p:sp>
+        <p:nvSpPr>
+          <p:cNvPr id="74" name="PlaceHolder 6"/>
           <p:cNvSpPr>
             <a:spLocks noGrp="1"/>
           </p:cNvSpPr>
@@ -2442,8 +2312,8 @@
         </p:nvSpPr>
         <p:spPr>
           <a:xfrm>
-            <a:off x="4423680" y="2053440"/>
-            <a:ext cx="3436200" cy="510480"/>
+            <a:off x="4319640" y="3682080"/>
+            <a:ext cx="3533040" cy="1896840"/>
           </a:xfrm>
           <a:prstGeom prst="rect">
             <a:avLst/>
@@ -2454,18 +2324,15 @@
             <a:normAutofit/>
           </a:bodyPr>
           <a:p>
-            <a:endParaRPr b="0" lang="en-IL" sz="2800" spc="-1" strike="noStrike">
-              <a:solidFill>
-                <a:srgbClr val="000000"/>
-              </a:solidFill>
-              <a:latin typeface="Calibri"/>
-            </a:endParaRPr>
-          </a:p>
-        </p:txBody>
-      </p:sp>
-      <p:sp>
-        <p:nvSpPr>
-          <p:cNvPr id="79" name="PlaceHolder 7"/>
+            <a:endParaRPr b="0" lang="en-US" sz="3200" spc="-1" strike="noStrike">
+              <a:latin typeface="Arial"/>
+            </a:endParaRPr>
+          </a:p>
+        </p:txBody>
+      </p:sp>
+      <p:sp>
+        <p:nvSpPr>
+          <p:cNvPr id="75" name="PlaceHolder 7"/>
           <p:cNvSpPr>
             <a:spLocks noGrp="1"/>
           </p:cNvSpPr>
@@ -2475,8 +2342,8 @@
         </p:nvSpPr>
         <p:spPr>
           <a:xfrm>
-            <a:off x="8032320" y="2053440"/>
-            <a:ext cx="3436200" cy="510480"/>
+            <a:off x="8029800" y="3682080"/>
+            <a:ext cx="3533040" cy="1896840"/>
           </a:xfrm>
           <a:prstGeom prst="rect">
             <a:avLst/>
@@ -2487,383 +2354,8 @@
             <a:normAutofit/>
           </a:bodyPr>
           <a:p>
-            <a:endParaRPr b="0" lang="en-IL" sz="2800" spc="-1" strike="noStrike">
-              <a:solidFill>
-                <a:srgbClr val="000000"/>
-              </a:solidFill>
-              <a:latin typeface="Calibri"/>
-            </a:endParaRPr>
-          </a:p>
-        </p:txBody>
-      </p:sp>
-    </p:spTree>
-  </p:cSld>
-</p:sldLayout>
-</file>
-
-<file path=ppt/slideLayouts/slideLayout25.xml><?xml version="1.0" encoding="utf-8"?>
-<p:sldLayout xmlns:a="http://schemas.openxmlformats.org/drawingml/2006/main" xmlns:p="http://schemas.openxmlformats.org/presentationml/2006/main" xmlns:r="http://schemas.openxmlformats.org/officeDocument/2006/relationships" xmlns:p14="http://schemas.microsoft.com/office/powerpoint/2010/main" xmlns:p15="http://schemas.microsoft.com/office/powerpoint/2012/main" xmlns:mc="http://schemas.openxmlformats.org/markup-compatibility/2006" type="blank" preserve="1">
-  <p:cSld name="Blank Slide">
-    <p:spTree>
-      <p:nvGrpSpPr>
-        <p:cNvPr id="1" name=""/>
-        <p:cNvGrpSpPr/>
-        <p:nvPr/>
-      </p:nvGrpSpPr>
-      <p:grpSpPr>
-        <a:xfrm>
-          <a:off x="0" y="0"/>
-          <a:ext cx="0" cy="0"/>
-          <a:chOff x="0" y="0"/>
-          <a:chExt cx="0" cy="0"/>
-        </a:xfrm>
-      </p:grpSpPr>
-    </p:spTree>
-  </p:cSld>
-</p:sldLayout>
-</file>
-
-<file path=ppt/slideLayouts/slideLayout26.xml><?xml version="1.0" encoding="utf-8"?>
-<p:sldLayout xmlns:a="http://schemas.openxmlformats.org/drawingml/2006/main" xmlns:p="http://schemas.openxmlformats.org/presentationml/2006/main" xmlns:r="http://schemas.openxmlformats.org/officeDocument/2006/relationships" xmlns:p14="http://schemas.microsoft.com/office/powerpoint/2010/main" xmlns:p15="http://schemas.microsoft.com/office/powerpoint/2012/main" xmlns:mc="http://schemas.openxmlformats.org/markup-compatibility/2006" type="tx" preserve="1">
-  <p:cSld name="Title Slide">
-    <p:spTree>
-      <p:nvGrpSpPr>
-        <p:cNvPr id="1" name=""/>
-        <p:cNvGrpSpPr/>
-        <p:nvPr/>
-      </p:nvGrpSpPr>
-      <p:grpSpPr>
-        <a:xfrm>
-          <a:off x="0" y="0"/>
-          <a:ext cx="0" cy="0"/>
-          <a:chOff x="0" y="0"/>
-          <a:chExt cx="0" cy="0"/>
-        </a:xfrm>
-      </p:grpSpPr>
-      <p:sp>
-        <p:nvSpPr>
-          <p:cNvPr id="83" name="PlaceHolder 1"/>
-          <p:cNvSpPr>
-            <a:spLocks noGrp="1"/>
-          </p:cNvSpPr>
-          <p:nvPr>
-            <p:ph type="title"/>
-          </p:nvPr>
-        </p:nvSpPr>
-        <p:spPr>
-          <a:xfrm>
-            <a:off x="815400" y="548640"/>
-            <a:ext cx="10560960" cy="719640"/>
-          </a:xfrm>
-          <a:prstGeom prst="rect">
-            <a:avLst/>
-          </a:prstGeom>
-        </p:spPr>
-        <p:txBody>
-          <a:bodyPr lIns="0" rIns="0" tIns="0" bIns="0" anchor="ctr">
-            <a:spAutoFit/>
-          </a:bodyPr>
-          <a:p>
-            <a:endParaRPr b="0" lang="en-IL" sz="1800" spc="-1" strike="noStrike">
-              <a:solidFill>
-                <a:srgbClr val="000000"/>
-              </a:solidFill>
-              <a:latin typeface="Calibri"/>
-            </a:endParaRPr>
-          </a:p>
-        </p:txBody>
-      </p:sp>
-      <p:sp>
-        <p:nvSpPr>
-          <p:cNvPr id="84" name="PlaceHolder 2"/>
-          <p:cNvSpPr>
-            <a:spLocks noGrp="1"/>
-          </p:cNvSpPr>
-          <p:nvPr>
-            <p:ph type="subTitle"/>
-          </p:nvPr>
-        </p:nvSpPr>
-        <p:spPr>
-          <a:xfrm>
-            <a:off x="815400" y="1494000"/>
-            <a:ext cx="10672560" cy="1070640"/>
-          </a:xfrm>
-          <a:prstGeom prst="rect">
-            <a:avLst/>
-          </a:prstGeom>
-        </p:spPr>
-        <p:txBody>
-          <a:bodyPr lIns="0" rIns="0" tIns="0" bIns="0" anchor="ctr">
-            <a:spAutoFit/>
-          </a:bodyPr>
-          <a:p>
-            <a:pPr algn="ctr"/>
             <a:endParaRPr b="0" lang="en-US" sz="3200" spc="-1" strike="noStrike">
               <a:latin typeface="Arial"/>
-            </a:endParaRPr>
-          </a:p>
-        </p:txBody>
-      </p:sp>
-    </p:spTree>
-  </p:cSld>
-</p:sldLayout>
-</file>
-
-<file path=ppt/slideLayouts/slideLayout27.xml><?xml version="1.0" encoding="utf-8"?>
-<p:sldLayout xmlns:a="http://schemas.openxmlformats.org/drawingml/2006/main" xmlns:p="http://schemas.openxmlformats.org/presentationml/2006/main" xmlns:r="http://schemas.openxmlformats.org/officeDocument/2006/relationships" xmlns:p14="http://schemas.microsoft.com/office/powerpoint/2010/main" xmlns:p15="http://schemas.microsoft.com/office/powerpoint/2012/main" xmlns:mc="http://schemas.openxmlformats.org/markup-compatibility/2006" type="obj" preserve="1">
-  <p:cSld name="Title, Content">
-    <p:spTree>
-      <p:nvGrpSpPr>
-        <p:cNvPr id="1" name=""/>
-        <p:cNvGrpSpPr/>
-        <p:nvPr/>
-      </p:nvGrpSpPr>
-      <p:grpSpPr>
-        <a:xfrm>
-          <a:off x="0" y="0"/>
-          <a:ext cx="0" cy="0"/>
-          <a:chOff x="0" y="0"/>
-          <a:chExt cx="0" cy="0"/>
-        </a:xfrm>
-      </p:grpSpPr>
-      <p:sp>
-        <p:nvSpPr>
-          <p:cNvPr id="85" name="PlaceHolder 1"/>
-          <p:cNvSpPr>
-            <a:spLocks noGrp="1"/>
-          </p:cNvSpPr>
-          <p:nvPr>
-            <p:ph type="title"/>
-          </p:nvPr>
-        </p:nvSpPr>
-        <p:spPr>
-          <a:xfrm>
-            <a:off x="815400" y="548640"/>
-            <a:ext cx="10560960" cy="719640"/>
-          </a:xfrm>
-          <a:prstGeom prst="rect">
-            <a:avLst/>
-          </a:prstGeom>
-        </p:spPr>
-        <p:txBody>
-          <a:bodyPr lIns="0" rIns="0" tIns="0" bIns="0" anchor="ctr">
-            <a:spAutoFit/>
-          </a:bodyPr>
-          <a:p>
-            <a:endParaRPr b="0" lang="en-IL" sz="1800" spc="-1" strike="noStrike">
-              <a:solidFill>
-                <a:srgbClr val="000000"/>
-              </a:solidFill>
-              <a:latin typeface="Calibri"/>
-            </a:endParaRPr>
-          </a:p>
-        </p:txBody>
-      </p:sp>
-      <p:sp>
-        <p:nvSpPr>
-          <p:cNvPr id="86" name="PlaceHolder 2"/>
-          <p:cNvSpPr>
-            <a:spLocks noGrp="1"/>
-          </p:cNvSpPr>
-          <p:nvPr>
-            <p:ph type="body"/>
-          </p:nvPr>
-        </p:nvSpPr>
-        <p:spPr>
-          <a:xfrm>
-            <a:off x="815400" y="1494000"/>
-            <a:ext cx="10672560" cy="1070640"/>
-          </a:xfrm>
-          <a:prstGeom prst="rect">
-            <a:avLst/>
-          </a:prstGeom>
-        </p:spPr>
-        <p:txBody>
-          <a:bodyPr lIns="0" rIns="0" tIns="0" bIns="0">
-            <a:normAutofit/>
-          </a:bodyPr>
-          <a:p>
-            <a:endParaRPr b="0" lang="en-IL" sz="2800" spc="-1" strike="noStrike">
-              <a:solidFill>
-                <a:srgbClr val="000000"/>
-              </a:solidFill>
-              <a:latin typeface="Calibri"/>
-            </a:endParaRPr>
-          </a:p>
-        </p:txBody>
-      </p:sp>
-    </p:spTree>
-  </p:cSld>
-</p:sldLayout>
-</file>
-
-<file path=ppt/slideLayouts/slideLayout28.xml><?xml version="1.0" encoding="utf-8"?>
-<p:sldLayout xmlns:a="http://schemas.openxmlformats.org/drawingml/2006/main" xmlns:p="http://schemas.openxmlformats.org/presentationml/2006/main" xmlns:r="http://schemas.openxmlformats.org/officeDocument/2006/relationships" xmlns:p14="http://schemas.microsoft.com/office/powerpoint/2010/main" xmlns:p15="http://schemas.microsoft.com/office/powerpoint/2012/main" xmlns:mc="http://schemas.openxmlformats.org/markup-compatibility/2006" type="twoObj" preserve="1">
-  <p:cSld name="Title, 2 Content">
-    <p:spTree>
-      <p:nvGrpSpPr>
-        <p:cNvPr id="1" name=""/>
-        <p:cNvGrpSpPr/>
-        <p:nvPr/>
-      </p:nvGrpSpPr>
-      <p:grpSpPr>
-        <a:xfrm>
-          <a:off x="0" y="0"/>
-          <a:ext cx="0" cy="0"/>
-          <a:chOff x="0" y="0"/>
-          <a:chExt cx="0" cy="0"/>
-        </a:xfrm>
-      </p:grpSpPr>
-      <p:sp>
-        <p:nvSpPr>
-          <p:cNvPr id="87" name="PlaceHolder 1"/>
-          <p:cNvSpPr>
-            <a:spLocks noGrp="1"/>
-          </p:cNvSpPr>
-          <p:nvPr>
-            <p:ph type="title"/>
-          </p:nvPr>
-        </p:nvSpPr>
-        <p:spPr>
-          <a:xfrm>
-            <a:off x="815400" y="548640"/>
-            <a:ext cx="10560960" cy="719640"/>
-          </a:xfrm>
-          <a:prstGeom prst="rect">
-            <a:avLst/>
-          </a:prstGeom>
-        </p:spPr>
-        <p:txBody>
-          <a:bodyPr lIns="0" rIns="0" tIns="0" bIns="0" anchor="ctr">
-            <a:spAutoFit/>
-          </a:bodyPr>
-          <a:p>
-            <a:endParaRPr b="0" lang="en-IL" sz="1800" spc="-1" strike="noStrike">
-              <a:solidFill>
-                <a:srgbClr val="000000"/>
-              </a:solidFill>
-              <a:latin typeface="Calibri"/>
-            </a:endParaRPr>
-          </a:p>
-        </p:txBody>
-      </p:sp>
-      <p:sp>
-        <p:nvSpPr>
-          <p:cNvPr id="88" name="PlaceHolder 2"/>
-          <p:cNvSpPr>
-            <a:spLocks noGrp="1"/>
-          </p:cNvSpPr>
-          <p:nvPr>
-            <p:ph type="body"/>
-          </p:nvPr>
-        </p:nvSpPr>
-        <p:spPr>
-          <a:xfrm>
-            <a:off x="815400" y="1494000"/>
-            <a:ext cx="5208120" cy="1070640"/>
-          </a:xfrm>
-          <a:prstGeom prst="rect">
-            <a:avLst/>
-          </a:prstGeom>
-        </p:spPr>
-        <p:txBody>
-          <a:bodyPr lIns="0" rIns="0" tIns="0" bIns="0">
-            <a:normAutofit/>
-          </a:bodyPr>
-          <a:p>
-            <a:endParaRPr b="0" lang="en-IL" sz="2800" spc="-1" strike="noStrike">
-              <a:solidFill>
-                <a:srgbClr val="000000"/>
-              </a:solidFill>
-              <a:latin typeface="Calibri"/>
-            </a:endParaRPr>
-          </a:p>
-        </p:txBody>
-      </p:sp>
-      <p:sp>
-        <p:nvSpPr>
-          <p:cNvPr id="89" name="PlaceHolder 3"/>
-          <p:cNvSpPr>
-            <a:spLocks noGrp="1"/>
-          </p:cNvSpPr>
-          <p:nvPr>
-            <p:ph type="body"/>
-          </p:nvPr>
-        </p:nvSpPr>
-        <p:spPr>
-          <a:xfrm>
-            <a:off x="6284160" y="1494000"/>
-            <a:ext cx="5208120" cy="1070640"/>
-          </a:xfrm>
-          <a:prstGeom prst="rect">
-            <a:avLst/>
-          </a:prstGeom>
-        </p:spPr>
-        <p:txBody>
-          <a:bodyPr lIns="0" rIns="0" tIns="0" bIns="0">
-            <a:normAutofit/>
-          </a:bodyPr>
-          <a:p>
-            <a:endParaRPr b="0" lang="en-IL" sz="2800" spc="-1" strike="noStrike">
-              <a:solidFill>
-                <a:srgbClr val="000000"/>
-              </a:solidFill>
-              <a:latin typeface="Calibri"/>
-            </a:endParaRPr>
-          </a:p>
-        </p:txBody>
-      </p:sp>
-    </p:spTree>
-  </p:cSld>
-</p:sldLayout>
-</file>
-
-<file path=ppt/slideLayouts/slideLayout29.xml><?xml version="1.0" encoding="utf-8"?>
-<p:sldLayout xmlns:a="http://schemas.openxmlformats.org/drawingml/2006/main" xmlns:p="http://schemas.openxmlformats.org/presentationml/2006/main" xmlns:r="http://schemas.openxmlformats.org/officeDocument/2006/relationships" xmlns:p14="http://schemas.microsoft.com/office/powerpoint/2010/main" xmlns:p15="http://schemas.microsoft.com/office/powerpoint/2012/main" xmlns:mc="http://schemas.openxmlformats.org/markup-compatibility/2006" type="titleOnly" preserve="1">
-  <p:cSld name="Title Only">
-    <p:spTree>
-      <p:nvGrpSpPr>
-        <p:cNvPr id="1" name=""/>
-        <p:cNvGrpSpPr/>
-        <p:nvPr/>
-      </p:nvGrpSpPr>
-      <p:grpSpPr>
-        <a:xfrm>
-          <a:off x="0" y="0"/>
-          <a:ext cx="0" cy="0"/>
-          <a:chOff x="0" y="0"/>
-          <a:chExt cx="0" cy="0"/>
-        </a:xfrm>
-      </p:grpSpPr>
-      <p:sp>
-        <p:nvSpPr>
-          <p:cNvPr id="90" name="PlaceHolder 1"/>
-          <p:cNvSpPr>
-            <a:spLocks noGrp="1"/>
-          </p:cNvSpPr>
-          <p:nvPr>
-            <p:ph type="title"/>
-          </p:nvPr>
-        </p:nvSpPr>
-        <p:spPr>
-          <a:xfrm>
-            <a:off x="815400" y="548640"/>
-            <a:ext cx="10560960" cy="719640"/>
-          </a:xfrm>
-          <a:prstGeom prst="rect">
-            <a:avLst/>
-          </a:prstGeom>
-        </p:spPr>
-        <p:txBody>
-          <a:bodyPr lIns="0" rIns="0" tIns="0" bIns="0" anchor="ctr">
-            <a:spAutoFit/>
-          </a:bodyPr>
-          <a:p>
-            <a:endParaRPr b="0" lang="en-IL" sz="1800" spc="-1" strike="noStrike">
-              <a:solidFill>
-                <a:srgbClr val="000000"/>
-              </a:solidFill>
-              <a:latin typeface="Calibri"/>
             </a:endParaRPr>
           </a:p>
         </p:txBody>
@@ -2892,7 +2384,7 @@
       </p:grpSpPr>
       <p:sp>
         <p:nvSpPr>
-          <p:cNvPr id="7" name="PlaceHolder 1"/>
+          <p:cNvPr id="4" name="PlaceHolder 1"/>
           <p:cNvSpPr>
             <a:spLocks noGrp="1"/>
           </p:cNvSpPr>
@@ -2902,8 +2394,8 @@
         </p:nvSpPr>
         <p:spPr>
           <a:xfrm>
-            <a:off x="815400" y="548640"/>
-            <a:ext cx="10560960" cy="719640"/>
+            <a:off x="609480" y="273600"/>
+            <a:ext cx="10972440" cy="1144800"/>
           </a:xfrm>
           <a:prstGeom prst="rect">
             <a:avLst/>
@@ -2911,21 +2403,19 @@
         </p:spPr>
         <p:txBody>
           <a:bodyPr lIns="0" rIns="0" tIns="0" bIns="0" anchor="ctr">
-            <a:spAutoFit/>
-          </a:bodyPr>
-          <a:p>
-            <a:endParaRPr b="0" lang="en-IL" sz="1800" spc="-1" strike="noStrike">
-              <a:solidFill>
-                <a:srgbClr val="000000"/>
-              </a:solidFill>
-              <a:latin typeface="Calibri"/>
-            </a:endParaRPr>
-          </a:p>
-        </p:txBody>
-      </p:sp>
-      <p:sp>
-        <p:nvSpPr>
-          <p:cNvPr id="8" name="PlaceHolder 2"/>
+            <a:noAutofit/>
+          </a:bodyPr>
+          <a:p>
+            <a:pPr algn="ctr"/>
+            <a:endParaRPr b="0" lang="en-US" sz="4400" spc="-1" strike="noStrike">
+              <a:latin typeface="Arial"/>
+            </a:endParaRPr>
+          </a:p>
+        </p:txBody>
+      </p:sp>
+      <p:sp>
+        <p:nvSpPr>
+          <p:cNvPr id="5" name="PlaceHolder 2"/>
           <p:cNvSpPr>
             <a:spLocks noGrp="1"/>
           </p:cNvSpPr>
@@ -2935,8 +2425,8 @@
         </p:nvSpPr>
         <p:spPr>
           <a:xfrm>
-            <a:off x="815400" y="1494000"/>
-            <a:ext cx="10672560" cy="1070640"/>
+            <a:off x="609480" y="1604520"/>
+            <a:ext cx="10972440" cy="3977280"/>
           </a:xfrm>
           <a:prstGeom prst="rect">
             <a:avLst/>
@@ -2947,1087 +2437,8 @@
             <a:normAutofit/>
           </a:bodyPr>
           <a:p>
-            <a:endParaRPr b="0" lang="en-IL" sz="2800" spc="-1" strike="noStrike">
-              <a:solidFill>
-                <a:srgbClr val="000000"/>
-              </a:solidFill>
-              <a:latin typeface="Calibri"/>
-            </a:endParaRPr>
-          </a:p>
-        </p:txBody>
-      </p:sp>
-    </p:spTree>
-  </p:cSld>
-</p:sldLayout>
-</file>
-
-<file path=ppt/slideLayouts/slideLayout30.xml><?xml version="1.0" encoding="utf-8"?>
-<p:sldLayout xmlns:a="http://schemas.openxmlformats.org/drawingml/2006/main" xmlns:p="http://schemas.openxmlformats.org/presentationml/2006/main" xmlns:r="http://schemas.openxmlformats.org/officeDocument/2006/relationships" xmlns:p14="http://schemas.microsoft.com/office/powerpoint/2010/main" xmlns:p15="http://schemas.microsoft.com/office/powerpoint/2012/main" xmlns:mc="http://schemas.openxmlformats.org/markup-compatibility/2006" type="objOnly" preserve="1">
-  <p:cSld name="Centered Text">
-    <p:spTree>
-      <p:nvGrpSpPr>
-        <p:cNvPr id="1" name=""/>
-        <p:cNvGrpSpPr/>
-        <p:nvPr/>
-      </p:nvGrpSpPr>
-      <p:grpSpPr>
-        <a:xfrm>
-          <a:off x="0" y="0"/>
-          <a:ext cx="0" cy="0"/>
-          <a:chOff x="0" y="0"/>
-          <a:chExt cx="0" cy="0"/>
-        </a:xfrm>
-      </p:grpSpPr>
-      <p:sp>
-        <p:nvSpPr>
-          <p:cNvPr id="91" name="PlaceHolder 1"/>
-          <p:cNvSpPr>
-            <a:spLocks noGrp="1"/>
-          </p:cNvSpPr>
-          <p:nvPr>
-            <p:ph type="subTitle"/>
-          </p:nvPr>
-        </p:nvSpPr>
-        <p:spPr>
-          <a:xfrm>
-            <a:off x="815400" y="548640"/>
-            <a:ext cx="10560960" cy="3337200"/>
-          </a:xfrm>
-          <a:prstGeom prst="rect">
-            <a:avLst/>
-          </a:prstGeom>
-        </p:spPr>
-        <p:txBody>
-          <a:bodyPr lIns="0" rIns="0" tIns="0" bIns="0" anchor="ctr">
-            <a:spAutoFit/>
-          </a:bodyPr>
-          <a:p>
-            <a:pPr algn="ctr"/>
             <a:endParaRPr b="0" lang="en-US" sz="3200" spc="-1" strike="noStrike">
               <a:latin typeface="Arial"/>
-            </a:endParaRPr>
-          </a:p>
-        </p:txBody>
-      </p:sp>
-    </p:spTree>
-  </p:cSld>
-</p:sldLayout>
-</file>
-
-<file path=ppt/slideLayouts/slideLayout31.xml><?xml version="1.0" encoding="utf-8"?>
-<p:sldLayout xmlns:a="http://schemas.openxmlformats.org/drawingml/2006/main" xmlns:p="http://schemas.openxmlformats.org/presentationml/2006/main" xmlns:r="http://schemas.openxmlformats.org/officeDocument/2006/relationships" xmlns:p14="http://schemas.microsoft.com/office/powerpoint/2010/main" xmlns:p15="http://schemas.microsoft.com/office/powerpoint/2012/main" xmlns:mc="http://schemas.openxmlformats.org/markup-compatibility/2006" type="twoObjAndObj" preserve="1">
-  <p:cSld name="Title, 2 Content and Content">
-    <p:spTree>
-      <p:nvGrpSpPr>
-        <p:cNvPr id="1" name=""/>
-        <p:cNvGrpSpPr/>
-        <p:nvPr/>
-      </p:nvGrpSpPr>
-      <p:grpSpPr>
-        <a:xfrm>
-          <a:off x="0" y="0"/>
-          <a:ext cx="0" cy="0"/>
-          <a:chOff x="0" y="0"/>
-          <a:chExt cx="0" cy="0"/>
-        </a:xfrm>
-      </p:grpSpPr>
-      <p:sp>
-        <p:nvSpPr>
-          <p:cNvPr id="92" name="PlaceHolder 1"/>
-          <p:cNvSpPr>
-            <a:spLocks noGrp="1"/>
-          </p:cNvSpPr>
-          <p:nvPr>
-            <p:ph type="title"/>
-          </p:nvPr>
-        </p:nvSpPr>
-        <p:spPr>
-          <a:xfrm>
-            <a:off x="815400" y="548640"/>
-            <a:ext cx="10560960" cy="719640"/>
-          </a:xfrm>
-          <a:prstGeom prst="rect">
-            <a:avLst/>
-          </a:prstGeom>
-        </p:spPr>
-        <p:txBody>
-          <a:bodyPr lIns="0" rIns="0" tIns="0" bIns="0" anchor="ctr">
-            <a:spAutoFit/>
-          </a:bodyPr>
-          <a:p>
-            <a:endParaRPr b="0" lang="en-IL" sz="1800" spc="-1" strike="noStrike">
-              <a:solidFill>
-                <a:srgbClr val="000000"/>
-              </a:solidFill>
-              <a:latin typeface="Calibri"/>
-            </a:endParaRPr>
-          </a:p>
-        </p:txBody>
-      </p:sp>
-      <p:sp>
-        <p:nvSpPr>
-          <p:cNvPr id="93" name="PlaceHolder 2"/>
-          <p:cNvSpPr>
-            <a:spLocks noGrp="1"/>
-          </p:cNvSpPr>
-          <p:nvPr>
-            <p:ph type="body"/>
-          </p:nvPr>
-        </p:nvSpPr>
-        <p:spPr>
-          <a:xfrm>
-            <a:off x="815400" y="1494000"/>
-            <a:ext cx="5208120" cy="510480"/>
-          </a:xfrm>
-          <a:prstGeom prst="rect">
-            <a:avLst/>
-          </a:prstGeom>
-        </p:spPr>
-        <p:txBody>
-          <a:bodyPr lIns="0" rIns="0" tIns="0" bIns="0">
-            <a:normAutofit/>
-          </a:bodyPr>
-          <a:p>
-            <a:endParaRPr b="0" lang="en-IL" sz="2800" spc="-1" strike="noStrike">
-              <a:solidFill>
-                <a:srgbClr val="000000"/>
-              </a:solidFill>
-              <a:latin typeface="Calibri"/>
-            </a:endParaRPr>
-          </a:p>
-        </p:txBody>
-      </p:sp>
-      <p:sp>
-        <p:nvSpPr>
-          <p:cNvPr id="94" name="PlaceHolder 3"/>
-          <p:cNvSpPr>
-            <a:spLocks noGrp="1"/>
-          </p:cNvSpPr>
-          <p:nvPr>
-            <p:ph type="body"/>
-          </p:nvPr>
-        </p:nvSpPr>
-        <p:spPr>
-          <a:xfrm>
-            <a:off x="6284160" y="1494000"/>
-            <a:ext cx="5208120" cy="1070640"/>
-          </a:xfrm>
-          <a:prstGeom prst="rect">
-            <a:avLst/>
-          </a:prstGeom>
-        </p:spPr>
-        <p:txBody>
-          <a:bodyPr lIns="0" rIns="0" tIns="0" bIns="0">
-            <a:normAutofit/>
-          </a:bodyPr>
-          <a:p>
-            <a:endParaRPr b="0" lang="en-IL" sz="2800" spc="-1" strike="noStrike">
-              <a:solidFill>
-                <a:srgbClr val="000000"/>
-              </a:solidFill>
-              <a:latin typeface="Calibri"/>
-            </a:endParaRPr>
-          </a:p>
-        </p:txBody>
-      </p:sp>
-      <p:sp>
-        <p:nvSpPr>
-          <p:cNvPr id="95" name="PlaceHolder 4"/>
-          <p:cNvSpPr>
-            <a:spLocks noGrp="1"/>
-          </p:cNvSpPr>
-          <p:nvPr>
-            <p:ph type="body"/>
-          </p:nvPr>
-        </p:nvSpPr>
-        <p:spPr>
-          <a:xfrm>
-            <a:off x="815400" y="2053440"/>
-            <a:ext cx="5208120" cy="510480"/>
-          </a:xfrm>
-          <a:prstGeom prst="rect">
-            <a:avLst/>
-          </a:prstGeom>
-        </p:spPr>
-        <p:txBody>
-          <a:bodyPr lIns="0" rIns="0" tIns="0" bIns="0">
-            <a:normAutofit/>
-          </a:bodyPr>
-          <a:p>
-            <a:endParaRPr b="0" lang="en-IL" sz="2800" spc="-1" strike="noStrike">
-              <a:solidFill>
-                <a:srgbClr val="000000"/>
-              </a:solidFill>
-              <a:latin typeface="Calibri"/>
-            </a:endParaRPr>
-          </a:p>
-        </p:txBody>
-      </p:sp>
-    </p:spTree>
-  </p:cSld>
-</p:sldLayout>
-</file>
-
-<file path=ppt/slideLayouts/slideLayout32.xml><?xml version="1.0" encoding="utf-8"?>
-<p:sldLayout xmlns:a="http://schemas.openxmlformats.org/drawingml/2006/main" xmlns:p="http://schemas.openxmlformats.org/presentationml/2006/main" xmlns:r="http://schemas.openxmlformats.org/officeDocument/2006/relationships" xmlns:p14="http://schemas.microsoft.com/office/powerpoint/2010/main" xmlns:p15="http://schemas.microsoft.com/office/powerpoint/2012/main" xmlns:mc="http://schemas.openxmlformats.org/markup-compatibility/2006" type="objAndTwoObj" preserve="1">
-  <p:cSld name="Title Content and 2 Content">
-    <p:spTree>
-      <p:nvGrpSpPr>
-        <p:cNvPr id="1" name=""/>
-        <p:cNvGrpSpPr/>
-        <p:nvPr/>
-      </p:nvGrpSpPr>
-      <p:grpSpPr>
-        <a:xfrm>
-          <a:off x="0" y="0"/>
-          <a:ext cx="0" cy="0"/>
-          <a:chOff x="0" y="0"/>
-          <a:chExt cx="0" cy="0"/>
-        </a:xfrm>
-      </p:grpSpPr>
-      <p:sp>
-        <p:nvSpPr>
-          <p:cNvPr id="96" name="PlaceHolder 1"/>
-          <p:cNvSpPr>
-            <a:spLocks noGrp="1"/>
-          </p:cNvSpPr>
-          <p:nvPr>
-            <p:ph type="title"/>
-          </p:nvPr>
-        </p:nvSpPr>
-        <p:spPr>
-          <a:xfrm>
-            <a:off x="815400" y="548640"/>
-            <a:ext cx="10560960" cy="719640"/>
-          </a:xfrm>
-          <a:prstGeom prst="rect">
-            <a:avLst/>
-          </a:prstGeom>
-        </p:spPr>
-        <p:txBody>
-          <a:bodyPr lIns="0" rIns="0" tIns="0" bIns="0" anchor="ctr">
-            <a:spAutoFit/>
-          </a:bodyPr>
-          <a:p>
-            <a:endParaRPr b="0" lang="en-IL" sz="1800" spc="-1" strike="noStrike">
-              <a:solidFill>
-                <a:srgbClr val="000000"/>
-              </a:solidFill>
-              <a:latin typeface="Calibri"/>
-            </a:endParaRPr>
-          </a:p>
-        </p:txBody>
-      </p:sp>
-      <p:sp>
-        <p:nvSpPr>
-          <p:cNvPr id="97" name="PlaceHolder 2"/>
-          <p:cNvSpPr>
-            <a:spLocks noGrp="1"/>
-          </p:cNvSpPr>
-          <p:nvPr>
-            <p:ph type="body"/>
-          </p:nvPr>
-        </p:nvSpPr>
-        <p:spPr>
-          <a:xfrm>
-            <a:off x="815400" y="1494000"/>
-            <a:ext cx="5208120" cy="1070640"/>
-          </a:xfrm>
-          <a:prstGeom prst="rect">
-            <a:avLst/>
-          </a:prstGeom>
-        </p:spPr>
-        <p:txBody>
-          <a:bodyPr lIns="0" rIns="0" tIns="0" bIns="0">
-            <a:normAutofit/>
-          </a:bodyPr>
-          <a:p>
-            <a:endParaRPr b="0" lang="en-IL" sz="2800" spc="-1" strike="noStrike">
-              <a:solidFill>
-                <a:srgbClr val="000000"/>
-              </a:solidFill>
-              <a:latin typeface="Calibri"/>
-            </a:endParaRPr>
-          </a:p>
-        </p:txBody>
-      </p:sp>
-      <p:sp>
-        <p:nvSpPr>
-          <p:cNvPr id="98" name="PlaceHolder 3"/>
-          <p:cNvSpPr>
-            <a:spLocks noGrp="1"/>
-          </p:cNvSpPr>
-          <p:nvPr>
-            <p:ph type="body"/>
-          </p:nvPr>
-        </p:nvSpPr>
-        <p:spPr>
-          <a:xfrm>
-            <a:off x="6284160" y="1494000"/>
-            <a:ext cx="5208120" cy="510480"/>
-          </a:xfrm>
-          <a:prstGeom prst="rect">
-            <a:avLst/>
-          </a:prstGeom>
-        </p:spPr>
-        <p:txBody>
-          <a:bodyPr lIns="0" rIns="0" tIns="0" bIns="0">
-            <a:normAutofit/>
-          </a:bodyPr>
-          <a:p>
-            <a:endParaRPr b="0" lang="en-IL" sz="2800" spc="-1" strike="noStrike">
-              <a:solidFill>
-                <a:srgbClr val="000000"/>
-              </a:solidFill>
-              <a:latin typeface="Calibri"/>
-            </a:endParaRPr>
-          </a:p>
-        </p:txBody>
-      </p:sp>
-      <p:sp>
-        <p:nvSpPr>
-          <p:cNvPr id="99" name="PlaceHolder 4"/>
-          <p:cNvSpPr>
-            <a:spLocks noGrp="1"/>
-          </p:cNvSpPr>
-          <p:nvPr>
-            <p:ph type="body"/>
-          </p:nvPr>
-        </p:nvSpPr>
-        <p:spPr>
-          <a:xfrm>
-            <a:off x="6284160" y="2053440"/>
-            <a:ext cx="5208120" cy="510480"/>
-          </a:xfrm>
-          <a:prstGeom prst="rect">
-            <a:avLst/>
-          </a:prstGeom>
-        </p:spPr>
-        <p:txBody>
-          <a:bodyPr lIns="0" rIns="0" tIns="0" bIns="0">
-            <a:normAutofit/>
-          </a:bodyPr>
-          <a:p>
-            <a:endParaRPr b="0" lang="en-IL" sz="2800" spc="-1" strike="noStrike">
-              <a:solidFill>
-                <a:srgbClr val="000000"/>
-              </a:solidFill>
-              <a:latin typeface="Calibri"/>
-            </a:endParaRPr>
-          </a:p>
-        </p:txBody>
-      </p:sp>
-    </p:spTree>
-  </p:cSld>
-</p:sldLayout>
-</file>
-
-<file path=ppt/slideLayouts/slideLayout33.xml><?xml version="1.0" encoding="utf-8"?>
-<p:sldLayout xmlns:a="http://schemas.openxmlformats.org/drawingml/2006/main" xmlns:p="http://schemas.openxmlformats.org/presentationml/2006/main" xmlns:r="http://schemas.openxmlformats.org/officeDocument/2006/relationships" xmlns:p14="http://schemas.microsoft.com/office/powerpoint/2010/main" xmlns:p15="http://schemas.microsoft.com/office/powerpoint/2012/main" xmlns:mc="http://schemas.openxmlformats.org/markup-compatibility/2006" type="twoObjOverTx" preserve="1">
-  <p:cSld name="Title, 2 Content over Content">
-    <p:spTree>
-      <p:nvGrpSpPr>
-        <p:cNvPr id="1" name=""/>
-        <p:cNvGrpSpPr/>
-        <p:nvPr/>
-      </p:nvGrpSpPr>
-      <p:grpSpPr>
-        <a:xfrm>
-          <a:off x="0" y="0"/>
-          <a:ext cx="0" cy="0"/>
-          <a:chOff x="0" y="0"/>
-          <a:chExt cx="0" cy="0"/>
-        </a:xfrm>
-      </p:grpSpPr>
-      <p:sp>
-        <p:nvSpPr>
-          <p:cNvPr id="100" name="PlaceHolder 1"/>
-          <p:cNvSpPr>
-            <a:spLocks noGrp="1"/>
-          </p:cNvSpPr>
-          <p:nvPr>
-            <p:ph type="title"/>
-          </p:nvPr>
-        </p:nvSpPr>
-        <p:spPr>
-          <a:xfrm>
-            <a:off x="815400" y="548640"/>
-            <a:ext cx="10560960" cy="719640"/>
-          </a:xfrm>
-          <a:prstGeom prst="rect">
-            <a:avLst/>
-          </a:prstGeom>
-        </p:spPr>
-        <p:txBody>
-          <a:bodyPr lIns="0" rIns="0" tIns="0" bIns="0" anchor="ctr">
-            <a:spAutoFit/>
-          </a:bodyPr>
-          <a:p>
-            <a:endParaRPr b="0" lang="en-IL" sz="1800" spc="-1" strike="noStrike">
-              <a:solidFill>
-                <a:srgbClr val="000000"/>
-              </a:solidFill>
-              <a:latin typeface="Calibri"/>
-            </a:endParaRPr>
-          </a:p>
-        </p:txBody>
-      </p:sp>
-      <p:sp>
-        <p:nvSpPr>
-          <p:cNvPr id="101" name="PlaceHolder 2"/>
-          <p:cNvSpPr>
-            <a:spLocks noGrp="1"/>
-          </p:cNvSpPr>
-          <p:nvPr>
-            <p:ph type="body"/>
-          </p:nvPr>
-        </p:nvSpPr>
-        <p:spPr>
-          <a:xfrm>
-            <a:off x="815400" y="1494000"/>
-            <a:ext cx="5208120" cy="510480"/>
-          </a:xfrm>
-          <a:prstGeom prst="rect">
-            <a:avLst/>
-          </a:prstGeom>
-        </p:spPr>
-        <p:txBody>
-          <a:bodyPr lIns="0" rIns="0" tIns="0" bIns="0">
-            <a:normAutofit/>
-          </a:bodyPr>
-          <a:p>
-            <a:endParaRPr b="0" lang="en-IL" sz="2800" spc="-1" strike="noStrike">
-              <a:solidFill>
-                <a:srgbClr val="000000"/>
-              </a:solidFill>
-              <a:latin typeface="Calibri"/>
-            </a:endParaRPr>
-          </a:p>
-        </p:txBody>
-      </p:sp>
-      <p:sp>
-        <p:nvSpPr>
-          <p:cNvPr id="102" name="PlaceHolder 3"/>
-          <p:cNvSpPr>
-            <a:spLocks noGrp="1"/>
-          </p:cNvSpPr>
-          <p:nvPr>
-            <p:ph type="body"/>
-          </p:nvPr>
-        </p:nvSpPr>
-        <p:spPr>
-          <a:xfrm>
-            <a:off x="6284160" y="1494000"/>
-            <a:ext cx="5208120" cy="510480"/>
-          </a:xfrm>
-          <a:prstGeom prst="rect">
-            <a:avLst/>
-          </a:prstGeom>
-        </p:spPr>
-        <p:txBody>
-          <a:bodyPr lIns="0" rIns="0" tIns="0" bIns="0">
-            <a:normAutofit/>
-          </a:bodyPr>
-          <a:p>
-            <a:endParaRPr b="0" lang="en-IL" sz="2800" spc="-1" strike="noStrike">
-              <a:solidFill>
-                <a:srgbClr val="000000"/>
-              </a:solidFill>
-              <a:latin typeface="Calibri"/>
-            </a:endParaRPr>
-          </a:p>
-        </p:txBody>
-      </p:sp>
-      <p:sp>
-        <p:nvSpPr>
-          <p:cNvPr id="103" name="PlaceHolder 4"/>
-          <p:cNvSpPr>
-            <a:spLocks noGrp="1"/>
-          </p:cNvSpPr>
-          <p:nvPr>
-            <p:ph type="body"/>
-          </p:nvPr>
-        </p:nvSpPr>
-        <p:spPr>
-          <a:xfrm>
-            <a:off x="815400" y="2053440"/>
-            <a:ext cx="10672560" cy="510480"/>
-          </a:xfrm>
-          <a:prstGeom prst="rect">
-            <a:avLst/>
-          </a:prstGeom>
-        </p:spPr>
-        <p:txBody>
-          <a:bodyPr lIns="0" rIns="0" tIns="0" bIns="0">
-            <a:normAutofit/>
-          </a:bodyPr>
-          <a:p>
-            <a:endParaRPr b="0" lang="en-IL" sz="2800" spc="-1" strike="noStrike">
-              <a:solidFill>
-                <a:srgbClr val="000000"/>
-              </a:solidFill>
-              <a:latin typeface="Calibri"/>
-            </a:endParaRPr>
-          </a:p>
-        </p:txBody>
-      </p:sp>
-    </p:spTree>
-  </p:cSld>
-</p:sldLayout>
-</file>
-
-<file path=ppt/slideLayouts/slideLayout34.xml><?xml version="1.0" encoding="utf-8"?>
-<p:sldLayout xmlns:a="http://schemas.openxmlformats.org/drawingml/2006/main" xmlns:p="http://schemas.openxmlformats.org/presentationml/2006/main" xmlns:r="http://schemas.openxmlformats.org/officeDocument/2006/relationships" xmlns:p14="http://schemas.microsoft.com/office/powerpoint/2010/main" xmlns:p15="http://schemas.microsoft.com/office/powerpoint/2012/main" xmlns:mc="http://schemas.openxmlformats.org/markup-compatibility/2006" type="objOverTx" preserve="1">
-  <p:cSld name="Title, Content over Content">
-    <p:spTree>
-      <p:nvGrpSpPr>
-        <p:cNvPr id="1" name=""/>
-        <p:cNvGrpSpPr/>
-        <p:nvPr/>
-      </p:nvGrpSpPr>
-      <p:grpSpPr>
-        <a:xfrm>
-          <a:off x="0" y="0"/>
-          <a:ext cx="0" cy="0"/>
-          <a:chOff x="0" y="0"/>
-          <a:chExt cx="0" cy="0"/>
-        </a:xfrm>
-      </p:grpSpPr>
-      <p:sp>
-        <p:nvSpPr>
-          <p:cNvPr id="104" name="PlaceHolder 1"/>
-          <p:cNvSpPr>
-            <a:spLocks noGrp="1"/>
-          </p:cNvSpPr>
-          <p:nvPr>
-            <p:ph type="title"/>
-          </p:nvPr>
-        </p:nvSpPr>
-        <p:spPr>
-          <a:xfrm>
-            <a:off x="815400" y="548640"/>
-            <a:ext cx="10560960" cy="719640"/>
-          </a:xfrm>
-          <a:prstGeom prst="rect">
-            <a:avLst/>
-          </a:prstGeom>
-        </p:spPr>
-        <p:txBody>
-          <a:bodyPr lIns="0" rIns="0" tIns="0" bIns="0" anchor="ctr">
-            <a:spAutoFit/>
-          </a:bodyPr>
-          <a:p>
-            <a:endParaRPr b="0" lang="en-IL" sz="1800" spc="-1" strike="noStrike">
-              <a:solidFill>
-                <a:srgbClr val="000000"/>
-              </a:solidFill>
-              <a:latin typeface="Calibri"/>
-            </a:endParaRPr>
-          </a:p>
-        </p:txBody>
-      </p:sp>
-      <p:sp>
-        <p:nvSpPr>
-          <p:cNvPr id="105" name="PlaceHolder 2"/>
-          <p:cNvSpPr>
-            <a:spLocks noGrp="1"/>
-          </p:cNvSpPr>
-          <p:nvPr>
-            <p:ph type="body"/>
-          </p:nvPr>
-        </p:nvSpPr>
-        <p:spPr>
-          <a:xfrm>
-            <a:off x="815400" y="1494000"/>
-            <a:ext cx="10672560" cy="510480"/>
-          </a:xfrm>
-          <a:prstGeom prst="rect">
-            <a:avLst/>
-          </a:prstGeom>
-        </p:spPr>
-        <p:txBody>
-          <a:bodyPr lIns="0" rIns="0" tIns="0" bIns="0">
-            <a:normAutofit/>
-          </a:bodyPr>
-          <a:p>
-            <a:endParaRPr b="0" lang="en-IL" sz="2800" spc="-1" strike="noStrike">
-              <a:solidFill>
-                <a:srgbClr val="000000"/>
-              </a:solidFill>
-              <a:latin typeface="Calibri"/>
-            </a:endParaRPr>
-          </a:p>
-        </p:txBody>
-      </p:sp>
-      <p:sp>
-        <p:nvSpPr>
-          <p:cNvPr id="106" name="PlaceHolder 3"/>
-          <p:cNvSpPr>
-            <a:spLocks noGrp="1"/>
-          </p:cNvSpPr>
-          <p:nvPr>
-            <p:ph type="body"/>
-          </p:nvPr>
-        </p:nvSpPr>
-        <p:spPr>
-          <a:xfrm>
-            <a:off x="815400" y="2053440"/>
-            <a:ext cx="10672560" cy="510480"/>
-          </a:xfrm>
-          <a:prstGeom prst="rect">
-            <a:avLst/>
-          </a:prstGeom>
-        </p:spPr>
-        <p:txBody>
-          <a:bodyPr lIns="0" rIns="0" tIns="0" bIns="0">
-            <a:normAutofit/>
-          </a:bodyPr>
-          <a:p>
-            <a:endParaRPr b="0" lang="en-IL" sz="2800" spc="-1" strike="noStrike">
-              <a:solidFill>
-                <a:srgbClr val="000000"/>
-              </a:solidFill>
-              <a:latin typeface="Calibri"/>
-            </a:endParaRPr>
-          </a:p>
-        </p:txBody>
-      </p:sp>
-    </p:spTree>
-  </p:cSld>
-</p:sldLayout>
-</file>
-
-<file path=ppt/slideLayouts/slideLayout35.xml><?xml version="1.0" encoding="utf-8"?>
-<p:sldLayout xmlns:a="http://schemas.openxmlformats.org/drawingml/2006/main" xmlns:p="http://schemas.openxmlformats.org/presentationml/2006/main" xmlns:r="http://schemas.openxmlformats.org/officeDocument/2006/relationships" xmlns:p14="http://schemas.microsoft.com/office/powerpoint/2010/main" xmlns:p15="http://schemas.microsoft.com/office/powerpoint/2012/main" xmlns:mc="http://schemas.openxmlformats.org/markup-compatibility/2006" type="fourObj" preserve="1">
-  <p:cSld name="Title, 4 Content">
-    <p:spTree>
-      <p:nvGrpSpPr>
-        <p:cNvPr id="1" name=""/>
-        <p:cNvGrpSpPr/>
-        <p:nvPr/>
-      </p:nvGrpSpPr>
-      <p:grpSpPr>
-        <a:xfrm>
-          <a:off x="0" y="0"/>
-          <a:ext cx="0" cy="0"/>
-          <a:chOff x="0" y="0"/>
-          <a:chExt cx="0" cy="0"/>
-        </a:xfrm>
-      </p:grpSpPr>
-      <p:sp>
-        <p:nvSpPr>
-          <p:cNvPr id="107" name="PlaceHolder 1"/>
-          <p:cNvSpPr>
-            <a:spLocks noGrp="1"/>
-          </p:cNvSpPr>
-          <p:nvPr>
-            <p:ph type="title"/>
-          </p:nvPr>
-        </p:nvSpPr>
-        <p:spPr>
-          <a:xfrm>
-            <a:off x="815400" y="548640"/>
-            <a:ext cx="10560960" cy="719640"/>
-          </a:xfrm>
-          <a:prstGeom prst="rect">
-            <a:avLst/>
-          </a:prstGeom>
-        </p:spPr>
-        <p:txBody>
-          <a:bodyPr lIns="0" rIns="0" tIns="0" bIns="0" anchor="ctr">
-            <a:spAutoFit/>
-          </a:bodyPr>
-          <a:p>
-            <a:endParaRPr b="0" lang="en-IL" sz="1800" spc="-1" strike="noStrike">
-              <a:solidFill>
-                <a:srgbClr val="000000"/>
-              </a:solidFill>
-              <a:latin typeface="Calibri"/>
-            </a:endParaRPr>
-          </a:p>
-        </p:txBody>
-      </p:sp>
-      <p:sp>
-        <p:nvSpPr>
-          <p:cNvPr id="108" name="PlaceHolder 2"/>
-          <p:cNvSpPr>
-            <a:spLocks noGrp="1"/>
-          </p:cNvSpPr>
-          <p:nvPr>
-            <p:ph type="body"/>
-          </p:nvPr>
-        </p:nvSpPr>
-        <p:spPr>
-          <a:xfrm>
-            <a:off x="815400" y="1494000"/>
-            <a:ext cx="5208120" cy="510480"/>
-          </a:xfrm>
-          <a:prstGeom prst="rect">
-            <a:avLst/>
-          </a:prstGeom>
-        </p:spPr>
-        <p:txBody>
-          <a:bodyPr lIns="0" rIns="0" tIns="0" bIns="0">
-            <a:normAutofit/>
-          </a:bodyPr>
-          <a:p>
-            <a:endParaRPr b="0" lang="en-IL" sz="2800" spc="-1" strike="noStrike">
-              <a:solidFill>
-                <a:srgbClr val="000000"/>
-              </a:solidFill>
-              <a:latin typeface="Calibri"/>
-            </a:endParaRPr>
-          </a:p>
-        </p:txBody>
-      </p:sp>
-      <p:sp>
-        <p:nvSpPr>
-          <p:cNvPr id="109" name="PlaceHolder 3"/>
-          <p:cNvSpPr>
-            <a:spLocks noGrp="1"/>
-          </p:cNvSpPr>
-          <p:nvPr>
-            <p:ph type="body"/>
-          </p:nvPr>
-        </p:nvSpPr>
-        <p:spPr>
-          <a:xfrm>
-            <a:off x="6284160" y="1494000"/>
-            <a:ext cx="5208120" cy="510480"/>
-          </a:xfrm>
-          <a:prstGeom prst="rect">
-            <a:avLst/>
-          </a:prstGeom>
-        </p:spPr>
-        <p:txBody>
-          <a:bodyPr lIns="0" rIns="0" tIns="0" bIns="0">
-            <a:normAutofit/>
-          </a:bodyPr>
-          <a:p>
-            <a:endParaRPr b="0" lang="en-IL" sz="2800" spc="-1" strike="noStrike">
-              <a:solidFill>
-                <a:srgbClr val="000000"/>
-              </a:solidFill>
-              <a:latin typeface="Calibri"/>
-            </a:endParaRPr>
-          </a:p>
-        </p:txBody>
-      </p:sp>
-      <p:sp>
-        <p:nvSpPr>
-          <p:cNvPr id="110" name="PlaceHolder 4"/>
-          <p:cNvSpPr>
-            <a:spLocks noGrp="1"/>
-          </p:cNvSpPr>
-          <p:nvPr>
-            <p:ph type="body"/>
-          </p:nvPr>
-        </p:nvSpPr>
-        <p:spPr>
-          <a:xfrm>
-            <a:off x="815400" y="2053440"/>
-            <a:ext cx="5208120" cy="510480"/>
-          </a:xfrm>
-          <a:prstGeom prst="rect">
-            <a:avLst/>
-          </a:prstGeom>
-        </p:spPr>
-        <p:txBody>
-          <a:bodyPr lIns="0" rIns="0" tIns="0" bIns="0">
-            <a:normAutofit/>
-          </a:bodyPr>
-          <a:p>
-            <a:endParaRPr b="0" lang="en-IL" sz="2800" spc="-1" strike="noStrike">
-              <a:solidFill>
-                <a:srgbClr val="000000"/>
-              </a:solidFill>
-              <a:latin typeface="Calibri"/>
-            </a:endParaRPr>
-          </a:p>
-        </p:txBody>
-      </p:sp>
-      <p:sp>
-        <p:nvSpPr>
-          <p:cNvPr id="111" name="PlaceHolder 5"/>
-          <p:cNvSpPr>
-            <a:spLocks noGrp="1"/>
-          </p:cNvSpPr>
-          <p:nvPr>
-            <p:ph type="body"/>
-          </p:nvPr>
-        </p:nvSpPr>
-        <p:spPr>
-          <a:xfrm>
-            <a:off x="6284160" y="2053440"/>
-            <a:ext cx="5208120" cy="510480"/>
-          </a:xfrm>
-          <a:prstGeom prst="rect">
-            <a:avLst/>
-          </a:prstGeom>
-        </p:spPr>
-        <p:txBody>
-          <a:bodyPr lIns="0" rIns="0" tIns="0" bIns="0">
-            <a:normAutofit/>
-          </a:bodyPr>
-          <a:p>
-            <a:endParaRPr b="0" lang="en-IL" sz="2800" spc="-1" strike="noStrike">
-              <a:solidFill>
-                <a:srgbClr val="000000"/>
-              </a:solidFill>
-              <a:latin typeface="Calibri"/>
-            </a:endParaRPr>
-          </a:p>
-        </p:txBody>
-      </p:sp>
-    </p:spTree>
-  </p:cSld>
-</p:sldLayout>
-</file>
-
-<file path=ppt/slideLayouts/slideLayout36.xml><?xml version="1.0" encoding="utf-8"?>
-<p:sldLayout xmlns:a="http://schemas.openxmlformats.org/drawingml/2006/main" xmlns:p="http://schemas.openxmlformats.org/presentationml/2006/main" xmlns:r="http://schemas.openxmlformats.org/officeDocument/2006/relationships" xmlns:p14="http://schemas.microsoft.com/office/powerpoint/2010/main" xmlns:p15="http://schemas.microsoft.com/office/powerpoint/2012/main" xmlns:mc="http://schemas.openxmlformats.org/markup-compatibility/2006" type="blank" preserve="1">
-  <p:cSld name="Title, 6 Content">
-    <p:spTree>
-      <p:nvGrpSpPr>
-        <p:cNvPr id="1" name=""/>
-        <p:cNvGrpSpPr/>
-        <p:nvPr/>
-      </p:nvGrpSpPr>
-      <p:grpSpPr>
-        <a:xfrm>
-          <a:off x="0" y="0"/>
-          <a:ext cx="0" cy="0"/>
-          <a:chOff x="0" y="0"/>
-          <a:chExt cx="0" cy="0"/>
-        </a:xfrm>
-      </p:grpSpPr>
-      <p:sp>
-        <p:nvSpPr>
-          <p:cNvPr id="112" name="PlaceHolder 1"/>
-          <p:cNvSpPr>
-            <a:spLocks noGrp="1"/>
-          </p:cNvSpPr>
-          <p:nvPr>
-            <p:ph type="title"/>
-          </p:nvPr>
-        </p:nvSpPr>
-        <p:spPr>
-          <a:xfrm>
-            <a:off x="815400" y="548640"/>
-            <a:ext cx="10560960" cy="719640"/>
-          </a:xfrm>
-          <a:prstGeom prst="rect">
-            <a:avLst/>
-          </a:prstGeom>
-        </p:spPr>
-        <p:txBody>
-          <a:bodyPr lIns="0" rIns="0" tIns="0" bIns="0" anchor="ctr">
-            <a:spAutoFit/>
-          </a:bodyPr>
-          <a:p>
-            <a:endParaRPr b="0" lang="en-IL" sz="1800" spc="-1" strike="noStrike">
-              <a:solidFill>
-                <a:srgbClr val="000000"/>
-              </a:solidFill>
-              <a:latin typeface="Calibri"/>
-            </a:endParaRPr>
-          </a:p>
-        </p:txBody>
-      </p:sp>
-      <p:sp>
-        <p:nvSpPr>
-          <p:cNvPr id="113" name="PlaceHolder 2"/>
-          <p:cNvSpPr>
-            <a:spLocks noGrp="1"/>
-          </p:cNvSpPr>
-          <p:nvPr>
-            <p:ph type="body"/>
-          </p:nvPr>
-        </p:nvSpPr>
-        <p:spPr>
-          <a:xfrm>
-            <a:off x="815400" y="1494000"/>
-            <a:ext cx="3436200" cy="510480"/>
-          </a:xfrm>
-          <a:prstGeom prst="rect">
-            <a:avLst/>
-          </a:prstGeom>
-        </p:spPr>
-        <p:txBody>
-          <a:bodyPr lIns="0" rIns="0" tIns="0" bIns="0">
-            <a:normAutofit/>
-          </a:bodyPr>
-          <a:p>
-            <a:endParaRPr b="0" lang="en-IL" sz="2800" spc="-1" strike="noStrike">
-              <a:solidFill>
-                <a:srgbClr val="000000"/>
-              </a:solidFill>
-              <a:latin typeface="Calibri"/>
-            </a:endParaRPr>
-          </a:p>
-        </p:txBody>
-      </p:sp>
-      <p:sp>
-        <p:nvSpPr>
-          <p:cNvPr id="114" name="PlaceHolder 3"/>
-          <p:cNvSpPr>
-            <a:spLocks noGrp="1"/>
-          </p:cNvSpPr>
-          <p:nvPr>
-            <p:ph type="body"/>
-          </p:nvPr>
-        </p:nvSpPr>
-        <p:spPr>
-          <a:xfrm>
-            <a:off x="4423680" y="1494000"/>
-            <a:ext cx="3436200" cy="510480"/>
-          </a:xfrm>
-          <a:prstGeom prst="rect">
-            <a:avLst/>
-          </a:prstGeom>
-        </p:spPr>
-        <p:txBody>
-          <a:bodyPr lIns="0" rIns="0" tIns="0" bIns="0">
-            <a:normAutofit/>
-          </a:bodyPr>
-          <a:p>
-            <a:endParaRPr b="0" lang="en-IL" sz="2800" spc="-1" strike="noStrike">
-              <a:solidFill>
-                <a:srgbClr val="000000"/>
-              </a:solidFill>
-              <a:latin typeface="Calibri"/>
-            </a:endParaRPr>
-          </a:p>
-        </p:txBody>
-      </p:sp>
-      <p:sp>
-        <p:nvSpPr>
-          <p:cNvPr id="115" name="PlaceHolder 4"/>
-          <p:cNvSpPr>
-            <a:spLocks noGrp="1"/>
-          </p:cNvSpPr>
-          <p:nvPr>
-            <p:ph type="body"/>
-          </p:nvPr>
-        </p:nvSpPr>
-        <p:spPr>
-          <a:xfrm>
-            <a:off x="8032320" y="1494000"/>
-            <a:ext cx="3436200" cy="510480"/>
-          </a:xfrm>
-          <a:prstGeom prst="rect">
-            <a:avLst/>
-          </a:prstGeom>
-        </p:spPr>
-        <p:txBody>
-          <a:bodyPr lIns="0" rIns="0" tIns="0" bIns="0">
-            <a:normAutofit/>
-          </a:bodyPr>
-          <a:p>
-            <a:endParaRPr b="0" lang="en-IL" sz="2800" spc="-1" strike="noStrike">
-              <a:solidFill>
-                <a:srgbClr val="000000"/>
-              </a:solidFill>
-              <a:latin typeface="Calibri"/>
-            </a:endParaRPr>
-          </a:p>
-        </p:txBody>
-      </p:sp>
-      <p:sp>
-        <p:nvSpPr>
-          <p:cNvPr id="116" name="PlaceHolder 5"/>
-          <p:cNvSpPr>
-            <a:spLocks noGrp="1"/>
-          </p:cNvSpPr>
-          <p:nvPr>
-            <p:ph type="body"/>
-          </p:nvPr>
-        </p:nvSpPr>
-        <p:spPr>
-          <a:xfrm>
-            <a:off x="815400" y="2053440"/>
-            <a:ext cx="3436200" cy="510480"/>
-          </a:xfrm>
-          <a:prstGeom prst="rect">
-            <a:avLst/>
-          </a:prstGeom>
-        </p:spPr>
-        <p:txBody>
-          <a:bodyPr lIns="0" rIns="0" tIns="0" bIns="0">
-            <a:normAutofit/>
-          </a:bodyPr>
-          <a:p>
-            <a:endParaRPr b="0" lang="en-IL" sz="2800" spc="-1" strike="noStrike">
-              <a:solidFill>
-                <a:srgbClr val="000000"/>
-              </a:solidFill>
-              <a:latin typeface="Calibri"/>
-            </a:endParaRPr>
-          </a:p>
-        </p:txBody>
-      </p:sp>
-      <p:sp>
-        <p:nvSpPr>
-          <p:cNvPr id="117" name="PlaceHolder 6"/>
-          <p:cNvSpPr>
-            <a:spLocks noGrp="1"/>
-          </p:cNvSpPr>
-          <p:nvPr>
-            <p:ph type="body"/>
-          </p:nvPr>
-        </p:nvSpPr>
-        <p:spPr>
-          <a:xfrm>
-            <a:off x="4423680" y="2053440"/>
-            <a:ext cx="3436200" cy="510480"/>
-          </a:xfrm>
-          <a:prstGeom prst="rect">
-            <a:avLst/>
-          </a:prstGeom>
-        </p:spPr>
-        <p:txBody>
-          <a:bodyPr lIns="0" rIns="0" tIns="0" bIns="0">
-            <a:normAutofit/>
-          </a:bodyPr>
-          <a:p>
-            <a:endParaRPr b="0" lang="en-IL" sz="2800" spc="-1" strike="noStrike">
-              <a:solidFill>
-                <a:srgbClr val="000000"/>
-              </a:solidFill>
-              <a:latin typeface="Calibri"/>
-            </a:endParaRPr>
-          </a:p>
-        </p:txBody>
-      </p:sp>
-      <p:sp>
-        <p:nvSpPr>
-          <p:cNvPr id="118" name="PlaceHolder 7"/>
-          <p:cNvSpPr>
-            <a:spLocks noGrp="1"/>
-          </p:cNvSpPr>
-          <p:nvPr>
-            <p:ph type="body"/>
-          </p:nvPr>
-        </p:nvSpPr>
-        <p:spPr>
-          <a:xfrm>
-            <a:off x="8032320" y="2053440"/>
-            <a:ext cx="3436200" cy="510480"/>
-          </a:xfrm>
-          <a:prstGeom prst="rect">
-            <a:avLst/>
-          </a:prstGeom>
-        </p:spPr>
-        <p:txBody>
-          <a:bodyPr lIns="0" rIns="0" tIns="0" bIns="0">
-            <a:normAutofit/>
-          </a:bodyPr>
-          <a:p>
-            <a:endParaRPr b="0" lang="en-IL" sz="2800" spc="-1" strike="noStrike">
-              <a:solidFill>
-                <a:srgbClr val="000000"/>
-              </a:solidFill>
-              <a:latin typeface="Calibri"/>
             </a:endParaRPr>
           </a:p>
         </p:txBody>
@@ -4056,7 +2467,7 @@
       </p:grpSpPr>
       <p:sp>
         <p:nvSpPr>
-          <p:cNvPr id="9" name="PlaceHolder 1"/>
+          <p:cNvPr id="6" name="PlaceHolder 1"/>
           <p:cNvSpPr>
             <a:spLocks noGrp="1"/>
           </p:cNvSpPr>
@@ -4066,8 +2477,8 @@
         </p:nvSpPr>
         <p:spPr>
           <a:xfrm>
-            <a:off x="815400" y="548640"/>
-            <a:ext cx="10560960" cy="719640"/>
+            <a:off x="609480" y="273600"/>
+            <a:ext cx="10972440" cy="1144800"/>
           </a:xfrm>
           <a:prstGeom prst="rect">
             <a:avLst/>
@@ -4075,21 +2486,19 @@
         </p:spPr>
         <p:txBody>
           <a:bodyPr lIns="0" rIns="0" tIns="0" bIns="0" anchor="ctr">
-            <a:spAutoFit/>
-          </a:bodyPr>
-          <a:p>
-            <a:endParaRPr b="0" lang="en-IL" sz="1800" spc="-1" strike="noStrike">
-              <a:solidFill>
-                <a:srgbClr val="000000"/>
-              </a:solidFill>
-              <a:latin typeface="Calibri"/>
-            </a:endParaRPr>
-          </a:p>
-        </p:txBody>
-      </p:sp>
-      <p:sp>
-        <p:nvSpPr>
-          <p:cNvPr id="10" name="PlaceHolder 2"/>
+            <a:noAutofit/>
+          </a:bodyPr>
+          <a:p>
+            <a:pPr algn="ctr"/>
+            <a:endParaRPr b="0" lang="en-US" sz="4400" spc="-1" strike="noStrike">
+              <a:latin typeface="Arial"/>
+            </a:endParaRPr>
+          </a:p>
+        </p:txBody>
+      </p:sp>
+      <p:sp>
+        <p:nvSpPr>
+          <p:cNvPr id="7" name="PlaceHolder 2"/>
           <p:cNvSpPr>
             <a:spLocks noGrp="1"/>
           </p:cNvSpPr>
@@ -4099,8 +2508,8 @@
         </p:nvSpPr>
         <p:spPr>
           <a:xfrm>
-            <a:off x="815400" y="1494000"/>
-            <a:ext cx="5208120" cy="1070640"/>
+            <a:off x="609480" y="1604520"/>
+            <a:ext cx="5354280" cy="3977280"/>
           </a:xfrm>
           <a:prstGeom prst="rect">
             <a:avLst/>
@@ -4111,18 +2520,15 @@
             <a:normAutofit/>
           </a:bodyPr>
           <a:p>
-            <a:endParaRPr b="0" lang="en-IL" sz="2800" spc="-1" strike="noStrike">
-              <a:solidFill>
-                <a:srgbClr val="000000"/>
-              </a:solidFill>
-              <a:latin typeface="Calibri"/>
-            </a:endParaRPr>
-          </a:p>
-        </p:txBody>
-      </p:sp>
-      <p:sp>
-        <p:nvSpPr>
-          <p:cNvPr id="11" name="PlaceHolder 3"/>
+            <a:endParaRPr b="0" lang="en-US" sz="3200" spc="-1" strike="noStrike">
+              <a:latin typeface="Arial"/>
+            </a:endParaRPr>
+          </a:p>
+        </p:txBody>
+      </p:sp>
+      <p:sp>
+        <p:nvSpPr>
+          <p:cNvPr id="8" name="PlaceHolder 3"/>
           <p:cNvSpPr>
             <a:spLocks noGrp="1"/>
           </p:cNvSpPr>
@@ -4132,8 +2538,8 @@
         </p:nvSpPr>
         <p:spPr>
           <a:xfrm>
-            <a:off x="6284160" y="1494000"/>
-            <a:ext cx="5208120" cy="1070640"/>
+            <a:off x="6231960" y="1604520"/>
+            <a:ext cx="5354280" cy="3977280"/>
           </a:xfrm>
           <a:prstGeom prst="rect">
             <a:avLst/>
@@ -4144,11 +2550,8 @@
             <a:normAutofit/>
           </a:bodyPr>
           <a:p>
-            <a:endParaRPr b="0" lang="en-IL" sz="2800" spc="-1" strike="noStrike">
-              <a:solidFill>
-                <a:srgbClr val="000000"/>
-              </a:solidFill>
-              <a:latin typeface="Calibri"/>
+            <a:endParaRPr b="0" lang="en-US" sz="3200" spc="-1" strike="noStrike">
+              <a:latin typeface="Arial"/>
             </a:endParaRPr>
           </a:p>
         </p:txBody>
@@ -4177,7 +2580,7 @@
       </p:grpSpPr>
       <p:sp>
         <p:nvSpPr>
-          <p:cNvPr id="12" name="PlaceHolder 1"/>
+          <p:cNvPr id="9" name="PlaceHolder 1"/>
           <p:cNvSpPr>
             <a:spLocks noGrp="1"/>
           </p:cNvSpPr>
@@ -4187,8 +2590,8 @@
         </p:nvSpPr>
         <p:spPr>
           <a:xfrm>
-            <a:off x="815400" y="548640"/>
-            <a:ext cx="10560960" cy="719640"/>
+            <a:off x="609480" y="273600"/>
+            <a:ext cx="10972440" cy="1144800"/>
           </a:xfrm>
           <a:prstGeom prst="rect">
             <a:avLst/>
@@ -4196,14 +2599,12 @@
         </p:spPr>
         <p:txBody>
           <a:bodyPr lIns="0" rIns="0" tIns="0" bIns="0" anchor="ctr">
-            <a:spAutoFit/>
-          </a:bodyPr>
-          <a:p>
-            <a:endParaRPr b="0" lang="en-IL" sz="1800" spc="-1" strike="noStrike">
-              <a:solidFill>
-                <a:srgbClr val="000000"/>
-              </a:solidFill>
-              <a:latin typeface="Calibri"/>
+            <a:noAutofit/>
+          </a:bodyPr>
+          <a:p>
+            <a:pPr algn="ctr"/>
+            <a:endParaRPr b="0" lang="en-US" sz="4400" spc="-1" strike="noStrike">
+              <a:latin typeface="Arial"/>
             </a:endParaRPr>
           </a:p>
         </p:txBody>
@@ -4232,7 +2633,7 @@
       </p:grpSpPr>
       <p:sp>
         <p:nvSpPr>
-          <p:cNvPr id="13" name="PlaceHolder 1"/>
+          <p:cNvPr id="10" name="PlaceHolder 1"/>
           <p:cNvSpPr>
             <a:spLocks noGrp="1"/>
           </p:cNvSpPr>
@@ -4242,8 +2643,8 @@
         </p:nvSpPr>
         <p:spPr>
           <a:xfrm>
-            <a:off x="815400" y="548640"/>
-            <a:ext cx="10560960" cy="3337200"/>
+            <a:off x="609480" y="273600"/>
+            <a:ext cx="10972440" cy="5307840"/>
           </a:xfrm>
           <a:prstGeom prst="rect">
             <a:avLst/>
@@ -4251,7 +2652,7 @@
         </p:spPr>
         <p:txBody>
           <a:bodyPr lIns="0" rIns="0" tIns="0" bIns="0" anchor="ctr">
-            <a:spAutoFit/>
+            <a:noAutofit/>
           </a:bodyPr>
           <a:p>
             <a:pPr algn="ctr"/>
@@ -4285,7 +2686,7 @@
       </p:grpSpPr>
       <p:sp>
         <p:nvSpPr>
-          <p:cNvPr id="14" name="PlaceHolder 1"/>
+          <p:cNvPr id="11" name="PlaceHolder 1"/>
           <p:cNvSpPr>
             <a:spLocks noGrp="1"/>
           </p:cNvSpPr>
@@ -4295,8 +2696,8 @@
         </p:nvSpPr>
         <p:spPr>
           <a:xfrm>
-            <a:off x="815400" y="548640"/>
-            <a:ext cx="10560960" cy="719640"/>
+            <a:off x="609480" y="273600"/>
+            <a:ext cx="10972440" cy="1144800"/>
           </a:xfrm>
           <a:prstGeom prst="rect">
             <a:avLst/>
@@ -4304,21 +2705,19 @@
         </p:spPr>
         <p:txBody>
           <a:bodyPr lIns="0" rIns="0" tIns="0" bIns="0" anchor="ctr">
-            <a:spAutoFit/>
-          </a:bodyPr>
-          <a:p>
-            <a:endParaRPr b="0" lang="en-IL" sz="1800" spc="-1" strike="noStrike">
-              <a:solidFill>
-                <a:srgbClr val="000000"/>
-              </a:solidFill>
-              <a:latin typeface="Calibri"/>
-            </a:endParaRPr>
-          </a:p>
-        </p:txBody>
-      </p:sp>
-      <p:sp>
-        <p:nvSpPr>
-          <p:cNvPr id="15" name="PlaceHolder 2"/>
+            <a:noAutofit/>
+          </a:bodyPr>
+          <a:p>
+            <a:pPr algn="ctr"/>
+            <a:endParaRPr b="0" lang="en-US" sz="4400" spc="-1" strike="noStrike">
+              <a:latin typeface="Arial"/>
+            </a:endParaRPr>
+          </a:p>
+        </p:txBody>
+      </p:sp>
+      <p:sp>
+        <p:nvSpPr>
+          <p:cNvPr id="12" name="PlaceHolder 2"/>
           <p:cNvSpPr>
             <a:spLocks noGrp="1"/>
           </p:cNvSpPr>
@@ -4328,8 +2727,8 @@
         </p:nvSpPr>
         <p:spPr>
           <a:xfrm>
-            <a:off x="815400" y="1494000"/>
-            <a:ext cx="5208120" cy="510480"/>
+            <a:off x="609480" y="1604520"/>
+            <a:ext cx="5354280" cy="1896840"/>
           </a:xfrm>
           <a:prstGeom prst="rect">
             <a:avLst/>
@@ -4340,18 +2739,15 @@
             <a:normAutofit/>
           </a:bodyPr>
           <a:p>
-            <a:endParaRPr b="0" lang="en-IL" sz="2800" spc="-1" strike="noStrike">
-              <a:solidFill>
-                <a:srgbClr val="000000"/>
-              </a:solidFill>
-              <a:latin typeface="Calibri"/>
-            </a:endParaRPr>
-          </a:p>
-        </p:txBody>
-      </p:sp>
-      <p:sp>
-        <p:nvSpPr>
-          <p:cNvPr id="16" name="PlaceHolder 3"/>
+            <a:endParaRPr b="0" lang="en-US" sz="3200" spc="-1" strike="noStrike">
+              <a:latin typeface="Arial"/>
+            </a:endParaRPr>
+          </a:p>
+        </p:txBody>
+      </p:sp>
+      <p:sp>
+        <p:nvSpPr>
+          <p:cNvPr id="13" name="PlaceHolder 3"/>
           <p:cNvSpPr>
             <a:spLocks noGrp="1"/>
           </p:cNvSpPr>
@@ -4361,8 +2757,8 @@
         </p:nvSpPr>
         <p:spPr>
           <a:xfrm>
-            <a:off x="6284160" y="1494000"/>
-            <a:ext cx="5208120" cy="1070640"/>
+            <a:off x="6231960" y="1604520"/>
+            <a:ext cx="5354280" cy="3977280"/>
           </a:xfrm>
           <a:prstGeom prst="rect">
             <a:avLst/>
@@ -4373,18 +2769,15 @@
             <a:normAutofit/>
           </a:bodyPr>
           <a:p>
-            <a:endParaRPr b="0" lang="en-IL" sz="2800" spc="-1" strike="noStrike">
-              <a:solidFill>
-                <a:srgbClr val="000000"/>
-              </a:solidFill>
-              <a:latin typeface="Calibri"/>
-            </a:endParaRPr>
-          </a:p>
-        </p:txBody>
-      </p:sp>
-      <p:sp>
-        <p:nvSpPr>
-          <p:cNvPr id="17" name="PlaceHolder 4"/>
+            <a:endParaRPr b="0" lang="en-US" sz="3200" spc="-1" strike="noStrike">
+              <a:latin typeface="Arial"/>
+            </a:endParaRPr>
+          </a:p>
+        </p:txBody>
+      </p:sp>
+      <p:sp>
+        <p:nvSpPr>
+          <p:cNvPr id="14" name="PlaceHolder 4"/>
           <p:cNvSpPr>
             <a:spLocks noGrp="1"/>
           </p:cNvSpPr>
@@ -4394,8 +2787,8 @@
         </p:nvSpPr>
         <p:spPr>
           <a:xfrm>
-            <a:off x="815400" y="2053440"/>
-            <a:ext cx="5208120" cy="510480"/>
+            <a:off x="609480" y="3682080"/>
+            <a:ext cx="5354280" cy="1896840"/>
           </a:xfrm>
           <a:prstGeom prst="rect">
             <a:avLst/>
@@ -4406,11 +2799,8 @@
             <a:normAutofit/>
           </a:bodyPr>
           <a:p>
-            <a:endParaRPr b="0" lang="en-IL" sz="2800" spc="-1" strike="noStrike">
-              <a:solidFill>
-                <a:srgbClr val="000000"/>
-              </a:solidFill>
-              <a:latin typeface="Calibri"/>
+            <a:endParaRPr b="0" lang="en-US" sz="3200" spc="-1" strike="noStrike">
+              <a:latin typeface="Arial"/>
             </a:endParaRPr>
           </a:p>
         </p:txBody>
@@ -4439,7 +2829,7 @@
       </p:grpSpPr>
       <p:sp>
         <p:nvSpPr>
-          <p:cNvPr id="18" name="PlaceHolder 1"/>
+          <p:cNvPr id="15" name="PlaceHolder 1"/>
           <p:cNvSpPr>
             <a:spLocks noGrp="1"/>
           </p:cNvSpPr>
@@ -4449,8 +2839,8 @@
         </p:nvSpPr>
         <p:spPr>
           <a:xfrm>
-            <a:off x="815400" y="548640"/>
-            <a:ext cx="10560960" cy="719640"/>
+            <a:off x="609480" y="273600"/>
+            <a:ext cx="10972440" cy="1144800"/>
           </a:xfrm>
           <a:prstGeom prst="rect">
             <a:avLst/>
@@ -4458,21 +2848,19 @@
         </p:spPr>
         <p:txBody>
           <a:bodyPr lIns="0" rIns="0" tIns="0" bIns="0" anchor="ctr">
-            <a:spAutoFit/>
-          </a:bodyPr>
-          <a:p>
-            <a:endParaRPr b="0" lang="en-IL" sz="1800" spc="-1" strike="noStrike">
-              <a:solidFill>
-                <a:srgbClr val="000000"/>
-              </a:solidFill>
-              <a:latin typeface="Calibri"/>
-            </a:endParaRPr>
-          </a:p>
-        </p:txBody>
-      </p:sp>
-      <p:sp>
-        <p:nvSpPr>
-          <p:cNvPr id="19" name="PlaceHolder 2"/>
+            <a:noAutofit/>
+          </a:bodyPr>
+          <a:p>
+            <a:pPr algn="ctr"/>
+            <a:endParaRPr b="0" lang="en-US" sz="4400" spc="-1" strike="noStrike">
+              <a:latin typeface="Arial"/>
+            </a:endParaRPr>
+          </a:p>
+        </p:txBody>
+      </p:sp>
+      <p:sp>
+        <p:nvSpPr>
+          <p:cNvPr id="16" name="PlaceHolder 2"/>
           <p:cNvSpPr>
             <a:spLocks noGrp="1"/>
           </p:cNvSpPr>
@@ -4482,8 +2870,8 @@
         </p:nvSpPr>
         <p:spPr>
           <a:xfrm>
-            <a:off x="815400" y="1494000"/>
-            <a:ext cx="5208120" cy="1070640"/>
+            <a:off x="609480" y="1604520"/>
+            <a:ext cx="5354280" cy="3977280"/>
           </a:xfrm>
           <a:prstGeom prst="rect">
             <a:avLst/>
@@ -4494,18 +2882,15 @@
             <a:normAutofit/>
           </a:bodyPr>
           <a:p>
-            <a:endParaRPr b="0" lang="en-IL" sz="2800" spc="-1" strike="noStrike">
-              <a:solidFill>
-                <a:srgbClr val="000000"/>
-              </a:solidFill>
-              <a:latin typeface="Calibri"/>
-            </a:endParaRPr>
-          </a:p>
-        </p:txBody>
-      </p:sp>
-      <p:sp>
-        <p:nvSpPr>
-          <p:cNvPr id="20" name="PlaceHolder 3"/>
+            <a:endParaRPr b="0" lang="en-US" sz="3200" spc="-1" strike="noStrike">
+              <a:latin typeface="Arial"/>
+            </a:endParaRPr>
+          </a:p>
+        </p:txBody>
+      </p:sp>
+      <p:sp>
+        <p:nvSpPr>
+          <p:cNvPr id="17" name="PlaceHolder 3"/>
           <p:cNvSpPr>
             <a:spLocks noGrp="1"/>
           </p:cNvSpPr>
@@ -4515,8 +2900,8 @@
         </p:nvSpPr>
         <p:spPr>
           <a:xfrm>
-            <a:off x="6284160" y="1494000"/>
-            <a:ext cx="5208120" cy="510480"/>
+            <a:off x="6231960" y="1604520"/>
+            <a:ext cx="5354280" cy="1896840"/>
           </a:xfrm>
           <a:prstGeom prst="rect">
             <a:avLst/>
@@ -4527,18 +2912,15 @@
             <a:normAutofit/>
           </a:bodyPr>
           <a:p>
-            <a:endParaRPr b="0" lang="en-IL" sz="2800" spc="-1" strike="noStrike">
-              <a:solidFill>
-                <a:srgbClr val="000000"/>
-              </a:solidFill>
-              <a:latin typeface="Calibri"/>
-            </a:endParaRPr>
-          </a:p>
-        </p:txBody>
-      </p:sp>
-      <p:sp>
-        <p:nvSpPr>
-          <p:cNvPr id="21" name="PlaceHolder 4"/>
+            <a:endParaRPr b="0" lang="en-US" sz="3200" spc="-1" strike="noStrike">
+              <a:latin typeface="Arial"/>
+            </a:endParaRPr>
+          </a:p>
+        </p:txBody>
+      </p:sp>
+      <p:sp>
+        <p:nvSpPr>
+          <p:cNvPr id="18" name="PlaceHolder 4"/>
           <p:cNvSpPr>
             <a:spLocks noGrp="1"/>
           </p:cNvSpPr>
@@ -4548,8 +2930,8 @@
         </p:nvSpPr>
         <p:spPr>
           <a:xfrm>
-            <a:off x="6284160" y="2053440"/>
-            <a:ext cx="5208120" cy="510480"/>
+            <a:off x="6231960" y="3682080"/>
+            <a:ext cx="5354280" cy="1896840"/>
           </a:xfrm>
           <a:prstGeom prst="rect">
             <a:avLst/>
@@ -4560,11 +2942,8 @@
             <a:normAutofit/>
           </a:bodyPr>
           <a:p>
-            <a:endParaRPr b="0" lang="en-IL" sz="2800" spc="-1" strike="noStrike">
-              <a:solidFill>
-                <a:srgbClr val="000000"/>
-              </a:solidFill>
-              <a:latin typeface="Calibri"/>
+            <a:endParaRPr b="0" lang="en-US" sz="3200" spc="-1" strike="noStrike">
+              <a:latin typeface="Arial"/>
             </a:endParaRPr>
           </a:p>
         </p:txBody>
@@ -4593,7 +2972,7 @@
       </p:grpSpPr>
       <p:sp>
         <p:nvSpPr>
-          <p:cNvPr id="22" name="PlaceHolder 1"/>
+          <p:cNvPr id="19" name="PlaceHolder 1"/>
           <p:cNvSpPr>
             <a:spLocks noGrp="1"/>
           </p:cNvSpPr>
@@ -4603,8 +2982,8 @@
         </p:nvSpPr>
         <p:spPr>
           <a:xfrm>
-            <a:off x="815400" y="548640"/>
-            <a:ext cx="10560960" cy="719640"/>
+            <a:off x="609480" y="273600"/>
+            <a:ext cx="10972440" cy="1144800"/>
           </a:xfrm>
           <a:prstGeom prst="rect">
             <a:avLst/>
@@ -4612,21 +2991,19 @@
         </p:spPr>
         <p:txBody>
           <a:bodyPr lIns="0" rIns="0" tIns="0" bIns="0" anchor="ctr">
-            <a:spAutoFit/>
-          </a:bodyPr>
-          <a:p>
-            <a:endParaRPr b="0" lang="en-IL" sz="1800" spc="-1" strike="noStrike">
-              <a:solidFill>
-                <a:srgbClr val="000000"/>
-              </a:solidFill>
-              <a:latin typeface="Calibri"/>
-            </a:endParaRPr>
-          </a:p>
-        </p:txBody>
-      </p:sp>
-      <p:sp>
-        <p:nvSpPr>
-          <p:cNvPr id="23" name="PlaceHolder 2"/>
+            <a:noAutofit/>
+          </a:bodyPr>
+          <a:p>
+            <a:pPr algn="ctr"/>
+            <a:endParaRPr b="0" lang="en-US" sz="4400" spc="-1" strike="noStrike">
+              <a:latin typeface="Arial"/>
+            </a:endParaRPr>
+          </a:p>
+        </p:txBody>
+      </p:sp>
+      <p:sp>
+        <p:nvSpPr>
+          <p:cNvPr id="20" name="PlaceHolder 2"/>
           <p:cNvSpPr>
             <a:spLocks noGrp="1"/>
           </p:cNvSpPr>
@@ -4636,8 +3013,8 @@
         </p:nvSpPr>
         <p:spPr>
           <a:xfrm>
-            <a:off x="815400" y="1494000"/>
-            <a:ext cx="5208120" cy="510480"/>
+            <a:off x="609480" y="1604520"/>
+            <a:ext cx="5354280" cy="1896840"/>
           </a:xfrm>
           <a:prstGeom prst="rect">
             <a:avLst/>
@@ -4648,18 +3025,15 @@
             <a:normAutofit/>
           </a:bodyPr>
           <a:p>
-            <a:endParaRPr b="0" lang="en-IL" sz="2800" spc="-1" strike="noStrike">
-              <a:solidFill>
-                <a:srgbClr val="000000"/>
-              </a:solidFill>
-              <a:latin typeface="Calibri"/>
-            </a:endParaRPr>
-          </a:p>
-        </p:txBody>
-      </p:sp>
-      <p:sp>
-        <p:nvSpPr>
-          <p:cNvPr id="24" name="PlaceHolder 3"/>
+            <a:endParaRPr b="0" lang="en-US" sz="3200" spc="-1" strike="noStrike">
+              <a:latin typeface="Arial"/>
+            </a:endParaRPr>
+          </a:p>
+        </p:txBody>
+      </p:sp>
+      <p:sp>
+        <p:nvSpPr>
+          <p:cNvPr id="21" name="PlaceHolder 3"/>
           <p:cNvSpPr>
             <a:spLocks noGrp="1"/>
           </p:cNvSpPr>
@@ -4669,8 +3043,8 @@
         </p:nvSpPr>
         <p:spPr>
           <a:xfrm>
-            <a:off x="6284160" y="1494000"/>
-            <a:ext cx="5208120" cy="510480"/>
+            <a:off x="6231960" y="1604520"/>
+            <a:ext cx="5354280" cy="1896840"/>
           </a:xfrm>
           <a:prstGeom prst="rect">
             <a:avLst/>
@@ -4681,18 +3055,15 @@
             <a:normAutofit/>
           </a:bodyPr>
           <a:p>
-            <a:endParaRPr b="0" lang="en-IL" sz="2800" spc="-1" strike="noStrike">
-              <a:solidFill>
-                <a:srgbClr val="000000"/>
-              </a:solidFill>
-              <a:latin typeface="Calibri"/>
-            </a:endParaRPr>
-          </a:p>
-        </p:txBody>
-      </p:sp>
-      <p:sp>
-        <p:nvSpPr>
-          <p:cNvPr id="25" name="PlaceHolder 4"/>
+            <a:endParaRPr b="0" lang="en-US" sz="3200" spc="-1" strike="noStrike">
+              <a:latin typeface="Arial"/>
+            </a:endParaRPr>
+          </a:p>
+        </p:txBody>
+      </p:sp>
+      <p:sp>
+        <p:nvSpPr>
+          <p:cNvPr id="22" name="PlaceHolder 4"/>
           <p:cNvSpPr>
             <a:spLocks noGrp="1"/>
           </p:cNvSpPr>
@@ -4702,8 +3073,8 @@
         </p:nvSpPr>
         <p:spPr>
           <a:xfrm>
-            <a:off x="815400" y="2053440"/>
-            <a:ext cx="10672560" cy="510480"/>
+            <a:off x="609480" y="3682080"/>
+            <a:ext cx="10972440" cy="1896840"/>
           </a:xfrm>
           <a:prstGeom prst="rect">
             <a:avLst/>
@@ -4714,11 +3085,8 @@
             <a:normAutofit/>
           </a:bodyPr>
           <a:p>
-            <a:endParaRPr b="0" lang="en-IL" sz="2800" spc="-1" strike="noStrike">
-              <a:solidFill>
-                <a:srgbClr val="000000"/>
-              </a:solidFill>
-              <a:latin typeface="Calibri"/>
+            <a:endParaRPr b="0" lang="en-US" sz="3200" spc="-1" strike="noStrike">
+              <a:latin typeface="Arial"/>
             </a:endParaRPr>
           </a:p>
         </p:txBody>
@@ -4759,250 +3127,211 @@
             <a:spLocks noGrp="1"/>
           </p:cNvSpPr>
           <p:nvPr>
+            <p:ph type="title"/>
+          </p:nvPr>
+        </p:nvSpPr>
+        <p:spPr>
+          <a:xfrm>
+            <a:off x="609480" y="273600"/>
+            <a:ext cx="10972440" cy="1144800"/>
+          </a:xfrm>
+          <a:prstGeom prst="rect">
+            <a:avLst/>
+          </a:prstGeom>
+        </p:spPr>
+        <p:txBody>
+          <a:bodyPr lIns="0" rIns="0" tIns="0" bIns="0" anchor="ctr">
+            <a:noAutofit/>
+          </a:bodyPr>
+          <a:p>
+            <a:pPr algn="ctr"/>
+            <a:r>
+              <a:rPr b="0" lang="en-US" sz="4400" spc="-1" strike="noStrike">
+                <a:latin typeface="Arial"/>
+              </a:rPr>
+              <a:t>Click to edit the title text format</a:t>
+            </a:r>
+            <a:endParaRPr b="0" lang="en-US" sz="4400" spc="-1" strike="noStrike">
+              <a:latin typeface="Arial"/>
+            </a:endParaRPr>
+          </a:p>
+        </p:txBody>
+      </p:sp>
+      <p:sp>
+        <p:nvSpPr>
+          <p:cNvPr id="1" name="PlaceHolder 2"/>
+          <p:cNvSpPr>
+            <a:spLocks noGrp="1"/>
+          </p:cNvSpPr>
+          <p:nvPr>
             <p:ph type="body"/>
           </p:nvPr>
         </p:nvSpPr>
         <p:spPr>
           <a:xfrm>
-            <a:off x="815400" y="1494000"/>
-            <a:ext cx="10672560" cy="1070640"/>
-          </a:xfrm>
-          <a:prstGeom prst="rect">
-            <a:avLst/>
-          </a:prstGeom>
-        </p:spPr>
-        <p:txBody>
-          <a:bodyPr tIns="90000">
+            <a:off x="609480" y="1604520"/>
+            <a:ext cx="10972440" cy="3977280"/>
+          </a:xfrm>
+          <a:prstGeom prst="rect">
+            <a:avLst/>
+          </a:prstGeom>
+        </p:spPr>
+        <p:txBody>
+          <a:bodyPr lIns="0" rIns="0" tIns="0" bIns="0">
             <a:normAutofit/>
           </a:bodyPr>
           <a:p>
-            <a:pPr marL="343080" indent="-342720">
-              <a:lnSpc>
-                <a:spcPct val="90000"/>
-              </a:lnSpc>
+            <a:pPr marL="432000" indent="-324000">
               <a:spcBef>
-                <a:spcPts val="1001"/>
+                <a:spcPts val="1417"/>
               </a:spcBef>
-              <a:buSzPct val="100014"/>
-              <a:buBlip>
-                <a:blip r:embed="rId2"/>
-              </a:buBlip>
+              <a:buClr>
+                <a:srgbClr val="000000"/>
+              </a:buClr>
+              <a:buSzPct val="45000"/>
+              <a:buFont typeface="Wingdings" charset="2"/>
+              <a:buChar char=""/>
             </a:pPr>
             <a:r>
-              <a:rPr b="0" lang="en-IL" sz="2800" spc="-1" strike="noStrike">
-                <a:solidFill>
-                  <a:srgbClr val="000000"/>
-                </a:solidFill>
-                <a:latin typeface="Segoe"/>
-              </a:rPr>
-              <a:t>Click to edit Master text styles</a:t>
-            </a:r>
-            <a:endParaRPr b="0" lang="en-IL" sz="2800" spc="-1" strike="noStrike">
-              <a:solidFill>
+              <a:rPr b="0" lang="en-US" sz="3200" spc="-1" strike="noStrike">
+                <a:latin typeface="Arial"/>
+              </a:rPr>
+              <a:t>Click to edit the outline text format</a:t>
+            </a:r>
+            <a:endParaRPr b="0" lang="en-US" sz="3200" spc="-1" strike="noStrike">
+              <a:latin typeface="Arial"/>
+            </a:endParaRPr>
+          </a:p>
+          <a:p>
+            <a:pPr lvl="1" marL="864000" indent="-324000">
+              <a:spcBef>
+                <a:spcPts val="1134"/>
+              </a:spcBef>
+              <a:buClr>
                 <a:srgbClr val="000000"/>
-              </a:solidFill>
-              <a:latin typeface="Calibri"/>
-            </a:endParaRPr>
-          </a:p>
-        </p:txBody>
-      </p:sp>
-      <p:sp>
-        <p:nvSpPr>
-          <p:cNvPr id="1" name="PlaceHolder 2"/>
-          <p:cNvSpPr>
-            <a:spLocks noGrp="1"/>
-          </p:cNvSpPr>
-          <p:nvPr>
-            <p:ph type="body"/>
-          </p:nvPr>
-        </p:nvSpPr>
-        <p:spPr>
-          <a:xfrm>
-            <a:off x="787680" y="2630520"/>
-            <a:ext cx="10684080" cy="1139040"/>
-          </a:xfrm>
-          <a:prstGeom prst="rect">
-            <a:avLst/>
-          </a:prstGeom>
-        </p:spPr>
-        <p:txBody>
-          <a:bodyPr tIns="90000">
-            <a:normAutofit/>
-          </a:bodyPr>
-          <a:p>
-            <a:pPr marL="228600" indent="-228240">
-              <a:lnSpc>
-                <a:spcPct val="90000"/>
-              </a:lnSpc>
+              </a:buClr>
+              <a:buSzPct val="75000"/>
+              <a:buFont typeface="Symbol" charset="2"/>
+              <a:buChar char=""/>
+            </a:pPr>
+            <a:r>
+              <a:rPr b="0" lang="en-US" sz="2800" spc="-1" strike="noStrike">
+                <a:latin typeface="Arial"/>
+              </a:rPr>
+              <a:t>Second Outline Level</a:t>
+            </a:r>
+            <a:endParaRPr b="0" lang="en-US" sz="2800" spc="-1" strike="noStrike">
+              <a:latin typeface="Arial"/>
+            </a:endParaRPr>
+          </a:p>
+          <a:p>
+            <a:pPr lvl="2" marL="1296000" indent="-288000">
               <a:spcBef>
-                <a:spcPts val="1001"/>
+                <a:spcPts val="850"/>
               </a:spcBef>
+              <a:buClr>
+                <a:srgbClr val="000000"/>
+              </a:buClr>
+              <a:buSzPct val="45000"/>
+              <a:buFont typeface="Wingdings" charset="2"/>
+              <a:buChar char=""/>
             </a:pPr>
             <a:r>
-              <a:rPr b="0" lang="en-IL" sz="1800" spc="-1" strike="noStrike">
-                <a:solidFill>
-                  <a:srgbClr val="000000"/>
-                </a:solidFill>
-                <a:latin typeface="Consolas"/>
-              </a:rPr>
-              <a:t>Click to edit Master text styles</a:t>
-            </a:r>
-            <a:endParaRPr b="0" lang="en-IL" sz="1800" spc="-1" strike="noStrike">
-              <a:solidFill>
+              <a:rPr b="0" lang="en-US" sz="2400" spc="-1" strike="noStrike">
+                <a:latin typeface="Arial"/>
+              </a:rPr>
+              <a:t>Third Outline Level</a:t>
+            </a:r>
+            <a:endParaRPr b="0" lang="en-US" sz="2400" spc="-1" strike="noStrike">
+              <a:latin typeface="Arial"/>
+            </a:endParaRPr>
+          </a:p>
+          <a:p>
+            <a:pPr lvl="3" marL="1728000" indent="-216000">
+              <a:spcBef>
+                <a:spcPts val="567"/>
+              </a:spcBef>
+              <a:buClr>
                 <a:srgbClr val="000000"/>
-              </a:solidFill>
-              <a:latin typeface="Calibri"/>
-            </a:endParaRPr>
-          </a:p>
-        </p:txBody>
-      </p:sp>
-      <p:sp>
-        <p:nvSpPr>
-          <p:cNvPr id="2" name="PlaceHolder 3"/>
-          <p:cNvSpPr>
-            <a:spLocks noGrp="1"/>
-          </p:cNvSpPr>
-          <p:nvPr>
-            <p:ph type="body"/>
-          </p:nvPr>
-        </p:nvSpPr>
-        <p:spPr>
-          <a:xfrm>
-            <a:off x="787680" y="3835440"/>
-            <a:ext cx="10672560" cy="1072440"/>
-          </a:xfrm>
-          <a:prstGeom prst="rect">
-            <a:avLst/>
-          </a:prstGeom>
-        </p:spPr>
-        <p:txBody>
-          <a:bodyPr tIns="90000">
-            <a:normAutofit/>
-          </a:bodyPr>
-          <a:p>
-            <a:pPr marL="343080" indent="-342720">
-              <a:lnSpc>
-                <a:spcPct val="90000"/>
-              </a:lnSpc>
+              </a:buClr>
+              <a:buSzPct val="75000"/>
+              <a:buFont typeface="Symbol" charset="2"/>
+              <a:buChar char=""/>
+            </a:pPr>
+            <a:r>
+              <a:rPr b="0" lang="en-US" sz="2000" spc="-1" strike="noStrike">
+                <a:latin typeface="Arial"/>
+              </a:rPr>
+              <a:t>Fourth Outline Level</a:t>
+            </a:r>
+            <a:endParaRPr b="0" lang="en-US" sz="2000" spc="-1" strike="noStrike">
+              <a:latin typeface="Arial"/>
+            </a:endParaRPr>
+          </a:p>
+          <a:p>
+            <a:pPr lvl="4" marL="2160000" indent="-216000">
               <a:spcBef>
-                <a:spcPts val="1001"/>
+                <a:spcPts val="283"/>
               </a:spcBef>
-              <a:buSzPct val="100014"/>
-              <a:buBlip>
-                <a:blip r:embed="rId3"/>
-              </a:buBlip>
+              <a:buClr>
+                <a:srgbClr val="000000"/>
+              </a:buClr>
+              <a:buSzPct val="45000"/>
+              <a:buFont typeface="Wingdings" charset="2"/>
+              <a:buChar char=""/>
             </a:pPr>
             <a:r>
-              <a:rPr b="0" lang="en-IL" sz="2800" spc="-1" strike="noStrike">
-                <a:solidFill>
-                  <a:srgbClr val="000000"/>
-                </a:solidFill>
-                <a:latin typeface="Segoe"/>
-              </a:rPr>
-              <a:t>Click to edit Master text styles</a:t>
-            </a:r>
-            <a:endParaRPr b="0" lang="en-IL" sz="2800" spc="-1" strike="noStrike">
-              <a:solidFill>
+              <a:rPr b="0" lang="en-US" sz="2000" spc="-1" strike="noStrike">
+                <a:latin typeface="Arial"/>
+              </a:rPr>
+              <a:t>Fifth Outline Level</a:t>
+            </a:r>
+            <a:endParaRPr b="0" lang="en-US" sz="2000" spc="-1" strike="noStrike">
+              <a:latin typeface="Arial"/>
+            </a:endParaRPr>
+          </a:p>
+          <a:p>
+            <a:pPr lvl="5" marL="2592000" indent="-216000">
+              <a:spcBef>
+                <a:spcPts val="283"/>
+              </a:spcBef>
+              <a:buClr>
                 <a:srgbClr val="000000"/>
-              </a:solidFill>
-              <a:latin typeface="Calibri"/>
-            </a:endParaRPr>
-          </a:p>
-        </p:txBody>
-      </p:sp>
-      <p:sp>
-        <p:nvSpPr>
-          <p:cNvPr id="3" name="PlaceHolder 4"/>
-          <p:cNvSpPr>
-            <a:spLocks noGrp="1"/>
-          </p:cNvSpPr>
-          <p:nvPr>
-            <p:ph type="body"/>
-          </p:nvPr>
-        </p:nvSpPr>
-        <p:spPr>
-          <a:xfrm>
-            <a:off x="787680" y="4974120"/>
-            <a:ext cx="10684080" cy="1139040"/>
-          </a:xfrm>
-          <a:prstGeom prst="rect">
-            <a:avLst/>
-          </a:prstGeom>
-        </p:spPr>
-        <p:txBody>
-          <a:bodyPr tIns="90000">
-            <a:normAutofit/>
-          </a:bodyPr>
-          <a:p>
-            <a:pPr marL="228600" indent="-228240">
-              <a:lnSpc>
-                <a:spcPct val="90000"/>
-              </a:lnSpc>
+              </a:buClr>
+              <a:buSzPct val="45000"/>
+              <a:buFont typeface="Wingdings" charset="2"/>
+              <a:buChar char=""/>
+            </a:pPr>
+            <a:r>
+              <a:rPr b="0" lang="en-US" sz="2000" spc="-1" strike="noStrike">
+                <a:latin typeface="Arial"/>
+              </a:rPr>
+              <a:t>Sixth Outline Level</a:t>
+            </a:r>
+            <a:endParaRPr b="0" lang="en-US" sz="2000" spc="-1" strike="noStrike">
+              <a:latin typeface="Arial"/>
+            </a:endParaRPr>
+          </a:p>
+          <a:p>
+            <a:pPr lvl="6" marL="3024000" indent="-216000">
               <a:spcBef>
-                <a:spcPts val="1001"/>
+                <a:spcPts val="283"/>
               </a:spcBef>
+              <a:buClr>
+                <a:srgbClr val="000000"/>
+              </a:buClr>
+              <a:buSzPct val="45000"/>
+              <a:buFont typeface="Wingdings" charset="2"/>
+              <a:buChar char=""/>
             </a:pPr>
             <a:r>
-              <a:rPr b="0" lang="en-IL" sz="1800" spc="-1" strike="noStrike">
-                <a:solidFill>
-                  <a:srgbClr val="000000"/>
-                </a:solidFill>
-                <a:latin typeface="Consolas"/>
-              </a:rPr>
-              <a:t>Click to edit Master text styles</a:t>
-            </a:r>
-            <a:endParaRPr b="0" lang="en-IL" sz="1800" spc="-1" strike="noStrike">
-              <a:solidFill>
-                <a:srgbClr val="000000"/>
-              </a:solidFill>
-              <a:latin typeface="Calibri"/>
-            </a:endParaRPr>
-          </a:p>
-        </p:txBody>
-      </p:sp>
-      <p:sp>
-        <p:nvSpPr>
-          <p:cNvPr id="4" name="PlaceHolder 5"/>
-          <p:cNvSpPr>
-            <a:spLocks noGrp="1"/>
-          </p:cNvSpPr>
-          <p:nvPr>
-            <p:ph type="title"/>
-          </p:nvPr>
-        </p:nvSpPr>
-        <p:spPr>
-          <a:xfrm>
-            <a:off x="815400" y="548640"/>
-            <a:ext cx="10560960" cy="719640"/>
-          </a:xfrm>
-          <a:prstGeom prst="rect">
-            <a:avLst/>
-          </a:prstGeom>
-        </p:spPr>
-        <p:txBody>
-          <a:bodyPr lIns="0" tIns="0" anchor="b">
-            <a:normAutofit/>
-          </a:bodyPr>
-          <a:p>
-            <a:pPr>
-              <a:lnSpc>
-                <a:spcPct val="90000"/>
-              </a:lnSpc>
-            </a:pPr>
-            <a:r>
-              <a:rPr b="0" lang="en-IL" sz="4400" spc="-1" strike="noStrike">
-                <a:solidFill>
-                  <a:srgbClr val="000000"/>
-                </a:solidFill>
-                <a:latin typeface="Calibri Light"/>
-              </a:rPr>
-              <a:t>Click to edit Master title style</a:t>
-            </a:r>
-            <a:endParaRPr b="0" lang="en-IL" sz="4400" spc="-1" strike="noStrike">
-              <a:solidFill>
-                <a:srgbClr val="000000"/>
-              </a:solidFill>
-              <a:latin typeface="Calibri"/>
+              <a:rPr b="0" lang="en-US" sz="2000" spc="-1" strike="noStrike">
+                <a:latin typeface="Arial"/>
+              </a:rPr>
+              <a:t>Seventh Outline Level</a:t>
+            </a:r>
+            <a:endParaRPr b="0" lang="en-US" sz="2000" spc="-1" strike="noStrike">
+              <a:latin typeface="Arial"/>
             </a:endParaRPr>
           </a:p>
         </p:txBody>
@@ -5011,18 +3340,18 @@
   </p:cSld>
   <p:clrMap bg1="lt1" bg2="lt2" tx1="dk1" tx2="dk2" accent1="accent1" accent2="accent2" accent3="accent3" accent4="accent4" accent5="accent5" accent6="accent6" hlink="hlink" folHlink="folHlink"/>
   <p:sldLayoutIdLst>
-    <p:sldLayoutId id="2147483649" r:id="rId4"/>
-    <p:sldLayoutId id="2147483650" r:id="rId5"/>
-    <p:sldLayoutId id="2147483651" r:id="rId6"/>
-    <p:sldLayoutId id="2147483652" r:id="rId7"/>
-    <p:sldLayoutId id="2147483653" r:id="rId8"/>
-    <p:sldLayoutId id="2147483654" r:id="rId9"/>
-    <p:sldLayoutId id="2147483655" r:id="rId10"/>
-    <p:sldLayoutId id="2147483656" r:id="rId11"/>
-    <p:sldLayoutId id="2147483657" r:id="rId12"/>
-    <p:sldLayoutId id="2147483658" r:id="rId13"/>
-    <p:sldLayoutId id="2147483659" r:id="rId14"/>
-    <p:sldLayoutId id="2147483660" r:id="rId15"/>
+    <p:sldLayoutId id="2147483649" r:id="rId2"/>
+    <p:sldLayoutId id="2147483650" r:id="rId3"/>
+    <p:sldLayoutId id="2147483651" r:id="rId4"/>
+    <p:sldLayoutId id="2147483652" r:id="rId5"/>
+    <p:sldLayoutId id="2147483653" r:id="rId6"/>
+    <p:sldLayoutId id="2147483654" r:id="rId7"/>
+    <p:sldLayoutId id="2147483655" r:id="rId8"/>
+    <p:sldLayoutId id="2147483656" r:id="rId9"/>
+    <p:sldLayoutId id="2147483657" r:id="rId10"/>
+    <p:sldLayoutId id="2147483658" r:id="rId11"/>
+    <p:sldLayoutId id="2147483659" r:id="rId12"/>
+    <p:sldLayoutId id="2147483660" r:id="rId13"/>
   </p:sldLayoutIdLst>
 </p:sldMaster>
 </file>
@@ -5053,7 +3382,44 @@
       </p:grpSpPr>
       <p:sp>
         <p:nvSpPr>
-          <p:cNvPr id="41" name="PlaceHolder 1"/>
+          <p:cNvPr id="38" name="PlaceHolder 1"/>
+          <p:cNvSpPr>
+            <a:spLocks noGrp="1"/>
+          </p:cNvSpPr>
+          <p:nvPr>
+            <p:ph type="title"/>
+          </p:nvPr>
+        </p:nvSpPr>
+        <p:spPr>
+          <a:xfrm>
+            <a:off x="609480" y="273600"/>
+            <a:ext cx="10972440" cy="1144800"/>
+          </a:xfrm>
+          <a:prstGeom prst="rect">
+            <a:avLst/>
+          </a:prstGeom>
+        </p:spPr>
+        <p:txBody>
+          <a:bodyPr lIns="0" rIns="0" tIns="0" bIns="0" anchor="ctr">
+            <a:noAutofit/>
+          </a:bodyPr>
+          <a:p>
+            <a:pPr algn="ctr"/>
+            <a:r>
+              <a:rPr b="0" lang="en-US" sz="4400" spc="-1" strike="noStrike">
+                <a:latin typeface="Arial"/>
+              </a:rPr>
+              <a:t>Click to edit the title text format</a:t>
+            </a:r>
+            <a:endParaRPr b="0" lang="en-US" sz="4400" spc="-1" strike="noStrike">
+              <a:latin typeface="Arial"/>
+            </a:endParaRPr>
+          </a:p>
+        </p:txBody>
+      </p:sp>
+      <p:sp>
+        <p:nvSpPr>
+          <p:cNvPr id="39" name="PlaceHolder 2"/>
           <p:cNvSpPr>
             <a:spLocks noGrp="1"/>
           </p:cNvSpPr>
@@ -5063,141 +3429,169 @@
         </p:nvSpPr>
         <p:spPr>
           <a:xfrm>
-            <a:off x="815400" y="1494000"/>
-            <a:ext cx="10656720" cy="2285640"/>
-          </a:xfrm>
-          <a:prstGeom prst="rect">
-            <a:avLst/>
-          </a:prstGeom>
-        </p:spPr>
-        <p:txBody>
-          <a:bodyPr tIns="90000">
+            <a:off x="609480" y="1604520"/>
+            <a:ext cx="10972440" cy="3977280"/>
+          </a:xfrm>
+          <a:prstGeom prst="rect">
+            <a:avLst/>
+          </a:prstGeom>
+        </p:spPr>
+        <p:txBody>
+          <a:bodyPr lIns="0" rIns="0" tIns="0" bIns="0">
             <a:normAutofit/>
           </a:bodyPr>
           <a:p>
-            <a:pPr marL="343080" indent="-342720">
-              <a:lnSpc>
-                <a:spcPct val="90000"/>
-              </a:lnSpc>
+            <a:pPr marL="432000" indent="-324000">
               <a:spcBef>
-                <a:spcPts val="1001"/>
+                <a:spcPts val="1417"/>
               </a:spcBef>
-              <a:buSzPct val="100014"/>
-              <a:buBlip>
-                <a:blip r:embed="rId2"/>
-              </a:buBlip>
+              <a:buClr>
+                <a:srgbClr val="000000"/>
+              </a:buClr>
+              <a:buSzPct val="45000"/>
+              <a:buFont typeface="Wingdings" charset="2"/>
+              <a:buChar char=""/>
             </a:pPr>
             <a:r>
-              <a:rPr b="0" lang="en-IL" sz="2800" spc="-1" strike="noStrike">
-                <a:solidFill>
-                  <a:srgbClr val="000000"/>
-                </a:solidFill>
-                <a:latin typeface="Segoe"/>
-              </a:rPr>
-              <a:t>Click to edit Master text styles</a:t>
-            </a:r>
-            <a:endParaRPr b="0" lang="en-IL" sz="2800" spc="-1" strike="noStrike">
-              <a:solidFill>
+              <a:rPr b="0" lang="en-US" sz="3200" spc="-1" strike="noStrike">
+                <a:latin typeface="Arial"/>
+              </a:rPr>
+              <a:t>Click to edit the outline text format</a:t>
+            </a:r>
+            <a:endParaRPr b="0" lang="en-US" sz="3200" spc="-1" strike="noStrike">
+              <a:latin typeface="Arial"/>
+            </a:endParaRPr>
+          </a:p>
+          <a:p>
+            <a:pPr lvl="1" marL="864000" indent="-324000">
+              <a:spcBef>
+                <a:spcPts val="1134"/>
+              </a:spcBef>
+              <a:buClr>
                 <a:srgbClr val="000000"/>
-              </a:solidFill>
-              <a:latin typeface="Calibri"/>
-            </a:endParaRPr>
-          </a:p>
-        </p:txBody>
-      </p:sp>
-      <p:sp>
-        <p:nvSpPr>
-          <p:cNvPr id="42" name="PlaceHolder 2"/>
-          <p:cNvSpPr>
-            <a:spLocks noGrp="1"/>
-          </p:cNvSpPr>
-          <p:nvPr>
-            <p:ph type="body"/>
-          </p:nvPr>
-        </p:nvSpPr>
-        <p:spPr>
-          <a:xfrm>
-            <a:off x="803520" y="3873600"/>
-            <a:ext cx="10668240" cy="2277360"/>
-          </a:xfrm>
-          <a:prstGeom prst="rect">
-            <a:avLst/>
-          </a:prstGeom>
-        </p:spPr>
-        <p:txBody>
-          <a:bodyPr tIns="90000">
-            <a:normAutofit/>
-          </a:bodyPr>
-          <a:p>
-            <a:pPr marL="228600" indent="-228240">
-              <a:lnSpc>
-                <a:spcPct val="90000"/>
-              </a:lnSpc>
+              </a:buClr>
+              <a:buSzPct val="75000"/>
+              <a:buFont typeface="Symbol" charset="2"/>
+              <a:buChar char=""/>
+            </a:pPr>
+            <a:r>
+              <a:rPr b="0" lang="en-US" sz="2800" spc="-1" strike="noStrike">
+                <a:latin typeface="Arial"/>
+              </a:rPr>
+              <a:t>Second Outline Level</a:t>
+            </a:r>
+            <a:endParaRPr b="0" lang="en-US" sz="2800" spc="-1" strike="noStrike">
+              <a:latin typeface="Arial"/>
+            </a:endParaRPr>
+          </a:p>
+          <a:p>
+            <a:pPr lvl="2" marL="1296000" indent="-288000">
               <a:spcBef>
-                <a:spcPts val="1001"/>
+                <a:spcPts val="850"/>
               </a:spcBef>
+              <a:buClr>
+                <a:srgbClr val="000000"/>
+              </a:buClr>
+              <a:buSzPct val="45000"/>
+              <a:buFont typeface="Wingdings" charset="2"/>
+              <a:buChar char=""/>
             </a:pPr>
             <a:r>
-              <a:rPr b="0" lang="en-IL" sz="1800" spc="-1" strike="noStrike">
-                <a:solidFill>
-                  <a:srgbClr val="000000"/>
-                </a:solidFill>
-                <a:latin typeface="Consolas"/>
-              </a:rPr>
-              <a:t>Click to edit Master text styles</a:t>
-            </a:r>
-            <a:endParaRPr b="0" lang="en-IL" sz="1800" spc="-1" strike="noStrike">
-              <a:solidFill>
+              <a:rPr b="0" lang="en-US" sz="2400" spc="-1" strike="noStrike">
+                <a:latin typeface="Arial"/>
+              </a:rPr>
+              <a:t>Third Outline Level</a:t>
+            </a:r>
+            <a:endParaRPr b="0" lang="en-US" sz="2400" spc="-1" strike="noStrike">
+              <a:latin typeface="Arial"/>
+            </a:endParaRPr>
+          </a:p>
+          <a:p>
+            <a:pPr lvl="3" marL="1728000" indent="-216000">
+              <a:spcBef>
+                <a:spcPts val="567"/>
+              </a:spcBef>
+              <a:buClr>
                 <a:srgbClr val="000000"/>
-              </a:solidFill>
-              <a:latin typeface="Calibri"/>
-            </a:endParaRPr>
-          </a:p>
-        </p:txBody>
-      </p:sp>
-      <p:sp>
-        <p:nvSpPr>
-          <p:cNvPr id="43" name="PlaceHolder 3"/>
-          <p:cNvSpPr>
-            <a:spLocks noGrp="1"/>
-          </p:cNvSpPr>
-          <p:nvPr>
-            <p:ph type="title"/>
-          </p:nvPr>
-        </p:nvSpPr>
-        <p:spPr>
-          <a:xfrm>
-            <a:off x="815400" y="548640"/>
-            <a:ext cx="10560960" cy="719640"/>
-          </a:xfrm>
-          <a:prstGeom prst="rect">
-            <a:avLst/>
-          </a:prstGeom>
-        </p:spPr>
-        <p:txBody>
-          <a:bodyPr lIns="0" tIns="0" anchor="b">
-            <a:normAutofit/>
-          </a:bodyPr>
-          <a:p>
-            <a:pPr>
-              <a:lnSpc>
-                <a:spcPct val="90000"/>
-              </a:lnSpc>
+              </a:buClr>
+              <a:buSzPct val="75000"/>
+              <a:buFont typeface="Symbol" charset="2"/>
+              <a:buChar char=""/>
             </a:pPr>
             <a:r>
-              <a:rPr b="0" lang="en-IL" sz="4400" spc="-1" strike="noStrike">
-                <a:solidFill>
-                  <a:srgbClr val="000000"/>
-                </a:solidFill>
-                <a:latin typeface="Calibri Light"/>
-              </a:rPr>
-              <a:t>Click to edit Master title style</a:t>
-            </a:r>
-            <a:endParaRPr b="0" lang="en-IL" sz="4400" spc="-1" strike="noStrike">
-              <a:solidFill>
+              <a:rPr b="0" lang="en-US" sz="2000" spc="-1" strike="noStrike">
+                <a:latin typeface="Arial"/>
+              </a:rPr>
+              <a:t>Fourth Outline Level</a:t>
+            </a:r>
+            <a:endParaRPr b="0" lang="en-US" sz="2000" spc="-1" strike="noStrike">
+              <a:latin typeface="Arial"/>
+            </a:endParaRPr>
+          </a:p>
+          <a:p>
+            <a:pPr lvl="4" marL="2160000" indent="-216000">
+              <a:spcBef>
+                <a:spcPts val="283"/>
+              </a:spcBef>
+              <a:buClr>
                 <a:srgbClr val="000000"/>
-              </a:solidFill>
-              <a:latin typeface="Calibri"/>
+              </a:buClr>
+              <a:buSzPct val="45000"/>
+              <a:buFont typeface="Wingdings" charset="2"/>
+              <a:buChar char=""/>
+            </a:pPr>
+            <a:r>
+              <a:rPr b="0" lang="en-US" sz="2000" spc="-1" strike="noStrike">
+                <a:latin typeface="Arial"/>
+              </a:rPr>
+              <a:t>Fifth Outline Level</a:t>
+            </a:r>
+            <a:endParaRPr b="0" lang="en-US" sz="2000" spc="-1" strike="noStrike">
+              <a:latin typeface="Arial"/>
+            </a:endParaRPr>
+          </a:p>
+          <a:p>
+            <a:pPr lvl="5" marL="2592000" indent="-216000">
+              <a:spcBef>
+                <a:spcPts val="283"/>
+              </a:spcBef>
+              <a:buClr>
+                <a:srgbClr val="000000"/>
+              </a:buClr>
+              <a:buSzPct val="45000"/>
+              <a:buFont typeface="Wingdings" charset="2"/>
+              <a:buChar char=""/>
+            </a:pPr>
+            <a:r>
+              <a:rPr b="0" lang="en-US" sz="2000" spc="-1" strike="noStrike">
+                <a:latin typeface="Arial"/>
+              </a:rPr>
+              <a:t>Sixth Outline Level</a:t>
+            </a:r>
+            <a:endParaRPr b="0" lang="en-US" sz="2000" spc="-1" strike="noStrike">
+              <a:latin typeface="Arial"/>
+            </a:endParaRPr>
+          </a:p>
+          <a:p>
+            <a:pPr lvl="6" marL="3024000" indent="-216000">
+              <a:spcBef>
+                <a:spcPts val="283"/>
+              </a:spcBef>
+              <a:buClr>
+                <a:srgbClr val="000000"/>
+              </a:buClr>
+              <a:buSzPct val="45000"/>
+              <a:buFont typeface="Wingdings" charset="2"/>
+              <a:buChar char=""/>
+            </a:pPr>
+            <a:r>
+              <a:rPr b="0" lang="en-US" sz="2000" spc="-1" strike="noStrike">
+                <a:latin typeface="Arial"/>
+              </a:rPr>
+              <a:t>Seventh Outline Level</a:t>
+            </a:r>
+            <a:endParaRPr b="0" lang="en-US" sz="2000" spc="-1" strike="noStrike">
+              <a:latin typeface="Arial"/>
             </a:endParaRPr>
           </a:p>
         </p:txBody>
@@ -5206,213 +3600,18 @@
   </p:cSld>
   <p:clrMap bg1="lt1" bg2="lt2" tx1="dk1" tx2="dk2" accent1="accent1" accent2="accent2" accent3="accent3" accent4="accent4" accent5="accent5" accent6="accent6" hlink="hlink" folHlink="folHlink"/>
   <p:sldLayoutIdLst>
-    <p:sldLayoutId id="2147483662" r:id="rId3"/>
-    <p:sldLayoutId id="2147483663" r:id="rId4"/>
-    <p:sldLayoutId id="2147483664" r:id="rId5"/>
-    <p:sldLayoutId id="2147483665" r:id="rId6"/>
-    <p:sldLayoutId id="2147483666" r:id="rId7"/>
-    <p:sldLayoutId id="2147483667" r:id="rId8"/>
-    <p:sldLayoutId id="2147483668" r:id="rId9"/>
-    <p:sldLayoutId id="2147483669" r:id="rId10"/>
-    <p:sldLayoutId id="2147483670" r:id="rId11"/>
-    <p:sldLayoutId id="2147483671" r:id="rId12"/>
-    <p:sldLayoutId id="2147483672" r:id="rId13"/>
-    <p:sldLayoutId id="2147483673" r:id="rId14"/>
-  </p:sldLayoutIdLst>
-</p:sldMaster>
-</file>
-
-<file path=ppt/slideMasters/slideMaster3.xml><?xml version="1.0" encoding="utf-8"?>
-<p:sldMaster xmlns:a="http://schemas.openxmlformats.org/drawingml/2006/main" xmlns:p="http://schemas.openxmlformats.org/presentationml/2006/main" xmlns:r="http://schemas.openxmlformats.org/officeDocument/2006/relationships" xmlns:p14="http://schemas.microsoft.com/office/powerpoint/2010/main" xmlns:p15="http://schemas.microsoft.com/office/powerpoint/2012/main" xmlns:mc="http://schemas.openxmlformats.org/markup-compatibility/2006">
-  <p:cSld>
-    <p:bg>
-      <p:bgPr>
-        <a:solidFill>
-          <a:srgbClr val="ffffff"/>
-        </a:solidFill>
-      </p:bgPr>
-    </p:bg>
-    <p:spTree>
-      <p:nvGrpSpPr>
-        <p:cNvPr id="1" name=""/>
-        <p:cNvGrpSpPr/>
-        <p:nvPr/>
-      </p:nvGrpSpPr>
-      <p:grpSpPr>
-        <a:xfrm>
-          <a:off x="0" y="0"/>
-          <a:ext cx="0" cy="0"/>
-          <a:chOff x="0" y="0"/>
-          <a:chExt cx="0" cy="0"/>
-        </a:xfrm>
-      </p:grpSpPr>
-      <p:sp>
-        <p:nvSpPr>
-          <p:cNvPr id="80" name="PlaceHolder 1"/>
-          <p:cNvSpPr>
-            <a:spLocks noGrp="1"/>
-          </p:cNvSpPr>
-          <p:nvPr>
-            <p:ph type="body"/>
-          </p:nvPr>
-        </p:nvSpPr>
-        <p:spPr>
-          <a:xfrm>
-            <a:off x="815400" y="1494000"/>
-            <a:ext cx="10656720" cy="1502640"/>
-          </a:xfrm>
-          <a:prstGeom prst="rect">
-            <a:avLst/>
-          </a:prstGeom>
-        </p:spPr>
-        <p:txBody>
-          <a:bodyPr tIns="90000">
-            <a:normAutofit/>
-          </a:bodyPr>
-          <a:p>
-            <a:pPr marL="343080" indent="-342720">
-              <a:lnSpc>
-                <a:spcPct val="90000"/>
-              </a:lnSpc>
-              <a:spcBef>
-                <a:spcPts val="1001"/>
-              </a:spcBef>
-              <a:buSzPct val="100014"/>
-              <a:buBlip>
-                <a:blip r:embed="rId2"/>
-              </a:buBlip>
-            </a:pPr>
-            <a:r>
-              <a:rPr b="0" lang="en-IL" sz="2800" spc="-1" strike="noStrike">
-                <a:solidFill>
-                  <a:srgbClr val="000000"/>
-                </a:solidFill>
-                <a:latin typeface="Segoe"/>
-              </a:rPr>
-              <a:t>Click to edit Master text styles</a:t>
-            </a:r>
-            <a:endParaRPr b="0" lang="en-IL" sz="2800" spc="-1" strike="noStrike">
-              <a:solidFill>
-                <a:srgbClr val="000000"/>
-              </a:solidFill>
-              <a:latin typeface="Calibri"/>
-            </a:endParaRPr>
-          </a:p>
-        </p:txBody>
-      </p:sp>
-      <p:sp>
-        <p:nvSpPr>
-          <p:cNvPr id="81" name="PlaceHolder 2"/>
-          <p:cNvSpPr>
-            <a:spLocks noGrp="1"/>
-          </p:cNvSpPr>
-          <p:nvPr>
-            <p:ph type="body"/>
-          </p:nvPr>
-        </p:nvSpPr>
-        <p:spPr>
-          <a:xfrm>
-            <a:off x="803520" y="3141000"/>
-            <a:ext cx="10668240" cy="3009960"/>
-          </a:xfrm>
-          <a:prstGeom prst="rect">
-            <a:avLst/>
-          </a:prstGeom>
-        </p:spPr>
-        <p:txBody>
-          <a:bodyPr tIns="90000">
-            <a:normAutofit/>
-          </a:bodyPr>
-          <a:p>
-            <a:pPr marL="228600" indent="-228240">
-              <a:lnSpc>
-                <a:spcPct val="90000"/>
-              </a:lnSpc>
-              <a:spcBef>
-                <a:spcPts val="1001"/>
-              </a:spcBef>
-            </a:pPr>
-            <a:r>
-              <a:rPr b="0" lang="en-IL" sz="1800" spc="-1" strike="noStrike">
-                <a:solidFill>
-                  <a:srgbClr val="000000"/>
-                </a:solidFill>
-                <a:latin typeface="Consolas"/>
-              </a:rPr>
-              <a:t>Click to edit Master text styles</a:t>
-            </a:r>
-            <a:endParaRPr b="0" lang="en-IL" sz="1800" spc="-1" strike="noStrike">
-              <a:solidFill>
-                <a:srgbClr val="000000"/>
-              </a:solidFill>
-              <a:latin typeface="Calibri"/>
-            </a:endParaRPr>
-          </a:p>
-        </p:txBody>
-      </p:sp>
-      <p:sp>
-        <p:nvSpPr>
-          <p:cNvPr id="82" name="PlaceHolder 3"/>
-          <p:cNvSpPr>
-            <a:spLocks noGrp="1"/>
-          </p:cNvSpPr>
-          <p:nvPr>
-            <p:ph type="title"/>
-          </p:nvPr>
-        </p:nvSpPr>
-        <p:spPr>
-          <a:xfrm>
-            <a:off x="815400" y="548640"/>
-            <a:ext cx="10560960" cy="719640"/>
-          </a:xfrm>
-          <a:prstGeom prst="rect">
-            <a:avLst/>
-          </a:prstGeom>
-        </p:spPr>
-        <p:txBody>
-          <a:bodyPr lIns="0" tIns="0" anchor="b">
-            <a:normAutofit/>
-          </a:bodyPr>
-          <a:p>
-            <a:pPr>
-              <a:lnSpc>
-                <a:spcPct val="90000"/>
-              </a:lnSpc>
-            </a:pPr>
-            <a:r>
-              <a:rPr b="0" lang="en-IL" sz="4400" spc="-1" strike="noStrike">
-                <a:solidFill>
-                  <a:srgbClr val="000000"/>
-                </a:solidFill>
-                <a:latin typeface="Calibri Light"/>
-              </a:rPr>
-              <a:t>Click to edit Master title style</a:t>
-            </a:r>
-            <a:endParaRPr b="0" lang="en-IL" sz="4400" spc="-1" strike="noStrike">
-              <a:solidFill>
-                <a:srgbClr val="000000"/>
-              </a:solidFill>
-              <a:latin typeface="Calibri"/>
-            </a:endParaRPr>
-          </a:p>
-        </p:txBody>
-      </p:sp>
-    </p:spTree>
-  </p:cSld>
-  <p:clrMap bg1="lt1" bg2="lt2" tx1="dk1" tx2="dk2" accent1="accent1" accent2="accent2" accent3="accent3" accent4="accent4" accent5="accent5" accent6="accent6" hlink="hlink" folHlink="folHlink"/>
-  <p:sldLayoutIdLst>
-    <p:sldLayoutId id="2147483675" r:id="rId3"/>
-    <p:sldLayoutId id="2147483676" r:id="rId4"/>
-    <p:sldLayoutId id="2147483677" r:id="rId5"/>
-    <p:sldLayoutId id="2147483678" r:id="rId6"/>
-    <p:sldLayoutId id="2147483679" r:id="rId7"/>
-    <p:sldLayoutId id="2147483680" r:id="rId8"/>
-    <p:sldLayoutId id="2147483681" r:id="rId9"/>
-    <p:sldLayoutId id="2147483682" r:id="rId10"/>
-    <p:sldLayoutId id="2147483683" r:id="rId11"/>
-    <p:sldLayoutId id="2147483684" r:id="rId12"/>
-    <p:sldLayoutId id="2147483685" r:id="rId13"/>
-    <p:sldLayoutId id="2147483686" r:id="rId14"/>
+    <p:sldLayoutId id="2147483662" r:id="rId2"/>
+    <p:sldLayoutId id="2147483663" r:id="rId3"/>
+    <p:sldLayoutId id="2147483664" r:id="rId4"/>
+    <p:sldLayoutId id="2147483665" r:id="rId5"/>
+    <p:sldLayoutId id="2147483666" r:id="rId6"/>
+    <p:sldLayoutId id="2147483667" r:id="rId7"/>
+    <p:sldLayoutId id="2147483668" r:id="rId8"/>
+    <p:sldLayoutId id="2147483669" r:id="rId9"/>
+    <p:sldLayoutId id="2147483670" r:id="rId10"/>
+    <p:sldLayoutId id="2147483671" r:id="rId11"/>
+    <p:sldLayoutId id="2147483672" r:id="rId12"/>
+    <p:sldLayoutId id="2147483673" r:id="rId13"/>
   </p:sldLayoutIdLst>
 </p:sldMaster>
 </file>
@@ -5436,14 +3635,14 @@
       </p:grpSpPr>
       <p:sp>
         <p:nvSpPr>
-          <p:cNvPr id="125" name="TextShape 1"/>
-          <p:cNvSpPr txBox="1"/>
+          <p:cNvPr id="82" name="CustomShape 1"/>
+          <p:cNvSpPr/>
           <p:nvPr/>
         </p:nvSpPr>
         <p:spPr>
           <a:xfrm>
             <a:off x="815400" y="548640"/>
-            <a:ext cx="10560960" cy="719640"/>
+            <a:ext cx="10560240" cy="718920"/>
           </a:xfrm>
           <a:prstGeom prst="rect">
             <a:avLst/>
@@ -5453,8 +3652,14 @@
             <a:noFill/>
           </a:ln>
         </p:spPr>
-        <p:txBody>
-          <a:bodyPr lIns="0" tIns="0" anchor="b">
+        <p:style>
+          <a:lnRef idx="0"/>
+          <a:fillRef idx="0"/>
+          <a:effectRef idx="0"/>
+          <a:fontRef idx="minor"/>
+        </p:style>
+        <p:txBody>
+          <a:bodyPr lIns="0" rIns="90000" tIns="0" bIns="45000" anchor="b">
             <a:noAutofit/>
           </a:bodyPr>
           <a:p>
@@ -5469,28 +3674,26 @@
                   <a:srgbClr val="000000"/>
                 </a:solidFill>
                 <a:latin typeface="Calibri Light"/>
+                <a:ea typeface="DejaVu Sans"/>
               </a:rPr>
               <a:t>Extended Literals</a:t>
             </a:r>
-            <a:endParaRPr b="0" lang="en-IL" sz="4400" spc="-1" strike="noStrike">
-              <a:solidFill>
-                <a:srgbClr val="000000"/>
-              </a:solidFill>
-              <a:latin typeface="Calibri"/>
-            </a:endParaRPr>
-          </a:p>
-        </p:txBody>
-      </p:sp>
-      <p:sp>
-        <p:nvSpPr>
-          <p:cNvPr id="126" name="TextShape 2"/>
-          <p:cNvSpPr txBox="1"/>
+            <a:endParaRPr b="0" lang="en-US" sz="4400" spc="-1" strike="noStrike">
+              <a:latin typeface="Arial"/>
+            </a:endParaRPr>
+          </a:p>
+        </p:txBody>
+      </p:sp>
+      <p:sp>
+        <p:nvSpPr>
+          <p:cNvPr id="83" name="CustomShape 2"/>
+          <p:cNvSpPr/>
           <p:nvPr/>
         </p:nvSpPr>
         <p:spPr>
           <a:xfrm>
             <a:off x="2135520" y="1494000"/>
-            <a:ext cx="7992360" cy="2510640"/>
+            <a:ext cx="8562600" cy="2529000"/>
           </a:xfrm>
           <a:prstGeom prst="rect">
             <a:avLst/>
@@ -5504,12 +3707,18 @@
             <a:noFill/>
           </a:ln>
         </p:spPr>
-        <p:txBody>
-          <a:bodyPr tIns="90000">
+        <p:style>
+          <a:lnRef idx="0"/>
+          <a:fillRef idx="0"/>
+          <a:effectRef idx="0"/>
+          <a:fontRef idx="minor"/>
+        </p:style>
+        <p:txBody>
+          <a:bodyPr lIns="90000" rIns="90000" tIns="90000" bIns="45000">
             <a:noAutofit/>
           </a:bodyPr>
           <a:p>
-            <a:pPr marL="343080" indent="-342720">
+            <a:pPr marL="343080" indent="-342000">
               <a:lnSpc>
                 <a:spcPct val="90000"/>
               </a:lnSpc>
@@ -5527,18 +3736,16 @@
                   <a:srgbClr val="000000"/>
                 </a:solidFill>
                 <a:latin typeface="Segoe"/>
+                <a:ea typeface="DejaVu Sans"/>
               </a:rPr>
               <a:t>Unicode string literals help declare UTF strings</a:t>
             </a:r>
-            <a:endParaRPr b="0" lang="en-IL" sz="2800" spc="-1" strike="noStrike">
-              <a:solidFill>
-                <a:srgbClr val="000000"/>
-              </a:solidFill>
-              <a:latin typeface="Calibri"/>
-            </a:endParaRPr>
-          </a:p>
-          <a:p>
-            <a:pPr marL="343080" indent="-342720">
+            <a:endParaRPr b="0" lang="en-US" sz="2800" spc="-1" strike="noStrike">
+              <a:latin typeface="Arial"/>
+            </a:endParaRPr>
+          </a:p>
+          <a:p>
+            <a:pPr marL="343080" indent="-342000">
               <a:lnSpc>
                 <a:spcPct val="90000"/>
               </a:lnSpc>
@@ -5556,18 +3763,16 @@
                   <a:srgbClr val="000000"/>
                 </a:solidFill>
                 <a:latin typeface="Segoe"/>
+                <a:ea typeface="DejaVu Sans"/>
               </a:rPr>
               <a:t>Raw string literals provide an easy way to quote long strings with various characters otherwise forbidden in strings (unquoted)</a:t>
             </a:r>
-            <a:endParaRPr b="0" lang="en-IL" sz="2800" spc="-1" strike="noStrike">
-              <a:solidFill>
-                <a:srgbClr val="000000"/>
-              </a:solidFill>
-              <a:latin typeface="Calibri"/>
-            </a:endParaRPr>
-          </a:p>
-          <a:p>
-            <a:pPr lvl="1" marL="743040" indent="-285480">
+            <a:endParaRPr b="0" lang="en-US" sz="2800" spc="-1" strike="noStrike">
+              <a:latin typeface="Arial"/>
+            </a:endParaRPr>
+          </a:p>
+          <a:p>
+            <a:pPr lvl="1" marL="743040" indent="-284760">
               <a:lnSpc>
                 <a:spcPct val="90000"/>
               </a:lnSpc>
@@ -5585,6 +3790,7 @@
                   <a:srgbClr val="000000"/>
                 </a:solidFill>
                 <a:latin typeface="Segoe"/>
+                <a:ea typeface="DejaVu Sans"/>
               </a:rPr>
               <a:t>The delimiter can be customized, e.g. </a:t>
             </a:r>
@@ -5594,6 +3800,7 @@
                   <a:srgbClr val="000000"/>
                 </a:solidFill>
                 <a:latin typeface="Consolas"/>
+                <a:ea typeface="DejaVu Sans"/>
               </a:rPr>
               <a:t>R</a:t>
             </a:r>
@@ -5603,6 +3810,7 @@
                   <a:srgbClr val="ff0000"/>
                 </a:solidFill>
                 <a:latin typeface="Consolas"/>
+                <a:ea typeface="DejaVu Sans"/>
               </a:rPr>
               <a:t>"$(</a:t>
             </a:r>
@@ -5612,6 +3820,7 @@
                   <a:srgbClr val="000000"/>
                 </a:solidFill>
                 <a:latin typeface="Consolas"/>
+                <a:ea typeface="DejaVu Sans"/>
               </a:rPr>
               <a:t>...</a:t>
             </a:r>
@@ -5621,28 +3830,26 @@
                   <a:srgbClr val="ff0000"/>
                 </a:solidFill>
                 <a:latin typeface="Consolas"/>
+                <a:ea typeface="DejaVu Sans"/>
               </a:rPr>
               <a:t>)$"</a:t>
             </a:r>
-            <a:endParaRPr b="0" lang="en-IL" sz="2400" spc="-1" strike="noStrike">
-              <a:solidFill>
-                <a:srgbClr val="000000"/>
-              </a:solidFill>
-              <a:latin typeface="Calibri"/>
-            </a:endParaRPr>
-          </a:p>
-        </p:txBody>
-      </p:sp>
-      <p:sp>
-        <p:nvSpPr>
-          <p:cNvPr id="127" name="TextShape 3"/>
-          <p:cNvSpPr txBox="1"/>
+            <a:endParaRPr b="0" lang="en-US" sz="2400" spc="-1" strike="noStrike">
+              <a:latin typeface="Arial"/>
+            </a:endParaRPr>
+          </a:p>
+        </p:txBody>
+      </p:sp>
+      <p:sp>
+        <p:nvSpPr>
+          <p:cNvPr id="84" name="CustomShape 3"/>
+          <p:cNvSpPr/>
           <p:nvPr/>
         </p:nvSpPr>
         <p:spPr>
           <a:xfrm>
             <a:off x="2135520" y="4437000"/>
-            <a:ext cx="8001000" cy="2073960"/>
+            <a:ext cx="8000280" cy="2073240"/>
           </a:xfrm>
           <a:prstGeom prst="rect">
             <a:avLst/>
@@ -5656,18 +3863,27 @@
             <a:noFill/>
           </a:ln>
         </p:spPr>
-        <p:txBody>
-          <a:bodyPr tIns="90000">
+        <p:style>
+          <a:lnRef idx="0"/>
+          <a:fillRef idx="0"/>
+          <a:effectRef idx="0"/>
+          <a:fontRef idx="minor"/>
+        </p:style>
+        <p:txBody>
+          <a:bodyPr lIns="90000" rIns="90000" tIns="90000" bIns="45000">
             <a:normAutofit/>
           </a:bodyPr>
           <a:p>
-            <a:pPr marL="228600" indent="-228240">
+            <a:pPr marL="228600" indent="-227520">
               <a:lnSpc>
                 <a:spcPct val="90000"/>
               </a:lnSpc>
               <a:spcBef>
                 <a:spcPts val="1001"/>
               </a:spcBef>
+              <a:tabLst>
+                <a:tab algn="l" pos="0"/>
+              </a:tabLst>
             </a:pPr>
             <a:r>
               <a:rPr b="0" lang="en-IL" sz="2000" spc="-1" strike="noStrike">
@@ -5675,6 +3891,7 @@
                   <a:srgbClr val="000000"/>
                 </a:solidFill>
                 <a:latin typeface="Consolas"/>
+                <a:ea typeface="DejaVu Sans"/>
               </a:rPr>
               <a:t>auto utf8string  = u8"Hello";</a:t>
             </a:r>
@@ -5684,6 +3901,7 @@
                   <a:srgbClr val="000000"/>
                 </a:solidFill>
                 <a:latin typeface="Consolas"/>
+                <a:ea typeface="DejaVu Sans"/>
               </a:rPr>
               <a:t>	</a:t>
             </a:r>
@@ -5693,24 +3911,25 @@
                   <a:srgbClr val="000000"/>
                 </a:solidFill>
                 <a:latin typeface="Consolas"/>
+                <a:ea typeface="DejaVu Sans"/>
               </a:rPr>
               <a:t>// same as "Hello"</a:t>
             </a:r>
-            <a:endParaRPr b="0" lang="en-IL" sz="2000" spc="-1" strike="noStrike">
-              <a:solidFill>
-                <a:srgbClr val="000000"/>
-              </a:solidFill>
-              <a:latin typeface="Calibri"/>
-            </a:endParaRPr>
-          </a:p>
-          <a:p>
-            <a:pPr marL="228600" indent="-228240">
+            <a:endParaRPr b="0" lang="en-US" sz="2000" spc="-1" strike="noStrike">
+              <a:latin typeface="Arial"/>
+            </a:endParaRPr>
+          </a:p>
+          <a:p>
+            <a:pPr marL="228600" indent="-227520">
               <a:lnSpc>
                 <a:spcPct val="90000"/>
               </a:lnSpc>
               <a:spcBef>
                 <a:spcPts val="1001"/>
               </a:spcBef>
+              <a:tabLst>
+                <a:tab algn="l" pos="0"/>
+              </a:tabLst>
             </a:pPr>
             <a:r>
               <a:rPr b="0" lang="en-IL" sz="2000" spc="-1" strike="noStrike">
@@ -5718,6 +3937,7 @@
                   <a:srgbClr val="000000"/>
                 </a:solidFill>
                 <a:latin typeface="Consolas"/>
+                <a:ea typeface="DejaVu Sans"/>
               </a:rPr>
               <a:t>auto utf16string = u"Hello";</a:t>
             </a:r>
@@ -5727,6 +3947,7 @@
                   <a:srgbClr val="000000"/>
                 </a:solidFill>
                 <a:latin typeface="Consolas"/>
+                <a:ea typeface="DejaVu Sans"/>
               </a:rPr>
               <a:t>	</a:t>
             </a:r>
@@ -5736,24 +3957,25 @@
                   <a:srgbClr val="000000"/>
                 </a:solidFill>
                 <a:latin typeface="Consolas"/>
+                <a:ea typeface="DejaVu Sans"/>
               </a:rPr>
               <a:t>// same as L"Hello"</a:t>
             </a:r>
-            <a:endParaRPr b="0" lang="en-IL" sz="2000" spc="-1" strike="noStrike">
-              <a:solidFill>
-                <a:srgbClr val="000000"/>
-              </a:solidFill>
-              <a:latin typeface="Calibri"/>
-            </a:endParaRPr>
-          </a:p>
-          <a:p>
-            <a:pPr marL="228600" indent="-228240">
+            <a:endParaRPr b="0" lang="en-US" sz="2000" spc="-1" strike="noStrike">
+              <a:latin typeface="Arial"/>
+            </a:endParaRPr>
+          </a:p>
+          <a:p>
+            <a:pPr marL="228600" indent="-227520">
               <a:lnSpc>
                 <a:spcPct val="90000"/>
               </a:lnSpc>
               <a:spcBef>
                 <a:spcPts val="1001"/>
               </a:spcBef>
+              <a:tabLst>
+                <a:tab algn="l" pos="0"/>
+              </a:tabLst>
             </a:pPr>
             <a:r>
               <a:rPr b="0" lang="en-IL" sz="2000" spc="-1" strike="noStrike">
@@ -5761,40 +3983,41 @@
                   <a:srgbClr val="000000"/>
                 </a:solidFill>
                 <a:latin typeface="Consolas"/>
+                <a:ea typeface="DejaVu Sans"/>
               </a:rPr>
               <a:t>auto utf32string = U"Hello";</a:t>
             </a:r>
-            <a:endParaRPr b="0" lang="en-IL" sz="2000" spc="-1" strike="noStrike">
-              <a:solidFill>
-                <a:srgbClr val="000000"/>
-              </a:solidFill>
-              <a:latin typeface="Calibri"/>
-            </a:endParaRPr>
-          </a:p>
-          <a:p>
-            <a:pPr marL="228600" indent="-228240">
+            <a:endParaRPr b="0" lang="en-US" sz="2000" spc="-1" strike="noStrike">
+              <a:latin typeface="Arial"/>
+            </a:endParaRPr>
+          </a:p>
+          <a:p>
+            <a:pPr marL="228600" indent="-227520">
               <a:lnSpc>
                 <a:spcPct val="90000"/>
               </a:lnSpc>
               <a:spcBef>
                 <a:spcPts val="1001"/>
               </a:spcBef>
+              <a:tabLst>
+                <a:tab algn="l" pos="0"/>
+              </a:tabLst>
             </a:pPr>
-            <a:endParaRPr b="0" lang="en-IL" sz="2000" spc="-1" strike="noStrike">
-              <a:solidFill>
-                <a:srgbClr val="000000"/>
-              </a:solidFill>
-              <a:latin typeface="Calibri"/>
-            </a:endParaRPr>
-          </a:p>
-          <a:p>
-            <a:pPr marL="228600" indent="-228240">
+            <a:endParaRPr b="0" lang="en-US" sz="2000" spc="-1" strike="noStrike">
+              <a:latin typeface="Arial"/>
+            </a:endParaRPr>
+          </a:p>
+          <a:p>
+            <a:pPr marL="228600" indent="-227520">
               <a:lnSpc>
                 <a:spcPct val="90000"/>
               </a:lnSpc>
               <a:spcBef>
                 <a:spcPts val="1001"/>
               </a:spcBef>
+              <a:tabLst>
+                <a:tab algn="l" pos="0"/>
+              </a:tabLst>
             </a:pPr>
             <a:r>
               <a:rPr b="0" lang="en-IL" sz="2000" spc="-1" strike="noStrike">
@@ -5802,6 +4025,7 @@
                   <a:srgbClr val="000000"/>
                 </a:solidFill>
                 <a:latin typeface="Consolas"/>
+                <a:ea typeface="DejaVu Sans"/>
               </a:rPr>
               <a:t>auto raw = </a:t>
             </a:r>
@@ -5811,6 +4035,7 @@
                   <a:srgbClr val="ff0000"/>
                 </a:solidFill>
                 <a:latin typeface="Consolas"/>
+                <a:ea typeface="DejaVu Sans"/>
               </a:rPr>
               <a:t>R"(</a:t>
             </a:r>
@@ -5820,6 +4045,7 @@
                   <a:srgbClr val="000000"/>
                 </a:solidFill>
                 <a:latin typeface="Consolas"/>
+                <a:ea typeface="DejaVu Sans"/>
               </a:rPr>
               <a:t>I can put " here and also \</a:t>
             </a:r>
@@ -5829,6 +4055,7 @@
                   <a:srgbClr val="ff0000"/>
                 </a:solidFill>
                 <a:latin typeface="Consolas"/>
+                <a:ea typeface="DejaVu Sans"/>
               </a:rPr>
               <a:t>)"</a:t>
             </a:r>
@@ -5838,14 +4065,12 @@
                   <a:srgbClr val="000000"/>
                 </a:solidFill>
                 <a:latin typeface="Consolas"/>
+                <a:ea typeface="DejaVu Sans"/>
               </a:rPr>
               <a:t>;</a:t>
             </a:r>
-            <a:endParaRPr b="0" lang="en-IL" sz="2000" spc="-1" strike="noStrike">
-              <a:solidFill>
-                <a:srgbClr val="000000"/>
-              </a:solidFill>
-              <a:latin typeface="Calibri"/>
+            <a:endParaRPr b="0" lang="en-US" sz="2000" spc="-1" strike="noStrike">
+              <a:latin typeface="Arial"/>
             </a:endParaRPr>
           </a:p>
         </p:txBody>
@@ -5882,14 +4107,14 @@
       </p:grpSpPr>
       <p:sp>
         <p:nvSpPr>
-          <p:cNvPr id="128" name="TextShape 1"/>
-          <p:cNvSpPr txBox="1"/>
+          <p:cNvPr id="85" name="CustomShape 1"/>
+          <p:cNvSpPr/>
           <p:nvPr/>
         </p:nvSpPr>
         <p:spPr>
           <a:xfrm>
             <a:off x="815400" y="1494000"/>
-            <a:ext cx="10656720" cy="2285640"/>
+            <a:ext cx="10656000" cy="2284920"/>
           </a:xfrm>
           <a:prstGeom prst="rect">
             <a:avLst/>
@@ -5903,12 +4128,18 @@
             <a:noFill/>
           </a:ln>
         </p:spPr>
-        <p:txBody>
-          <a:bodyPr tIns="90000">
+        <p:style>
+          <a:lnRef idx="0"/>
+          <a:fillRef idx="0"/>
+          <a:effectRef idx="0"/>
+          <a:fontRef idx="minor"/>
+        </p:style>
+        <p:txBody>
+          <a:bodyPr lIns="90000" rIns="90000" tIns="90000" bIns="45000">
             <a:noAutofit/>
           </a:bodyPr>
           <a:p>
-            <a:pPr marL="343080" indent="-342720">
+            <a:pPr marL="343080" indent="-342000">
               <a:lnSpc>
                 <a:spcPct val="90000"/>
               </a:lnSpc>
@@ -5926,18 +4157,16 @@
                   <a:srgbClr val="000000"/>
                 </a:solidFill>
                 <a:latin typeface="Segoe"/>
+                <a:ea typeface="DejaVu Sans"/>
               </a:rPr>
               <a:t>Custom operators that accept several built in types (including C strings) and produce custom values</a:t>
             </a:r>
-            <a:endParaRPr b="0" lang="en-IL" sz="2800" spc="-1" strike="noStrike">
-              <a:solidFill>
-                <a:srgbClr val="000000"/>
-              </a:solidFill>
-              <a:latin typeface="Calibri"/>
-            </a:endParaRPr>
-          </a:p>
-          <a:p>
-            <a:pPr marL="343080" indent="-342720">
+            <a:endParaRPr b="0" lang="en-US" sz="2800" spc="-1" strike="noStrike">
+              <a:latin typeface="Arial"/>
+            </a:endParaRPr>
+          </a:p>
+          <a:p>
+            <a:pPr marL="343080" indent="-342000">
               <a:lnSpc>
                 <a:spcPct val="90000"/>
               </a:lnSpc>
@@ -5955,6 +4184,7 @@
                   <a:srgbClr val="000000"/>
                 </a:solidFill>
                 <a:latin typeface="Segoe"/>
+                <a:ea typeface="DejaVu Sans"/>
               </a:rPr>
               <a:t>Must begin with </a:t>
             </a:r>
@@ -5964,6 +4194,7 @@
                   <a:srgbClr val="000000"/>
                 </a:solidFill>
                 <a:latin typeface="Consolas"/>
+                <a:ea typeface="DejaVu Sans"/>
               </a:rPr>
               <a:t>_</a:t>
             </a:r>
@@ -5973,28 +4204,26 @@
                   <a:srgbClr val="000000"/>
                 </a:solidFill>
                 <a:latin typeface="Segoe"/>
+                <a:ea typeface="DejaVu Sans"/>
               </a:rPr>
               <a:t> to avoid conflicts with standard-defined literals</a:t>
             </a:r>
-            <a:endParaRPr b="0" lang="en-IL" sz="2800" spc="-1" strike="noStrike">
-              <a:solidFill>
-                <a:srgbClr val="000000"/>
-              </a:solidFill>
-              <a:latin typeface="Calibri"/>
-            </a:endParaRPr>
-          </a:p>
-        </p:txBody>
-      </p:sp>
-      <p:sp>
-        <p:nvSpPr>
-          <p:cNvPr id="129" name="TextShape 2"/>
-          <p:cNvSpPr txBox="1"/>
+            <a:endParaRPr b="0" lang="en-US" sz="2800" spc="-1" strike="noStrike">
+              <a:latin typeface="Arial"/>
+            </a:endParaRPr>
+          </a:p>
+        </p:txBody>
+      </p:sp>
+      <p:sp>
+        <p:nvSpPr>
+          <p:cNvPr id="86" name="CustomShape 2"/>
+          <p:cNvSpPr/>
           <p:nvPr/>
         </p:nvSpPr>
         <p:spPr>
           <a:xfrm>
             <a:off x="803520" y="3873600"/>
-            <a:ext cx="10668240" cy="2277360"/>
+            <a:ext cx="10667520" cy="2276640"/>
           </a:xfrm>
           <a:prstGeom prst="rect">
             <a:avLst/>
@@ -6008,18 +4237,27 @@
             <a:noFill/>
           </a:ln>
         </p:spPr>
-        <p:txBody>
-          <a:bodyPr tIns="90000">
+        <p:style>
+          <a:lnRef idx="0"/>
+          <a:fillRef idx="0"/>
+          <a:effectRef idx="0"/>
+          <a:fontRef idx="minor"/>
+        </p:style>
+        <p:txBody>
+          <a:bodyPr lIns="90000" rIns="90000" tIns="90000" bIns="45000">
             <a:noAutofit/>
           </a:bodyPr>
           <a:p>
-            <a:pPr marL="228600" indent="-228240">
+            <a:pPr marL="228600" indent="-227520">
               <a:lnSpc>
                 <a:spcPct val="90000"/>
               </a:lnSpc>
               <a:spcBef>
                 <a:spcPts val="1001"/>
               </a:spcBef>
+              <a:tabLst>
+                <a:tab algn="l" pos="0"/>
+              </a:tabLst>
             </a:pPr>
             <a:r>
               <a:rPr b="0" lang="en-IL" sz="1800" spc="-1" strike="noStrike">
@@ -6027,24 +4265,25 @@
                   <a:srgbClr val="000000"/>
                 </a:solidFill>
                 <a:latin typeface="Consolas"/>
+                <a:ea typeface="DejaVu Sans"/>
               </a:rPr>
               <a:t>unsigned long long operator "" _kb(unsigned long long v)</a:t>
             </a:r>
-            <a:endParaRPr b="0" lang="en-IL" sz="1800" spc="-1" strike="noStrike">
-              <a:solidFill>
-                <a:srgbClr val="000000"/>
-              </a:solidFill>
-              <a:latin typeface="Calibri"/>
-            </a:endParaRPr>
-          </a:p>
-          <a:p>
-            <a:pPr marL="228600" indent="-228240">
+            <a:endParaRPr b="0" lang="en-US" sz="1800" spc="-1" strike="noStrike">
+              <a:latin typeface="Arial"/>
+            </a:endParaRPr>
+          </a:p>
+          <a:p>
+            <a:pPr marL="228600" indent="-227520">
               <a:lnSpc>
                 <a:spcPct val="90000"/>
               </a:lnSpc>
               <a:spcBef>
                 <a:spcPts val="1001"/>
               </a:spcBef>
+              <a:tabLst>
+                <a:tab algn="l" pos="0"/>
+              </a:tabLst>
             </a:pPr>
             <a:r>
               <a:rPr b="0" lang="en-IL" sz="1800" spc="-1" strike="noStrike">
@@ -6052,24 +4291,25 @@
                   <a:srgbClr val="000000"/>
                 </a:solidFill>
                 <a:latin typeface="Consolas"/>
+                <a:ea typeface="DejaVu Sans"/>
               </a:rPr>
               <a:t>{</a:t>
             </a:r>
-            <a:endParaRPr b="0" lang="en-IL" sz="1800" spc="-1" strike="noStrike">
-              <a:solidFill>
-                <a:srgbClr val="000000"/>
-              </a:solidFill>
-              <a:latin typeface="Calibri"/>
-            </a:endParaRPr>
-          </a:p>
-          <a:p>
-            <a:pPr marL="228600" indent="-228240">
+            <a:endParaRPr b="0" lang="en-US" sz="1800" spc="-1" strike="noStrike">
+              <a:latin typeface="Arial"/>
+            </a:endParaRPr>
+          </a:p>
+          <a:p>
+            <a:pPr marL="228600" indent="-227520">
               <a:lnSpc>
                 <a:spcPct val="90000"/>
               </a:lnSpc>
               <a:spcBef>
                 <a:spcPts val="1001"/>
               </a:spcBef>
+              <a:tabLst>
+                <a:tab algn="l" pos="0"/>
+              </a:tabLst>
             </a:pPr>
             <a:r>
               <a:rPr b="0" lang="en-IL" sz="1800" spc="-1" strike="noStrike">
@@ -6077,6 +4317,7 @@
                   <a:srgbClr val="000000"/>
                 </a:solidFill>
                 <a:latin typeface="Consolas"/>
+                <a:ea typeface="DejaVu Sans"/>
               </a:rPr>
               <a:t>  </a:t>
             </a:r>
@@ -6086,24 +4327,25 @@
                   <a:srgbClr val="000000"/>
                 </a:solidFill>
                 <a:latin typeface="Consolas"/>
+                <a:ea typeface="DejaVu Sans"/>
               </a:rPr>
               <a:t>return v * 1024;</a:t>
             </a:r>
-            <a:endParaRPr b="0" lang="en-IL" sz="1800" spc="-1" strike="noStrike">
-              <a:solidFill>
-                <a:srgbClr val="000000"/>
-              </a:solidFill>
-              <a:latin typeface="Calibri"/>
-            </a:endParaRPr>
-          </a:p>
-          <a:p>
-            <a:pPr marL="228600" indent="-228240">
+            <a:endParaRPr b="0" lang="en-US" sz="1800" spc="-1" strike="noStrike">
+              <a:latin typeface="Arial"/>
+            </a:endParaRPr>
+          </a:p>
+          <a:p>
+            <a:pPr marL="228600" indent="-227520">
               <a:lnSpc>
                 <a:spcPct val="90000"/>
               </a:lnSpc>
               <a:spcBef>
                 <a:spcPts val="1001"/>
               </a:spcBef>
+              <a:tabLst>
+                <a:tab algn="l" pos="0"/>
+              </a:tabLst>
             </a:pPr>
             <a:r>
               <a:rPr b="0" lang="en-IL" sz="1800" spc="-1" strike="noStrike">
@@ -6111,40 +4353,41 @@
                   <a:srgbClr val="000000"/>
                 </a:solidFill>
                 <a:latin typeface="Consolas"/>
+                <a:ea typeface="DejaVu Sans"/>
               </a:rPr>
               <a:t>}</a:t>
             </a:r>
-            <a:endParaRPr b="0" lang="en-IL" sz="1800" spc="-1" strike="noStrike">
-              <a:solidFill>
-                <a:srgbClr val="000000"/>
-              </a:solidFill>
-              <a:latin typeface="Calibri"/>
-            </a:endParaRPr>
-          </a:p>
-          <a:p>
-            <a:pPr marL="228600" indent="-228240">
+            <a:endParaRPr b="0" lang="en-US" sz="1800" spc="-1" strike="noStrike">
+              <a:latin typeface="Arial"/>
+            </a:endParaRPr>
+          </a:p>
+          <a:p>
+            <a:pPr marL="228600" indent="-227520">
               <a:lnSpc>
                 <a:spcPct val="90000"/>
               </a:lnSpc>
               <a:spcBef>
                 <a:spcPts val="1001"/>
               </a:spcBef>
+              <a:tabLst>
+                <a:tab algn="l" pos="0"/>
+              </a:tabLst>
             </a:pPr>
-            <a:endParaRPr b="0" lang="en-IL" sz="1800" spc="-1" strike="noStrike">
-              <a:solidFill>
-                <a:srgbClr val="000000"/>
-              </a:solidFill>
-              <a:latin typeface="Calibri"/>
-            </a:endParaRPr>
-          </a:p>
-          <a:p>
-            <a:pPr marL="228600" indent="-228240">
+            <a:endParaRPr b="0" lang="en-US" sz="1800" spc="-1" strike="noStrike">
+              <a:latin typeface="Arial"/>
+            </a:endParaRPr>
+          </a:p>
+          <a:p>
+            <a:pPr marL="228600" indent="-227520">
               <a:lnSpc>
                 <a:spcPct val="90000"/>
               </a:lnSpc>
               <a:spcBef>
                 <a:spcPts val="1001"/>
               </a:spcBef>
+              <a:tabLst>
+                <a:tab algn="l" pos="0"/>
+              </a:tabLst>
             </a:pPr>
             <a:r>
               <a:rPr b="0" lang="en-IL" sz="1800" spc="-1" strike="noStrike">
@@ -6152,6 +4395,7 @@
                   <a:srgbClr val="000000"/>
                 </a:solidFill>
                 <a:latin typeface="Consolas"/>
+                <a:ea typeface="DejaVu Sans"/>
               </a:rPr>
               <a:t>std::cout &lt;&lt; </a:t>
             </a:r>
@@ -6161,6 +4405,7 @@
                   <a:srgbClr val="ff0000"/>
                 </a:solidFill>
                 <a:latin typeface="Consolas"/>
+                <a:ea typeface="DejaVu Sans"/>
               </a:rPr>
               <a:t>3_kb</a:t>
             </a:r>
@@ -6170,28 +4415,26 @@
                   <a:srgbClr val="000000"/>
                 </a:solidFill>
                 <a:latin typeface="Consolas"/>
+                <a:ea typeface="DejaVu Sans"/>
               </a:rPr>
               <a:t> &lt;&lt; std::endl; // prints 3072</a:t>
             </a:r>
-            <a:endParaRPr b="0" lang="en-IL" sz="1800" spc="-1" strike="noStrike">
-              <a:solidFill>
-                <a:srgbClr val="000000"/>
-              </a:solidFill>
-              <a:latin typeface="Calibri"/>
-            </a:endParaRPr>
-          </a:p>
-        </p:txBody>
-      </p:sp>
-      <p:sp>
-        <p:nvSpPr>
-          <p:cNvPr id="130" name="TextShape 3"/>
-          <p:cNvSpPr txBox="1"/>
+            <a:endParaRPr b="0" lang="en-US" sz="1800" spc="-1" strike="noStrike">
+              <a:latin typeface="Arial"/>
+            </a:endParaRPr>
+          </a:p>
+        </p:txBody>
+      </p:sp>
+      <p:sp>
+        <p:nvSpPr>
+          <p:cNvPr id="87" name="CustomShape 3"/>
+          <p:cNvSpPr/>
           <p:nvPr/>
         </p:nvSpPr>
         <p:spPr>
           <a:xfrm>
             <a:off x="815400" y="548640"/>
-            <a:ext cx="10560960" cy="719640"/>
+            <a:ext cx="10560240" cy="718920"/>
           </a:xfrm>
           <a:prstGeom prst="rect">
             <a:avLst/>
@@ -6201,8 +4444,14 @@
             <a:noFill/>
           </a:ln>
         </p:spPr>
-        <p:txBody>
-          <a:bodyPr lIns="0" tIns="0" anchor="b">
+        <p:style>
+          <a:lnRef idx="0"/>
+          <a:fillRef idx="0"/>
+          <a:effectRef idx="0"/>
+          <a:fontRef idx="minor"/>
+        </p:style>
+        <p:txBody>
+          <a:bodyPr lIns="0" rIns="90000" tIns="0" bIns="45000" anchor="b">
             <a:noAutofit/>
           </a:bodyPr>
           <a:p>
@@ -6217,14 +4466,12 @@
                   <a:srgbClr val="000000"/>
                 </a:solidFill>
                 <a:latin typeface="Calibri Light"/>
+                <a:ea typeface="DejaVu Sans"/>
               </a:rPr>
               <a:t>User-Defined Literals</a:t>
             </a:r>
-            <a:endParaRPr b="0" lang="en-IL" sz="4400" spc="-1" strike="noStrike">
-              <a:solidFill>
-                <a:srgbClr val="000000"/>
-              </a:solidFill>
-              <a:latin typeface="Calibri"/>
+            <a:endParaRPr b="0" lang="en-US" sz="4400" spc="-1" strike="noStrike">
+              <a:latin typeface="Arial"/>
             </a:endParaRPr>
           </a:p>
         </p:txBody>
@@ -6261,14 +4508,14 @@
       </p:grpSpPr>
       <p:sp>
         <p:nvSpPr>
-          <p:cNvPr id="131" name="TextShape 1"/>
-          <p:cNvSpPr txBox="1"/>
+          <p:cNvPr id="88" name="CustomShape 1"/>
+          <p:cNvSpPr/>
           <p:nvPr/>
         </p:nvSpPr>
         <p:spPr>
           <a:xfrm>
             <a:off x="815400" y="1494000"/>
-            <a:ext cx="10656720" cy="2285640"/>
+            <a:ext cx="10656000" cy="2284920"/>
           </a:xfrm>
           <a:prstGeom prst="rect">
             <a:avLst/>
@@ -6282,12 +4529,18 @@
             <a:noFill/>
           </a:ln>
         </p:spPr>
-        <p:txBody>
-          <a:bodyPr tIns="90000">
+        <p:style>
+          <a:lnRef idx="0"/>
+          <a:fillRef idx="0"/>
+          <a:effectRef idx="0"/>
+          <a:fontRef idx="minor"/>
+        </p:style>
+        <p:txBody>
+          <a:bodyPr lIns="90000" rIns="90000" tIns="90000" bIns="45000">
             <a:noAutofit/>
           </a:bodyPr>
           <a:p>
-            <a:pPr marL="343080" indent="-342720">
+            <a:pPr marL="343080" indent="-342000">
               <a:lnSpc>
                 <a:spcPct val="90000"/>
               </a:lnSpc>
@@ -6305,6 +4558,7 @@
                   <a:srgbClr val="000000"/>
                 </a:solidFill>
                 <a:latin typeface="Segoe"/>
+                <a:ea typeface="DejaVu Sans"/>
               </a:rPr>
               <a:t>The standard library defines some literals in the </a:t>
             </a:r>
@@ -6314,6 +4568,7 @@
                   <a:srgbClr val="000000"/>
                 </a:solidFill>
                 <a:latin typeface="Consolas"/>
+                <a:ea typeface="DejaVu Sans"/>
               </a:rPr>
               <a:t>std::literals</a:t>
             </a:r>
@@ -6323,18 +4578,16 @@
                   <a:srgbClr val="000000"/>
                 </a:solidFill>
                 <a:latin typeface="Segoe"/>
+                <a:ea typeface="DejaVu Sans"/>
               </a:rPr>
               <a:t> inline namespace</a:t>
             </a:r>
-            <a:endParaRPr b="0" lang="en-IL" sz="2800" spc="-1" strike="noStrike">
-              <a:solidFill>
-                <a:srgbClr val="000000"/>
-              </a:solidFill>
-              <a:latin typeface="Calibri"/>
-            </a:endParaRPr>
-          </a:p>
-          <a:p>
-            <a:pPr lvl="1" marL="743040" indent="-285480">
+            <a:endParaRPr b="0" lang="en-US" sz="2800" spc="-1" strike="noStrike">
+              <a:latin typeface="Arial"/>
+            </a:endParaRPr>
+          </a:p>
+          <a:p>
+            <a:pPr lvl="1" marL="743040" indent="-284760">
               <a:lnSpc>
                 <a:spcPct val="90000"/>
               </a:lnSpc>
@@ -6352,18 +4605,16 @@
                   <a:srgbClr val="000000"/>
                 </a:solidFill>
                 <a:latin typeface="Segoe"/>
+                <a:ea typeface="DejaVu Sans"/>
               </a:rPr>
               <a:t>Chrono literals for time durations</a:t>
             </a:r>
-            <a:endParaRPr b="0" lang="en-IL" sz="2400" spc="-1" strike="noStrike">
-              <a:solidFill>
-                <a:srgbClr val="000000"/>
-              </a:solidFill>
-              <a:latin typeface="Calibri"/>
-            </a:endParaRPr>
-          </a:p>
-          <a:p>
-            <a:pPr lvl="1" marL="743040" indent="-285480">
+            <a:endParaRPr b="0" lang="en-US" sz="2400" spc="-1" strike="noStrike">
+              <a:latin typeface="Arial"/>
+            </a:endParaRPr>
+          </a:p>
+          <a:p>
+            <a:pPr lvl="1" marL="743040" indent="-284760">
               <a:lnSpc>
                 <a:spcPct val="90000"/>
               </a:lnSpc>
@@ -6381,18 +4632,16 @@
                   <a:srgbClr val="000000"/>
                 </a:solidFill>
                 <a:latin typeface="Segoe"/>
+                <a:ea typeface="DejaVu Sans"/>
               </a:rPr>
               <a:t>Complex literals for complex numbers</a:t>
             </a:r>
-            <a:endParaRPr b="0" lang="en-IL" sz="2400" spc="-1" strike="noStrike">
-              <a:solidFill>
-                <a:srgbClr val="000000"/>
-              </a:solidFill>
-              <a:latin typeface="Calibri"/>
-            </a:endParaRPr>
-          </a:p>
-          <a:p>
-            <a:pPr lvl="1" marL="743040" indent="-285480">
+            <a:endParaRPr b="0" lang="en-US" sz="2400" spc="-1" strike="noStrike">
+              <a:latin typeface="Arial"/>
+            </a:endParaRPr>
+          </a:p>
+          <a:p>
+            <a:pPr lvl="1" marL="743040" indent="-284760">
               <a:lnSpc>
                 <a:spcPct val="90000"/>
               </a:lnSpc>
@@ -6410,6 +4659,7 @@
                   <a:srgbClr val="000000"/>
                 </a:solidFill>
                 <a:latin typeface="Segoe"/>
+                <a:ea typeface="DejaVu Sans"/>
               </a:rPr>
               <a:t>String literals for </a:t>
             </a:r>
@@ -6419,28 +4669,26 @@
                   <a:srgbClr val="000000"/>
                 </a:solidFill>
                 <a:latin typeface="Consolas"/>
+                <a:ea typeface="DejaVu Sans"/>
               </a:rPr>
               <a:t>std::basic_string&lt;&gt;</a:t>
             </a:r>
-            <a:endParaRPr b="0" lang="en-IL" sz="2400" spc="-1" strike="noStrike">
-              <a:solidFill>
-                <a:srgbClr val="000000"/>
-              </a:solidFill>
-              <a:latin typeface="Calibri"/>
-            </a:endParaRPr>
-          </a:p>
-        </p:txBody>
-      </p:sp>
-      <p:sp>
-        <p:nvSpPr>
-          <p:cNvPr id="132" name="TextShape 2"/>
-          <p:cNvSpPr txBox="1"/>
+            <a:endParaRPr b="0" lang="en-US" sz="2400" spc="-1" strike="noStrike">
+              <a:latin typeface="Arial"/>
+            </a:endParaRPr>
+          </a:p>
+        </p:txBody>
+      </p:sp>
+      <p:sp>
+        <p:nvSpPr>
+          <p:cNvPr id="89" name="CustomShape 2"/>
+          <p:cNvSpPr/>
           <p:nvPr/>
         </p:nvSpPr>
         <p:spPr>
           <a:xfrm>
             <a:off x="2162520" y="4245480"/>
-            <a:ext cx="8001000" cy="2277360"/>
+            <a:ext cx="8000280" cy="2276640"/>
           </a:xfrm>
           <a:prstGeom prst="rect">
             <a:avLst/>
@@ -6454,18 +4702,27 @@
             <a:noFill/>
           </a:ln>
         </p:spPr>
-        <p:txBody>
-          <a:bodyPr tIns="90000">
+        <p:style>
+          <a:lnRef idx="0"/>
+          <a:fillRef idx="0"/>
+          <a:effectRef idx="0"/>
+          <a:fontRef idx="minor"/>
+        </p:style>
+        <p:txBody>
+          <a:bodyPr lIns="90000" rIns="90000" tIns="90000" bIns="45000">
             <a:noAutofit/>
           </a:bodyPr>
           <a:p>
-            <a:pPr marL="228600" indent="-228240">
+            <a:pPr marL="228600" indent="-227520">
               <a:lnSpc>
                 <a:spcPct val="90000"/>
               </a:lnSpc>
               <a:spcBef>
                 <a:spcPts val="1001"/>
               </a:spcBef>
+              <a:tabLst>
+                <a:tab algn="l" pos="0"/>
+              </a:tabLst>
             </a:pPr>
             <a:r>
               <a:rPr b="0" lang="en-IL" sz="1800" spc="-1" strike="noStrike">
@@ -6473,6 +4730,7 @@
                   <a:srgbClr val="000000"/>
                 </a:solidFill>
                 <a:latin typeface="Consolas"/>
+                <a:ea typeface="DejaVu Sans"/>
               </a:rPr>
               <a:t>auto break_time = 5</a:t>
             </a:r>
@@ -6482,6 +4740,7 @@
                   <a:srgbClr val="ff0000"/>
                 </a:solidFill>
                 <a:latin typeface="Consolas"/>
+                <a:ea typeface="DejaVu Sans"/>
               </a:rPr>
               <a:t>min</a:t>
             </a:r>
@@ -6491,6 +4750,7 @@
                   <a:srgbClr val="000000"/>
                 </a:solidFill>
                 <a:latin typeface="Consolas"/>
+                <a:ea typeface="DejaVu Sans"/>
               </a:rPr>
               <a:t>;</a:t>
             </a:r>
@@ -6500,6 +4760,7 @@
                   <a:srgbClr val="000000"/>
                 </a:solidFill>
                 <a:latin typeface="Consolas"/>
+                <a:ea typeface="DejaVu Sans"/>
               </a:rPr>
               <a:t>	</a:t>
             </a:r>
@@ -6509,40 +4770,41 @@
                   <a:srgbClr val="000000"/>
                 </a:solidFill>
                 <a:latin typeface="Consolas"/>
+                <a:ea typeface="DejaVu Sans"/>
               </a:rPr>
               <a:t>// std::chrono::minutes</a:t>
             </a:r>
-            <a:endParaRPr b="0" lang="en-IL" sz="1800" spc="-1" strike="noStrike">
-              <a:solidFill>
-                <a:srgbClr val="000000"/>
-              </a:solidFill>
-              <a:latin typeface="Calibri"/>
-            </a:endParaRPr>
-          </a:p>
-          <a:p>
-            <a:pPr marL="228600" indent="-228240">
+            <a:endParaRPr b="0" lang="en-US" sz="1800" spc="-1" strike="noStrike">
+              <a:latin typeface="Arial"/>
+            </a:endParaRPr>
+          </a:p>
+          <a:p>
+            <a:pPr marL="228600" indent="-227520">
               <a:lnSpc>
                 <a:spcPct val="90000"/>
               </a:lnSpc>
               <a:spcBef>
                 <a:spcPts val="1001"/>
               </a:spcBef>
+              <a:tabLst>
+                <a:tab algn="l" pos="0"/>
+              </a:tabLst>
             </a:pPr>
-            <a:endParaRPr b="0" lang="en-IL" sz="1800" spc="-1" strike="noStrike">
-              <a:solidFill>
-                <a:srgbClr val="000000"/>
-              </a:solidFill>
-              <a:latin typeface="Calibri"/>
-            </a:endParaRPr>
-          </a:p>
-          <a:p>
-            <a:pPr marL="228600" indent="-228240">
+            <a:endParaRPr b="0" lang="en-US" sz="1800" spc="-1" strike="noStrike">
+              <a:latin typeface="Arial"/>
+            </a:endParaRPr>
+          </a:p>
+          <a:p>
+            <a:pPr marL="228600" indent="-227520">
               <a:lnSpc>
                 <a:spcPct val="90000"/>
               </a:lnSpc>
               <a:spcBef>
                 <a:spcPts val="1001"/>
               </a:spcBef>
+              <a:tabLst>
+                <a:tab algn="l" pos="0"/>
+              </a:tabLst>
             </a:pPr>
             <a:r>
               <a:rPr b="0" lang="en-IL" sz="1800" spc="-1" strike="noStrike">
@@ -6550,6 +4812,7 @@
                   <a:srgbClr val="000000"/>
                 </a:solidFill>
                 <a:latin typeface="Consolas"/>
+                <a:ea typeface="DejaVu Sans"/>
               </a:rPr>
               <a:t>auto c = 0.5 + 1.0</a:t>
             </a:r>
@@ -6559,6 +4822,7 @@
                   <a:srgbClr val="ff0000"/>
                 </a:solidFill>
                 <a:latin typeface="Consolas"/>
+                <a:ea typeface="DejaVu Sans"/>
               </a:rPr>
               <a:t>i</a:t>
             </a:r>
@@ -6568,6 +4832,7 @@
                   <a:srgbClr val="000000"/>
                 </a:solidFill>
                 <a:latin typeface="Consolas"/>
+                <a:ea typeface="DejaVu Sans"/>
               </a:rPr>
               <a:t>;</a:t>
             </a:r>
@@ -6577,6 +4842,7 @@
                   <a:srgbClr val="000000"/>
                 </a:solidFill>
                 <a:latin typeface="Consolas"/>
+                <a:ea typeface="DejaVu Sans"/>
               </a:rPr>
               <a:t>	</a:t>
             </a:r>
@@ -6586,6 +4852,7 @@
                   <a:srgbClr val="000000"/>
                 </a:solidFill>
                 <a:latin typeface="Consolas"/>
+                <a:ea typeface="DejaVu Sans"/>
               </a:rPr>
               <a:t>	</a:t>
             </a:r>
@@ -6595,40 +4862,41 @@
                   <a:srgbClr val="000000"/>
                 </a:solidFill>
                 <a:latin typeface="Consolas"/>
+                <a:ea typeface="DejaVu Sans"/>
               </a:rPr>
               <a:t>// std::complex&lt;double&gt;</a:t>
             </a:r>
-            <a:endParaRPr b="0" lang="en-IL" sz="1800" spc="-1" strike="noStrike">
-              <a:solidFill>
-                <a:srgbClr val="000000"/>
-              </a:solidFill>
-              <a:latin typeface="Calibri"/>
-            </a:endParaRPr>
-          </a:p>
-          <a:p>
-            <a:pPr marL="228600" indent="-228240">
+            <a:endParaRPr b="0" lang="en-US" sz="1800" spc="-1" strike="noStrike">
+              <a:latin typeface="Arial"/>
+            </a:endParaRPr>
+          </a:p>
+          <a:p>
+            <a:pPr marL="228600" indent="-227520">
               <a:lnSpc>
                 <a:spcPct val="90000"/>
               </a:lnSpc>
               <a:spcBef>
                 <a:spcPts val="1001"/>
               </a:spcBef>
+              <a:tabLst>
+                <a:tab algn="l" pos="0"/>
+              </a:tabLst>
             </a:pPr>
-            <a:endParaRPr b="0" lang="en-IL" sz="1800" spc="-1" strike="noStrike">
-              <a:solidFill>
-                <a:srgbClr val="000000"/>
-              </a:solidFill>
-              <a:latin typeface="Calibri"/>
-            </a:endParaRPr>
-          </a:p>
-          <a:p>
-            <a:pPr marL="228600" indent="-228240">
+            <a:endParaRPr b="0" lang="en-US" sz="1800" spc="-1" strike="noStrike">
+              <a:latin typeface="Arial"/>
+            </a:endParaRPr>
+          </a:p>
+          <a:p>
+            <a:pPr marL="228600" indent="-227520">
               <a:lnSpc>
                 <a:spcPct val="90000"/>
               </a:lnSpc>
               <a:spcBef>
                 <a:spcPts val="1001"/>
               </a:spcBef>
+              <a:tabLst>
+                <a:tab algn="l" pos="0"/>
+              </a:tabLst>
             </a:pPr>
             <a:r>
               <a:rPr b="0" lang="en-IL" sz="1800" spc="-1" strike="noStrike">
@@ -6636,6 +4904,7 @@
                   <a:srgbClr val="000000"/>
                 </a:solidFill>
                 <a:latin typeface="Consolas"/>
+                <a:ea typeface="DejaVu Sans"/>
               </a:rPr>
               <a:t>auto message = L"Hi there"</a:t>
             </a:r>
@@ -6645,6 +4914,7 @@
                   <a:srgbClr val="ff0000"/>
                 </a:solidFill>
                 <a:latin typeface="Consolas"/>
+                <a:ea typeface="DejaVu Sans"/>
               </a:rPr>
               <a:t>s</a:t>
             </a:r>
@@ -6654,6 +4924,7 @@
                   <a:srgbClr val="000000"/>
                 </a:solidFill>
                 <a:latin typeface="Consolas"/>
+                <a:ea typeface="DejaVu Sans"/>
               </a:rPr>
               <a:t>;</a:t>
             </a:r>
@@ -6663,6 +4934,7 @@
                   <a:srgbClr val="000000"/>
                 </a:solidFill>
                 <a:latin typeface="Consolas"/>
+                <a:ea typeface="DejaVu Sans"/>
               </a:rPr>
               <a:t>	</a:t>
             </a:r>
@@ -6672,28 +4944,26 @@
                   <a:srgbClr val="000000"/>
                 </a:solidFill>
                 <a:latin typeface="Consolas"/>
+                <a:ea typeface="DejaVu Sans"/>
               </a:rPr>
               <a:t>// std::wstring</a:t>
             </a:r>
-            <a:endParaRPr b="0" lang="en-IL" sz="1800" spc="-1" strike="noStrike">
-              <a:solidFill>
-                <a:srgbClr val="000000"/>
-              </a:solidFill>
-              <a:latin typeface="Calibri"/>
-            </a:endParaRPr>
-          </a:p>
-        </p:txBody>
-      </p:sp>
-      <p:sp>
-        <p:nvSpPr>
-          <p:cNvPr id="133" name="TextShape 3"/>
-          <p:cNvSpPr txBox="1"/>
+            <a:endParaRPr b="0" lang="en-US" sz="1800" spc="-1" strike="noStrike">
+              <a:latin typeface="Arial"/>
+            </a:endParaRPr>
+          </a:p>
+        </p:txBody>
+      </p:sp>
+      <p:sp>
+        <p:nvSpPr>
+          <p:cNvPr id="90" name="CustomShape 3"/>
+          <p:cNvSpPr/>
           <p:nvPr/>
         </p:nvSpPr>
         <p:spPr>
           <a:xfrm>
             <a:off x="815400" y="548640"/>
-            <a:ext cx="10560960" cy="719640"/>
+            <a:ext cx="10560240" cy="718920"/>
           </a:xfrm>
           <a:prstGeom prst="rect">
             <a:avLst/>
@@ -6703,8 +4973,14 @@
             <a:noFill/>
           </a:ln>
         </p:spPr>
-        <p:txBody>
-          <a:bodyPr lIns="0" tIns="0" anchor="b">
+        <p:style>
+          <a:lnRef idx="0"/>
+          <a:fillRef idx="0"/>
+          <a:effectRef idx="0"/>
+          <a:fontRef idx="minor"/>
+        </p:style>
+        <p:txBody>
+          <a:bodyPr lIns="0" rIns="90000" tIns="0" bIns="45000" anchor="b">
             <a:noAutofit/>
           </a:bodyPr>
           <a:p>
@@ -6719,28 +4995,26 @@
                   <a:srgbClr val="000000"/>
                 </a:solidFill>
                 <a:latin typeface="Calibri Light"/>
+                <a:ea typeface="DejaVu Sans"/>
               </a:rPr>
               <a:t>Standard-Defined Literals</a:t>
             </a:r>
-            <a:endParaRPr b="0" lang="en-IL" sz="4400" spc="-1" strike="noStrike">
-              <a:solidFill>
-                <a:srgbClr val="000000"/>
-              </a:solidFill>
-              <a:latin typeface="Calibri"/>
-            </a:endParaRPr>
-          </a:p>
-        </p:txBody>
-      </p:sp>
-      <p:sp>
-        <p:nvSpPr>
-          <p:cNvPr id="134" name="CustomShape 4"/>
+            <a:endParaRPr b="0" lang="en-US" sz="4400" spc="-1" strike="noStrike">
+              <a:latin typeface="Arial"/>
+            </a:endParaRPr>
+          </a:p>
+        </p:txBody>
+      </p:sp>
+      <p:sp>
+        <p:nvSpPr>
+          <p:cNvPr id="91" name="CustomShape 4"/>
           <p:cNvSpPr/>
           <p:nvPr/>
         </p:nvSpPr>
         <p:spPr>
           <a:xfrm>
             <a:off x="8400240" y="7920"/>
-            <a:ext cx="2232000" cy="1020600"/>
+            <a:ext cx="2231280" cy="1019880"/>
           </a:xfrm>
           <a:prstGeom prst="ellipseRibbon">
             <a:avLst>
@@ -6749,7 +5023,9 @@
               <a:gd name="adj3" fmla="val 12500"/>
             </a:avLst>
           </a:prstGeom>
-          <a:ln/>
+          <a:ln>
+            <a:round/>
+          </a:ln>
         </p:spPr>
         <p:style>
           <a:lnRef idx="2">
@@ -6781,6 +5057,7 @@
                   <a:srgbClr val="ffffff"/>
                 </a:solidFill>
                 <a:latin typeface="Segoe"/>
+                <a:ea typeface="DejaVu Sans"/>
               </a:rPr>
               <a:t>C++ 14</a:t>
             </a:r>
@@ -6822,14 +5099,14 @@
       </p:grpSpPr>
       <p:sp>
         <p:nvSpPr>
-          <p:cNvPr id="135" name="CustomShape 1"/>
+          <p:cNvPr id="92" name="CustomShape 1"/>
           <p:cNvSpPr/>
           <p:nvPr/>
         </p:nvSpPr>
         <p:spPr>
           <a:xfrm>
-            <a:off x="8400240" y="7920"/>
-            <a:ext cx="2232000" cy="1020600"/>
+            <a:off x="9966960" y="7920"/>
+            <a:ext cx="2231280" cy="1019880"/>
           </a:xfrm>
           <a:prstGeom prst="ellipseRibbon">
             <a:avLst>
@@ -6838,7 +5115,9 @@
               <a:gd name="adj3" fmla="val 12500"/>
             </a:avLst>
           </a:prstGeom>
-          <a:ln/>
+          <a:ln>
+            <a:round/>
+          </a:ln>
         </p:spPr>
         <p:style>
           <a:lnRef idx="2">
@@ -6870,6 +5149,7 @@
                   <a:srgbClr val="ffffff"/>
                 </a:solidFill>
                 <a:latin typeface="Segoe"/>
+                <a:ea typeface="DejaVu Sans"/>
               </a:rPr>
               <a:t>C++ 14</a:t>
             </a:r>
@@ -6881,14 +5161,14 @@
       </p:sp>
       <p:sp>
         <p:nvSpPr>
-          <p:cNvPr id="136" name="TextShape 2"/>
-          <p:cNvSpPr txBox="1"/>
+          <p:cNvPr id="93" name="CustomShape 2"/>
+          <p:cNvSpPr/>
           <p:nvPr/>
         </p:nvSpPr>
         <p:spPr>
           <a:xfrm>
             <a:off x="2115000" y="3827520"/>
-            <a:ext cx="8004240" cy="1072440"/>
+            <a:ext cx="8400600" cy="1071720"/>
           </a:xfrm>
           <a:prstGeom prst="rect">
             <a:avLst/>
@@ -6902,12 +5182,18 @@
             <a:noFill/>
           </a:ln>
         </p:spPr>
-        <p:txBody>
-          <a:bodyPr tIns="90000">
+        <p:style>
+          <a:lnRef idx="0"/>
+          <a:fillRef idx="0"/>
+          <a:effectRef idx="0"/>
+          <a:fontRef idx="minor"/>
+        </p:style>
+        <p:txBody>
+          <a:bodyPr lIns="90000" rIns="90000" tIns="90000" bIns="45000">
             <a:noAutofit/>
           </a:bodyPr>
           <a:p>
-            <a:pPr marL="343080" indent="-342720">
+            <a:pPr marL="343080" indent="-342000">
               <a:lnSpc>
                 <a:spcPct val="90000"/>
               </a:lnSpc>
@@ -6925,28 +5211,26 @@
                   <a:srgbClr val="000000"/>
                 </a:solidFill>
                 <a:latin typeface="Segoe"/>
-              </a:rPr>
-              <a:t>Yay, binary literals!</a:t>
-            </a:r>
-            <a:endParaRPr b="0" lang="en-IL" sz="2800" spc="-1" strike="noStrike">
-              <a:solidFill>
-                <a:srgbClr val="000000"/>
-              </a:solidFill>
-              <a:latin typeface="Calibri"/>
-            </a:endParaRPr>
-          </a:p>
-        </p:txBody>
-      </p:sp>
-      <p:sp>
-        <p:nvSpPr>
-          <p:cNvPr id="137" name="TextShape 3"/>
-          <p:cNvSpPr txBox="1"/>
+                <a:ea typeface="DejaVu Sans"/>
+              </a:rPr>
+              <a:t>Yay, digit separators (anywhere you’d like)!</a:t>
+            </a:r>
+            <a:endParaRPr b="0" lang="en-US" sz="2800" spc="-1" strike="noStrike">
+              <a:latin typeface="Arial"/>
+            </a:endParaRPr>
+          </a:p>
+        </p:txBody>
+      </p:sp>
+      <p:sp>
+        <p:nvSpPr>
+          <p:cNvPr id="94" name="CustomShape 3"/>
+          <p:cNvSpPr/>
           <p:nvPr/>
         </p:nvSpPr>
         <p:spPr>
           <a:xfrm>
             <a:off x="2135520" y="1485720"/>
-            <a:ext cx="8004240" cy="1070640"/>
+            <a:ext cx="8003520" cy="1069920"/>
           </a:xfrm>
           <a:prstGeom prst="rect">
             <a:avLst/>
@@ -6960,12 +5244,18 @@
             <a:noFill/>
           </a:ln>
         </p:spPr>
-        <p:txBody>
-          <a:bodyPr tIns="90000">
+        <p:style>
+          <a:lnRef idx="0"/>
+          <a:fillRef idx="0"/>
+          <a:effectRef idx="0"/>
+          <a:fontRef idx="minor"/>
+        </p:style>
+        <p:txBody>
+          <a:bodyPr lIns="90000" rIns="90000" tIns="90000" bIns="45000">
             <a:noAutofit/>
           </a:bodyPr>
           <a:p>
-            <a:pPr marL="343080" indent="-342720">
+            <a:pPr marL="343080" indent="-342000">
               <a:lnSpc>
                 <a:spcPct val="90000"/>
               </a:lnSpc>
@@ -6983,28 +5273,26 @@
                   <a:srgbClr val="000000"/>
                 </a:solidFill>
                 <a:latin typeface="Segoe"/>
-              </a:rPr>
-              <a:t>Yay, digit separators (anywhere you’d like)!</a:t>
-            </a:r>
-            <a:endParaRPr b="0" lang="en-IL" sz="2800" spc="-1" strike="noStrike">
-              <a:solidFill>
-                <a:srgbClr val="000000"/>
-              </a:solidFill>
-              <a:latin typeface="Calibri"/>
-            </a:endParaRPr>
-          </a:p>
-        </p:txBody>
-      </p:sp>
-      <p:sp>
-        <p:nvSpPr>
-          <p:cNvPr id="138" name="TextShape 4"/>
-          <p:cNvSpPr txBox="1"/>
+                <a:ea typeface="DejaVu Sans"/>
+              </a:rPr>
+              <a:t>Yay, binary literals!</a:t>
+            </a:r>
+            <a:endParaRPr b="0" lang="en-US" sz="2800" spc="-1" strike="noStrike">
+              <a:latin typeface="Arial"/>
+            </a:endParaRPr>
+          </a:p>
+        </p:txBody>
+      </p:sp>
+      <p:sp>
+        <p:nvSpPr>
+          <p:cNvPr id="95" name="CustomShape 4"/>
+          <p:cNvSpPr/>
           <p:nvPr/>
         </p:nvSpPr>
         <p:spPr>
           <a:xfrm>
             <a:off x="2115000" y="4965840"/>
-            <a:ext cx="8012880" cy="1139040"/>
+            <a:ext cx="8012160" cy="1138320"/>
           </a:xfrm>
           <a:prstGeom prst="rect">
             <a:avLst/>
@@ -7018,18 +5306,27 @@
             <a:noFill/>
           </a:ln>
         </p:spPr>
-        <p:txBody>
-          <a:bodyPr tIns="90000">
+        <p:style>
+          <a:lnRef idx="0"/>
+          <a:fillRef idx="0"/>
+          <a:effectRef idx="0"/>
+          <a:fontRef idx="minor"/>
+        </p:style>
+        <p:txBody>
+          <a:bodyPr lIns="90000" rIns="90000" tIns="90000" bIns="45000">
             <a:noAutofit/>
           </a:bodyPr>
           <a:p>
-            <a:pPr marL="228600" indent="-228240">
+            <a:pPr marL="228600" indent="-227520">
               <a:lnSpc>
                 <a:spcPct val="90000"/>
               </a:lnSpc>
               <a:spcBef>
                 <a:spcPts val="1001"/>
               </a:spcBef>
+              <a:tabLst>
+                <a:tab algn="l" pos="0"/>
+              </a:tabLst>
             </a:pPr>
             <a:r>
               <a:rPr b="0" lang="en-IL" sz="1800" spc="-1" strike="noStrike">
@@ -7037,24 +5334,25 @@
                   <a:srgbClr val="000000"/>
                 </a:solidFill>
                 <a:latin typeface="Consolas"/>
+                <a:ea typeface="DejaVu Sans"/>
               </a:rPr>
               <a:t>auto billion = 1'000'000'000;</a:t>
             </a:r>
-            <a:endParaRPr b="0" lang="en-IL" sz="1800" spc="-1" strike="noStrike">
-              <a:solidFill>
-                <a:srgbClr val="000000"/>
-              </a:solidFill>
-              <a:latin typeface="Calibri"/>
-            </a:endParaRPr>
-          </a:p>
-          <a:p>
-            <a:pPr marL="228600" indent="-228240">
+            <a:endParaRPr b="0" lang="en-US" sz="1800" spc="-1" strike="noStrike">
+              <a:latin typeface="Arial"/>
+            </a:endParaRPr>
+          </a:p>
+          <a:p>
+            <a:pPr marL="228600" indent="-227520">
               <a:lnSpc>
                 <a:spcPct val="90000"/>
               </a:lnSpc>
               <a:spcBef>
                 <a:spcPts val="1001"/>
               </a:spcBef>
+              <a:tabLst>
+                <a:tab algn="l" pos="0"/>
+              </a:tabLst>
             </a:pPr>
             <a:r>
               <a:rPr b="0" lang="en-IL" sz="1800" spc="-1" strike="noStrike">
@@ -7062,28 +5360,26 @@
                   <a:srgbClr val="000000"/>
                 </a:solidFill>
                 <a:latin typeface="Consolas"/>
+                <a:ea typeface="DejaVu Sans"/>
               </a:rPr>
               <a:t>auto bitmask = 0b1101'0010'0011;</a:t>
             </a:r>
-            <a:endParaRPr b="0" lang="en-IL" sz="1800" spc="-1" strike="noStrike">
-              <a:solidFill>
-                <a:srgbClr val="000000"/>
-              </a:solidFill>
-              <a:latin typeface="Calibri"/>
-            </a:endParaRPr>
-          </a:p>
-        </p:txBody>
-      </p:sp>
-      <p:sp>
-        <p:nvSpPr>
-          <p:cNvPr id="139" name="TextShape 5"/>
-          <p:cNvSpPr txBox="1"/>
+            <a:endParaRPr b="0" lang="en-US" sz="1800" spc="-1" strike="noStrike">
+              <a:latin typeface="Arial"/>
+            </a:endParaRPr>
+          </a:p>
+        </p:txBody>
+      </p:sp>
+      <p:sp>
+        <p:nvSpPr>
+          <p:cNvPr id="96" name="CustomShape 5"/>
+          <p:cNvSpPr/>
           <p:nvPr/>
         </p:nvSpPr>
         <p:spPr>
           <a:xfrm>
             <a:off x="2115000" y="2622240"/>
-            <a:ext cx="8012880" cy="1139040"/>
+            <a:ext cx="8012160" cy="1138320"/>
           </a:xfrm>
           <a:prstGeom prst="rect">
             <a:avLst/>
@@ -7097,18 +5393,27 @@
             <a:noFill/>
           </a:ln>
         </p:spPr>
-        <p:txBody>
-          <a:bodyPr tIns="90000">
+        <p:style>
+          <a:lnRef idx="0"/>
+          <a:fillRef idx="0"/>
+          <a:effectRef idx="0"/>
+          <a:fontRef idx="minor"/>
+        </p:style>
+        <p:txBody>
+          <a:bodyPr lIns="90000" rIns="90000" tIns="90000" bIns="45000">
             <a:noAutofit/>
           </a:bodyPr>
           <a:p>
-            <a:pPr marL="228600" indent="-228240">
+            <a:pPr marL="228600" indent="-227520">
               <a:lnSpc>
                 <a:spcPct val="90000"/>
               </a:lnSpc>
               <a:spcBef>
                 <a:spcPts val="1001"/>
               </a:spcBef>
+              <a:tabLst>
+                <a:tab algn="l" pos="0"/>
+              </a:tabLst>
             </a:pPr>
             <a:r>
               <a:rPr b="0" lang="en-IL" sz="1800" spc="-1" strike="noStrike">
@@ -7116,28 +5421,26 @@
                   <a:srgbClr val="000000"/>
                 </a:solidFill>
                 <a:latin typeface="Consolas"/>
+                <a:ea typeface="DejaVu Sans"/>
               </a:rPr>
               <a:t>auto bitmask = 0b1001101110;</a:t>
             </a:r>
-            <a:endParaRPr b="0" lang="en-IL" sz="1800" spc="-1" strike="noStrike">
-              <a:solidFill>
-                <a:srgbClr val="000000"/>
-              </a:solidFill>
-              <a:latin typeface="Calibri"/>
-            </a:endParaRPr>
-          </a:p>
-        </p:txBody>
-      </p:sp>
-      <p:sp>
-        <p:nvSpPr>
-          <p:cNvPr id="140" name="TextShape 6"/>
-          <p:cNvSpPr txBox="1"/>
+            <a:endParaRPr b="0" lang="en-US" sz="1800" spc="-1" strike="noStrike">
+              <a:latin typeface="Arial"/>
+            </a:endParaRPr>
+          </a:p>
+        </p:txBody>
+      </p:sp>
+      <p:sp>
+        <p:nvSpPr>
+          <p:cNvPr id="97" name="CustomShape 6"/>
+          <p:cNvSpPr/>
           <p:nvPr/>
         </p:nvSpPr>
         <p:spPr>
           <a:xfrm>
             <a:off x="815400" y="548640"/>
-            <a:ext cx="10560960" cy="719640"/>
+            <a:ext cx="10560240" cy="718920"/>
           </a:xfrm>
           <a:prstGeom prst="rect">
             <a:avLst/>
@@ -7147,8 +5450,14 @@
             <a:noFill/>
           </a:ln>
         </p:spPr>
-        <p:txBody>
-          <a:bodyPr lIns="0" tIns="0" anchor="b">
+        <p:style>
+          <a:lnRef idx="0"/>
+          <a:fillRef idx="0"/>
+          <a:effectRef idx="0"/>
+          <a:fontRef idx="minor"/>
+        </p:style>
+        <p:txBody>
+          <a:bodyPr lIns="0" rIns="90000" tIns="0" bIns="45000" anchor="b">
             <a:noAutofit/>
           </a:bodyPr>
           <a:p>
@@ -7163,14 +5472,12 @@
                   <a:srgbClr val="000000"/>
                 </a:solidFill>
                 <a:latin typeface="Calibri Light"/>
+                <a:ea typeface="DejaVu Sans"/>
               </a:rPr>
               <a:t>Binary Literals, Digit Separators</a:t>
             </a:r>
-            <a:endParaRPr b="0" lang="en-IL" sz="4400" spc="-1" strike="noStrike">
-              <a:solidFill>
-                <a:srgbClr val="000000"/>
-              </a:solidFill>
-              <a:latin typeface="Calibri"/>
+            <a:endParaRPr b="0" lang="en-US" sz="4400" spc="-1" strike="noStrike">
+              <a:latin typeface="Arial"/>
             </a:endParaRPr>
           </a:p>
         </p:txBody>
@@ -7302,18 +5609,21 @@
             </a:schemeClr>
           </a:solidFill>
           <a:prstDash val="solid"/>
+          <a:miter/>
         </a:ln>
         <a:ln w="25400" cap="flat" cmpd="sng" algn="ctr">
           <a:solidFill>
             <a:schemeClr val="phClr"/>
           </a:solidFill>
           <a:prstDash val="solid"/>
+          <a:miter/>
         </a:ln>
         <a:ln w="38100" cap="flat" cmpd="sng" algn="ctr">
           <a:solidFill>
             <a:schemeClr val="phClr"/>
           </a:solidFill>
           <a:prstDash val="solid"/>
+          <a:miter/>
         </a:ln>
       </a:lnStyleLst>
       <a:effectStyleLst>
@@ -7525,18 +5835,21 @@
             </a:schemeClr>
           </a:solidFill>
           <a:prstDash val="solid"/>
+          <a:miter/>
         </a:ln>
         <a:ln w="25400" cap="flat" cmpd="sng" algn="ctr">
           <a:solidFill>
             <a:schemeClr val="phClr"/>
           </a:solidFill>
           <a:prstDash val="solid"/>
+          <a:miter/>
         </a:ln>
         <a:ln w="38100" cap="flat" cmpd="sng" algn="ctr">
           <a:solidFill>
             <a:schemeClr val="phClr"/>
           </a:solidFill>
           <a:prstDash val="solid"/>
+          <a:miter/>
         </a:ln>
       </a:lnStyleLst>
       <a:effectStyleLst>
@@ -7748,241 +6061,21 @@
             </a:schemeClr>
           </a:solidFill>
           <a:prstDash val="solid"/>
+          <a:miter/>
         </a:ln>
         <a:ln w="25400" cap="flat" cmpd="sng" algn="ctr">
           <a:solidFill>
             <a:schemeClr val="phClr"/>
           </a:solidFill>
           <a:prstDash val="solid"/>
+          <a:miter/>
         </a:ln>
         <a:ln w="38100" cap="flat" cmpd="sng" algn="ctr">
           <a:solidFill>
             <a:schemeClr val="phClr"/>
           </a:solidFill>
           <a:prstDash val="solid"/>
-        </a:ln>
-      </a:lnStyleLst>
-      <a:effectStyleLst>
-        <a:effectStyle>
-          <a:effectLst>
-            <a:outerShdw blurRad="40000" dist="20000" dir="5400000" rotWithShape="0">
-              <a:srgbClr val="000000">
-                <a:alpha val="38000"/>
-              </a:srgbClr>
-            </a:outerShdw>
-          </a:effectLst>
-        </a:effectStyle>
-        <a:effectStyle>
-          <a:effectLst>
-            <a:outerShdw blurRad="40000" dist="23000" dir="5400000" rotWithShape="0">
-              <a:srgbClr val="000000">
-                <a:alpha val="35000"/>
-              </a:srgbClr>
-            </a:outerShdw>
-          </a:effectLst>
-        </a:effectStyle>
-        <a:effectStyle>
-          <a:effectLst>
-            <a:outerShdw blurRad="40000" dist="23000" dir="5400000" rotWithShape="0">
-              <a:srgbClr val="000000">
-                <a:alpha val="35000"/>
-              </a:srgbClr>
-            </a:outerShdw>
-          </a:effectLst>
-          <a:scene3d>
-            <a:camera prst="orthographicFront">
-              <a:rot lat="0" lon="0" rev="0"/>
-            </a:camera>
-            <a:lightRig rig="threePt" dir="t">
-              <a:rot lat="0" lon="0" rev="1200000"/>
-            </a:lightRig>
-          </a:scene3d>
-          <a:sp3d>
-            <a:bevelT w="63500" h="25400"/>
-          </a:sp3d>
-        </a:effectStyle>
-      </a:effectStyleLst>
-      <a:bgFillStyleLst>
-        <a:solidFill>
-          <a:schemeClr val="phClr"/>
-        </a:solidFill>
-        <a:gradFill rotWithShape="1">
-          <a:gsLst>
-            <a:gs pos="0">
-              <a:schemeClr val="phClr">
-                <a:tint val="40000"/>
-                <a:satMod val="350000"/>
-              </a:schemeClr>
-            </a:gs>
-            <a:gs pos="40000">
-              <a:schemeClr val="phClr">
-                <a:tint val="45000"/>
-                <a:shade val="99000"/>
-                <a:satMod val="350000"/>
-              </a:schemeClr>
-            </a:gs>
-            <a:gs pos="100000">
-              <a:schemeClr val="phClr">
-                <a:shade val="20000"/>
-                <a:satMod val="255000"/>
-              </a:schemeClr>
-            </a:gs>
-          </a:gsLst>
-          <a:path path="circle">
-            <a:fillToRect l="50000" t="-80000" r="50000" b="180000"/>
-          </a:path>
-        </a:gradFill>
-        <a:gradFill rotWithShape="1">
-          <a:gsLst>
-            <a:gs pos="0">
-              <a:schemeClr val="phClr">
-                <a:tint val="80000"/>
-                <a:satMod val="300000"/>
-              </a:schemeClr>
-            </a:gs>
-            <a:gs pos="100000">
-              <a:schemeClr val="phClr">
-                <a:shade val="30000"/>
-                <a:satMod val="200000"/>
-              </a:schemeClr>
-            </a:gs>
-          </a:gsLst>
-          <a:path path="circle">
-            <a:fillToRect l="50000" t="50000" r="50000" b="50000"/>
-          </a:path>
-        </a:gradFill>
-      </a:bgFillStyleLst>
-    </a:fmtScheme>
-  </a:themeElements>
-</a:theme>
-</file>
-
-<file path=ppt/theme/theme4.xml><?xml version="1.0" encoding="utf-8"?>
-<a:theme xmlns:a="http://schemas.openxmlformats.org/drawingml/2006/main" name="Office Theme">
-  <a:themeElements>
-    <a:clrScheme name="Office">
-      <a:dk1>
-        <a:sysClr val="windowText" lastClr="000000"/>
-      </a:dk1>
-      <a:lt1>
-        <a:sysClr val="window" lastClr="FFFFFF"/>
-      </a:lt1>
-      <a:dk2>
-        <a:srgbClr val="44546a"/>
-      </a:dk2>
-      <a:lt2>
-        <a:srgbClr val="e7e6e6"/>
-      </a:lt2>
-      <a:accent1>
-        <a:srgbClr val="4472c4"/>
-      </a:accent1>
-      <a:accent2>
-        <a:srgbClr val="ed7d31"/>
-      </a:accent2>
-      <a:accent3>
-        <a:srgbClr val="a5a5a5"/>
-      </a:accent3>
-      <a:accent4>
-        <a:srgbClr val="ffc000"/>
-      </a:accent4>
-      <a:accent5>
-        <a:srgbClr val="5b9bd5"/>
-      </a:accent5>
-      <a:accent6>
-        <a:srgbClr val="70ad47"/>
-      </a:accent6>
-      <a:hlink>
-        <a:srgbClr val="0563c1"/>
-      </a:hlink>
-      <a:folHlink>
-        <a:srgbClr val="954f72"/>
-      </a:folHlink>
-    </a:clrScheme>
-    <a:fontScheme name="Office">
-      <a:majorFont>
-        <a:latin typeface="Arial"/>
-        <a:ea typeface="DejaVu Sans"/>
-        <a:cs typeface="DejaVu Sans"/>
-      </a:majorFont>
-      <a:minorFont>
-        <a:latin typeface="Arial"/>
-        <a:ea typeface="DejaVu Sans"/>
-        <a:cs typeface="DejaVu Sans"/>
-      </a:minorFont>
-    </a:fontScheme>
-    <a:fmtScheme name="Office">
-      <a:fillStyleLst>
-        <a:solidFill>
-          <a:schemeClr val="phClr"/>
-        </a:solidFill>
-        <a:gradFill rotWithShape="1">
-          <a:gsLst>
-            <a:gs pos="0">
-              <a:schemeClr val="phClr">
-                <a:tint val="50000"/>
-                <a:satMod val="300000"/>
-              </a:schemeClr>
-            </a:gs>
-            <a:gs pos="35000">
-              <a:schemeClr val="phClr">
-                <a:tint val="37000"/>
-                <a:satMod val="300000"/>
-              </a:schemeClr>
-            </a:gs>
-            <a:gs pos="100000">
-              <a:schemeClr val="phClr">
-                <a:tint val="15000"/>
-                <a:satMod val="350000"/>
-              </a:schemeClr>
-            </a:gs>
-          </a:gsLst>
-          <a:lin ang="16200000" scaled="1"/>
-        </a:gradFill>
-        <a:gradFill rotWithShape="1">
-          <a:gsLst>
-            <a:gs pos="0">
-              <a:schemeClr val="phClr">
-                <a:shade val="51000"/>
-                <a:satMod val="130000"/>
-              </a:schemeClr>
-            </a:gs>
-            <a:gs pos="80000">
-              <a:schemeClr val="phClr">
-                <a:shade val="93000"/>
-                <a:satMod val="130000"/>
-              </a:schemeClr>
-            </a:gs>
-            <a:gs pos="100000">
-              <a:schemeClr val="phClr">
-                <a:shade val="94000"/>
-                <a:satMod val="135000"/>
-              </a:schemeClr>
-            </a:gs>
-          </a:gsLst>
-          <a:lin ang="16200000" scaled="0"/>
-        </a:gradFill>
-      </a:fillStyleLst>
-      <a:lnStyleLst>
-        <a:ln w="9525" cap="flat" cmpd="sng" algn="ctr">
-          <a:solidFill>
-            <a:schemeClr val="phClr">
-              <a:shade val="95000"/>
-              <a:satMod val="105000"/>
-            </a:schemeClr>
-          </a:solidFill>
-          <a:prstDash val="solid"/>
-        </a:ln>
-        <a:ln w="25400" cap="flat" cmpd="sng" algn="ctr">
-          <a:solidFill>
-            <a:schemeClr val="phClr"/>
-          </a:solidFill>
-          <a:prstDash val="solid"/>
-        </a:ln>
-        <a:ln w="38100" cap="flat" cmpd="sng" algn="ctr">
-          <a:solidFill>
-            <a:schemeClr val="phClr"/>
-          </a:solidFill>
-          <a:prstDash val="solid"/>
+          <a:miter/>
         </a:ln>
       </a:lnStyleLst>
       <a:effectStyleLst>
